--- a/slides/source/I See Metrics_ Anomaly Detection on OpenShift.pptx
+++ b/slides/source/I See Metrics_ Anomaly Detection on OpenShift.pptx
@@ -22,44 +22,48 @@
     <p:sldId id="266" r:id="rId17"/>
     <p:sldId id="267" r:id="rId18"/>
     <p:sldId id="268" r:id="rId19"/>
+    <p:sldId id="269" r:id="rId20"/>
+    <p:sldId id="270" r:id="rId21"/>
+    <p:sldId id="271" r:id="rId22"/>
+    <p:sldId id="272" r:id="rId23"/>
   </p:sldIdLst>
   <p:sldSz cy="6858000" cx="12192000"/>
   <p:notesSz cx="6858000" cy="9144000"/>
   <p:embeddedFontLst>
     <p:embeddedFont>
       <p:font typeface="Proxima Nova"/>
-      <p:regular r:id="rId20"/>
-      <p:bold r:id="rId21"/>
-      <p:italic r:id="rId22"/>
-      <p:boldItalic r:id="rId23"/>
-    </p:embeddedFont>
-    <p:embeddedFont>
-      <p:font typeface="Roboto"/>
       <p:regular r:id="rId24"/>
       <p:bold r:id="rId25"/>
       <p:italic r:id="rId26"/>
       <p:boldItalic r:id="rId27"/>
     </p:embeddedFont>
     <p:embeddedFont>
-      <p:font typeface="Overpass"/>
+      <p:font typeface="Roboto"/>
       <p:regular r:id="rId28"/>
       <p:bold r:id="rId29"/>
       <p:italic r:id="rId30"/>
       <p:boldItalic r:id="rId31"/>
     </p:embeddedFont>
     <p:embeddedFont>
-      <p:font typeface="Overpass Light"/>
+      <p:font typeface="Overpass"/>
       <p:regular r:id="rId32"/>
       <p:bold r:id="rId33"/>
       <p:italic r:id="rId34"/>
       <p:boldItalic r:id="rId35"/>
     </p:embeddedFont>
     <p:embeddedFont>
-      <p:font typeface="Overpass SemiBold"/>
+      <p:font typeface="Overpass Light"/>
       <p:regular r:id="rId36"/>
       <p:bold r:id="rId37"/>
       <p:italic r:id="rId38"/>
       <p:boldItalic r:id="rId39"/>
+    </p:embeddedFont>
+    <p:embeddedFont>
+      <p:font typeface="Overpass SemiBold"/>
+      <p:regular r:id="rId40"/>
+      <p:bold r:id="rId41"/>
+      <p:italic r:id="rId42"/>
+      <p:boldItalic r:id="rId43"/>
     </p:embeddedFont>
   </p:embeddedFontLst>
   <p:defaultTextStyle>
@@ -874,7 +878,7 @@
   <p:cSld>
     <p:spTree>
       <p:nvGrpSpPr>
-        <p:cNvPr id="418" name="Shape 418"/>
+        <p:cNvPr id="403" name="Shape 403"/>
         <p:cNvGrpSpPr/>
         <p:nvPr/>
       </p:nvGrpSpPr>
@@ -888,7 +892,7 @@
       </p:grpSpPr>
       <p:sp>
         <p:nvSpPr>
-          <p:cNvPr id="419" name="Google Shape;419;g6235e2081a_0_131:notes"/>
+          <p:cNvPr id="404" name="Google Shape;404;g47998471df_0_13:notes"/>
           <p:cNvSpPr/>
           <p:nvPr>
             <p:ph idx="2" type="sldImg"/>
@@ -923,7 +927,7 @@
       </p:sp>
       <p:sp>
         <p:nvSpPr>
-          <p:cNvPr id="420" name="Google Shape;420;g6235e2081a_0_131:notes"/>
+          <p:cNvPr id="405" name="Google Shape;405;g47998471df_0_13:notes"/>
           <p:cNvSpPr txBox="1"/>
           <p:nvPr>
             <p:ph idx="1" type="body"/>
@@ -954,126 +958,9 @@
               <a:buNone/>
             </a:pPr>
             <a:r>
-              <a:rPr lang="en" sz="1200">
-                <a:solidFill>
-                  <a:srgbClr val="24292E"/>
-                </a:solidFill>
-                <a:highlight>
-                  <a:srgbClr val="FFFFFF"/>
-                </a:highlight>
-              </a:rPr>
-              <a:t>MLflow is an open source platform to manage the ML lifecycle, including experimentation, reproducibility and deployment. It currently offers three components: </a:t>
+              <a:t/>
             </a:r>
-            <a:endParaRPr sz="1200">
-              <a:solidFill>
-                <a:srgbClr val="24292E"/>
-              </a:solidFill>
-              <a:highlight>
-                <a:srgbClr val="FFFFFF"/>
-              </a:highlight>
-            </a:endParaRPr>
-          </a:p>
-          <a:p>
-            <a:pPr indent="-304800" lvl="0" marL="457200" rtl="0" algn="l">
-              <a:spcBef>
-                <a:spcPts val="0"/>
-              </a:spcBef>
-              <a:spcAft>
-                <a:spcPts val="0"/>
-              </a:spcAft>
-              <a:buClr>
-                <a:srgbClr val="24292E"/>
-              </a:buClr>
-              <a:buSzPts val="1200"/>
-              <a:buAutoNum type="arabicParenR"/>
-            </a:pPr>
-            <a:r>
-              <a:rPr lang="en" sz="1200">
-                <a:solidFill>
-                  <a:srgbClr val="24292E"/>
-                </a:solidFill>
-                <a:highlight>
-                  <a:srgbClr val="FFFFFF"/>
-                </a:highlight>
-              </a:rPr>
-              <a:t>MLflow Tracking - Tracking server used to record experiment runs</a:t>
-            </a:r>
-            <a:endParaRPr sz="1200">
-              <a:solidFill>
-                <a:srgbClr val="24292E"/>
-              </a:solidFill>
-              <a:highlight>
-                <a:srgbClr val="FFFFFF"/>
-              </a:highlight>
-            </a:endParaRPr>
-          </a:p>
-          <a:p>
-            <a:pPr indent="-304800" lvl="0" marL="457200" rtl="0" algn="l">
-              <a:spcBef>
-                <a:spcPts val="0"/>
-              </a:spcBef>
-              <a:spcAft>
-                <a:spcPts val="0"/>
-              </a:spcAft>
-              <a:buClr>
-                <a:srgbClr val="24292E"/>
-              </a:buClr>
-              <a:buSzPts val="1200"/>
-              <a:buAutoNum type="arabicParenR"/>
-            </a:pPr>
-            <a:r>
-              <a:rPr lang="en" sz="1200">
-                <a:solidFill>
-                  <a:srgbClr val="24292E"/>
-                </a:solidFill>
-                <a:highlight>
-                  <a:srgbClr val="FFFFFF"/>
-                </a:highlight>
-              </a:rPr>
-              <a:t>MLflow projects - Package format for reproducible runs </a:t>
-            </a:r>
-            <a:endParaRPr sz="1200">
-              <a:solidFill>
-                <a:srgbClr val="24292E"/>
-              </a:solidFill>
-              <a:highlight>
-                <a:srgbClr val="FFFFFF"/>
-              </a:highlight>
-            </a:endParaRPr>
-          </a:p>
-          <a:p>
-            <a:pPr indent="-304800" lvl="0" marL="457200" rtl="0" algn="l">
-              <a:spcBef>
-                <a:spcPts val="0"/>
-              </a:spcBef>
-              <a:spcAft>
-                <a:spcPts val="0"/>
-              </a:spcAft>
-              <a:buClr>
-                <a:srgbClr val="24292E"/>
-              </a:buClr>
-              <a:buSzPts val="1200"/>
-              <a:buAutoNum type="arabicParenR"/>
-            </a:pPr>
-            <a:r>
-              <a:rPr lang="en" sz="1200">
-                <a:solidFill>
-                  <a:srgbClr val="24292E"/>
-                </a:solidFill>
-                <a:highlight>
-                  <a:srgbClr val="FFFFFF"/>
-                </a:highlight>
-              </a:rPr>
-              <a:t>MLflow models - Sending models to other deployment tools</a:t>
-            </a:r>
-            <a:endParaRPr sz="1200">
-              <a:solidFill>
-                <a:srgbClr val="24292E"/>
-              </a:solidFill>
-              <a:highlight>
-                <a:srgbClr val="FFFFFF"/>
-              </a:highlight>
-            </a:endParaRPr>
+            <a:endParaRPr/>
           </a:p>
         </p:txBody>
       </p:sp>
@@ -1090,7 +977,7 @@
   <p:cSld>
     <p:spTree>
       <p:nvGrpSpPr>
-        <p:cNvPr id="428" name="Shape 428"/>
+        <p:cNvPr id="415" name="Shape 415"/>
         <p:cNvGrpSpPr/>
         <p:nvPr/>
       </p:nvGrpSpPr>
@@ -1104,7 +991,7 @@
       </p:grpSpPr>
       <p:sp>
         <p:nvSpPr>
-          <p:cNvPr id="429" name="Google Shape;429;g6235e2081a_0_147:notes"/>
+          <p:cNvPr id="416" name="Google Shape;416;g7680c9a8b2_1_43:notes"/>
           <p:cNvSpPr/>
           <p:nvPr>
             <p:ph idx="2" type="sldImg"/>
@@ -1139,7 +1026,7 @@
       </p:sp>
       <p:sp>
         <p:nvSpPr>
-          <p:cNvPr id="430" name="Google Shape;430;g6235e2081a_0_147:notes"/>
+          <p:cNvPr id="417" name="Google Shape;417;g7680c9a8b2_1_43:notes"/>
           <p:cNvSpPr txBox="1"/>
           <p:nvPr>
             <p:ph idx="1" type="body"/>
@@ -1167,122 +1054,78 @@
               <a:spcAft>
                 <a:spcPts val="0"/>
               </a:spcAft>
+              <a:buClr>
+                <a:schemeClr val="dk1"/>
+              </a:buClr>
+              <a:buSzPts val="1100"/>
+              <a:buFont typeface="Arial"/>
               <a:buNone/>
             </a:pPr>
             <a:r>
-              <a:rPr lang="en" sz="1300">
-                <a:solidFill>
-                  <a:srgbClr val="404040"/>
-                </a:solidFill>
-                <a:highlight>
-                  <a:srgbClr val="FFFFFF"/>
-                </a:highlight>
+              <a:rPr lang="en">
+                <a:solidFill>
+                  <a:schemeClr val="dk1"/>
+                </a:solidFill>
               </a:rPr>
-              <a:t>The MLflow Tracking component is an API and UI for logging parameters, code versions, metrics, and output files when running your machine learning code and for later visualizing the results. MLflow Tracking lets you log and query experiments using </a:t>
+              <a:t>An anomaly would be any behaviour that doesnt adhere to the seasonality, the trend or the overall predict values of the time series.</a:t>
             </a:r>
+            <a:endParaRPr>
+              <a:solidFill>
+                <a:schemeClr val="dk1"/>
+              </a:solidFill>
+            </a:endParaRPr>
+          </a:p>
+          <a:p>
+            <a:pPr indent="0" lvl="0" marL="0" rtl="0" algn="l">
+              <a:spcBef>
+                <a:spcPts val="0"/>
+              </a:spcBef>
+              <a:spcAft>
+                <a:spcPts val="0"/>
+              </a:spcAft>
+              <a:buClr>
+                <a:schemeClr val="dk1"/>
+              </a:buClr>
+              <a:buSzPts val="1100"/>
+              <a:buFont typeface="Arial"/>
+              <a:buNone/>
+            </a:pPr>
             <a:r>
-              <a:rPr lang="en" sz="1300">
-                <a:solidFill>
-                  <a:srgbClr val="198EAC"/>
-                </a:solidFill>
-                <a:highlight>
-                  <a:srgbClr val="FFFFFF"/>
-                </a:highlight>
-                <a:uFill>
-                  <a:noFill/>
-                </a:uFill>
-                <a:hlinkClick r:id="rId2"/>
+              <a:rPr lang="en">
+                <a:solidFill>
+                  <a:schemeClr val="dk1"/>
+                </a:solidFill>
               </a:rPr>
-              <a:t>Python</a:t>
+              <a:t>Here we’re seeing 2 seasonal anomalies, the values dont cycle as expected </a:t>
             </a:r>
+            <a:endParaRPr>
+              <a:solidFill>
+                <a:schemeClr val="dk1"/>
+              </a:solidFill>
+            </a:endParaRPr>
+          </a:p>
+          <a:p>
+            <a:pPr indent="0" lvl="0" marL="0" rtl="0" algn="l">
+              <a:spcBef>
+                <a:spcPts val="0"/>
+              </a:spcBef>
+              <a:spcAft>
+                <a:spcPts val="0"/>
+              </a:spcAft>
+              <a:buClr>
+                <a:schemeClr val="dk1"/>
+              </a:buClr>
+              <a:buSzPts val="1100"/>
+              <a:buFont typeface="Arial"/>
+              <a:buNone/>
+            </a:pPr>
             <a:r>
-              <a:rPr lang="en" sz="1300">
-                <a:solidFill>
-                  <a:srgbClr val="404040"/>
-                </a:solidFill>
-                <a:highlight>
-                  <a:srgbClr val="FFFFFF"/>
-                </a:highlight>
+              <a:rPr lang="en">
+                <a:solidFill>
+                  <a:schemeClr val="dk1"/>
+                </a:solidFill>
               </a:rPr>
-              <a:t>, </a:t>
-            </a:r>
-            <a:r>
-              <a:rPr lang="en" sz="1300">
-                <a:solidFill>
-                  <a:srgbClr val="198EAC"/>
-                </a:solidFill>
-                <a:highlight>
-                  <a:srgbClr val="FFFFFF"/>
-                </a:highlight>
-                <a:uFill>
-                  <a:noFill/>
-                </a:uFill>
-                <a:hlinkClick r:id="rId3"/>
-              </a:rPr>
-              <a:t>REST</a:t>
-            </a:r>
-            <a:r>
-              <a:rPr lang="en" sz="1300">
-                <a:solidFill>
-                  <a:srgbClr val="404040"/>
-                </a:solidFill>
-                <a:highlight>
-                  <a:srgbClr val="FFFFFF"/>
-                </a:highlight>
-              </a:rPr>
-              <a:t>, </a:t>
-            </a:r>
-            <a:r>
-              <a:rPr lang="en" sz="1300">
-                <a:solidFill>
-                  <a:srgbClr val="198EAC"/>
-                </a:solidFill>
-                <a:highlight>
-                  <a:srgbClr val="FFFFFF"/>
-                </a:highlight>
-                <a:uFill>
-                  <a:noFill/>
-                </a:uFill>
-                <a:hlinkClick r:id="rId4"/>
-              </a:rPr>
-              <a:t>R API</a:t>
-            </a:r>
-            <a:r>
-              <a:rPr lang="en" sz="1300">
-                <a:solidFill>
-                  <a:srgbClr val="404040"/>
-                </a:solidFill>
-                <a:highlight>
-                  <a:srgbClr val="FFFFFF"/>
-                </a:highlight>
-              </a:rPr>
-              <a:t>, and </a:t>
-            </a:r>
-            <a:r>
-              <a:rPr lang="en" sz="1300">
-                <a:solidFill>
-                  <a:srgbClr val="198EAC"/>
-                </a:solidFill>
-                <a:highlight>
-                  <a:srgbClr val="FFFFFF"/>
-                </a:highlight>
-                <a:uFill>
-                  <a:noFill/>
-                </a:uFill>
-                <a:hlinkClick r:id="rId5"/>
-              </a:rPr>
-              <a:t>Java API</a:t>
-            </a:r>
-            <a:r>
-              <a:rPr lang="en" sz="1300">
-                <a:solidFill>
-                  <a:srgbClr val="404040"/>
-                </a:solidFill>
-                <a:highlight>
-                  <a:srgbClr val="FFFFFF"/>
-                </a:highlight>
-              </a:rPr>
-              <a:t> APIs. Each execution of a data science model/code is termed as a ‘run’. You can organize runs of a particular model into a single experiment. </a:t>
+              <a:t>and a point wise anomaly, were we have a hard spike in the values</a:t>
             </a:r>
             <a:endParaRPr/>
           </a:p>
@@ -1301,7 +1144,7 @@
   <p:cSld>
     <p:spTree>
       <p:nvGrpSpPr>
-        <p:cNvPr id="435" name="Shape 435"/>
+        <p:cNvPr id="423" name="Shape 423"/>
         <p:cNvGrpSpPr/>
         <p:nvPr/>
       </p:nvGrpSpPr>
@@ -1315,7 +1158,7 @@
       </p:grpSpPr>
       <p:sp>
         <p:nvSpPr>
-          <p:cNvPr id="436" name="Google Shape;436;g6235e2081a_0_183:notes"/>
+          <p:cNvPr id="424" name="Google Shape;424;g7680c9a8b2_1_88:notes"/>
           <p:cNvSpPr/>
           <p:nvPr>
             <p:ph idx="2" type="sldImg"/>
@@ -1350,7 +1193,7 @@
       </p:sp>
       <p:sp>
         <p:nvSpPr>
-          <p:cNvPr id="437" name="Google Shape;437;g6235e2081a_0_183:notes"/>
+          <p:cNvPr id="425" name="Google Shape;425;g7680c9a8b2_1_88:notes"/>
           <p:cNvSpPr txBox="1"/>
           <p:nvPr>
             <p:ph idx="1" type="body"/>
@@ -1400,7 +1243,7 @@
   <p:cSld>
     <p:spTree>
       <p:nvGrpSpPr>
-        <p:cNvPr id="444" name="Shape 444"/>
+        <p:cNvPr id="436" name="Shape 436"/>
         <p:cNvGrpSpPr/>
         <p:nvPr/>
       </p:nvGrpSpPr>
@@ -1414,7 +1257,7 @@
       </p:grpSpPr>
       <p:sp>
         <p:nvSpPr>
-          <p:cNvPr id="445" name="Google Shape;445;g547716335e_0_126:notes"/>
+          <p:cNvPr id="437" name="Google Shape;437;g6235e2081a_0_99:notes"/>
           <p:cNvSpPr/>
           <p:nvPr>
             <p:ph idx="2" type="sldImg"/>
@@ -1449,7 +1292,1013 @@
       </p:sp>
       <p:sp>
         <p:nvSpPr>
-          <p:cNvPr id="446" name="Google Shape;446;g547716335e_0_126:notes"/>
+          <p:cNvPr id="438" name="Google Shape;438;g6235e2081a_0_99:notes"/>
+          <p:cNvSpPr txBox="1"/>
+          <p:nvPr>
+            <p:ph idx="1" type="body"/>
+          </p:nvPr>
+        </p:nvSpPr>
+        <p:spPr>
+          <a:xfrm>
+            <a:off x="685800" y="4343400"/>
+            <a:ext cx="5486400" cy="4114800"/>
+          </a:xfrm>
+          <a:prstGeom prst="rect">
+            <a:avLst/>
+          </a:prstGeom>
+        </p:spPr>
+        <p:txBody>
+          <a:bodyPr anchorCtr="0" anchor="t" bIns="91425" lIns="91425" spcFirstLastPara="1" rIns="91425" wrap="square" tIns="91425">
+            <a:noAutofit/>
+          </a:bodyPr>
+          <a:lstStyle/>
+          <a:p>
+            <a:pPr indent="-304800" lvl="0" marL="457200" rtl="0" algn="l">
+              <a:lnSpc>
+                <a:spcPct val="115000"/>
+              </a:lnSpc>
+              <a:spcBef>
+                <a:spcPts val="0"/>
+              </a:spcBef>
+              <a:spcAft>
+                <a:spcPts val="0"/>
+              </a:spcAft>
+              <a:buClr>
+                <a:srgbClr val="24292E"/>
+              </a:buClr>
+              <a:buSzPts val="1200"/>
+              <a:buChar char="●"/>
+            </a:pPr>
+            <a:r>
+              <a:rPr lang="en" sz="1200">
+                <a:solidFill>
+                  <a:srgbClr val="24292E"/>
+                </a:solidFill>
+                <a:highlight>
+                  <a:srgbClr val="FFFFFF"/>
+                </a:highlight>
+              </a:rPr>
+              <a:t>Data - Prometheus metrics scraped from specified hosts/targets</a:t>
+            </a:r>
+            <a:endParaRPr sz="1200">
+              <a:solidFill>
+                <a:srgbClr val="24292E"/>
+              </a:solidFill>
+              <a:highlight>
+                <a:srgbClr val="FFFFFF"/>
+              </a:highlight>
+            </a:endParaRPr>
+          </a:p>
+          <a:p>
+            <a:pPr indent="-304800" lvl="0" marL="457200" rtl="0" algn="l">
+              <a:lnSpc>
+                <a:spcPct val="115000"/>
+              </a:lnSpc>
+              <a:spcBef>
+                <a:spcPts val="0"/>
+              </a:spcBef>
+              <a:spcAft>
+                <a:spcPts val="0"/>
+              </a:spcAft>
+              <a:buClr>
+                <a:srgbClr val="24292E"/>
+              </a:buClr>
+              <a:buSzPts val="1200"/>
+              <a:buChar char="●"/>
+            </a:pPr>
+            <a:r>
+              <a:rPr lang="en" sz="1200">
+                <a:solidFill>
+                  <a:srgbClr val="24292E"/>
+                </a:solidFill>
+                <a:highlight>
+                  <a:srgbClr val="FFFFFF"/>
+                </a:highlight>
+              </a:rPr>
+              <a:t>Models being trained -</a:t>
+            </a:r>
+            <a:endParaRPr sz="1200">
+              <a:solidFill>
+                <a:srgbClr val="24292E"/>
+              </a:solidFill>
+              <a:highlight>
+                <a:srgbClr val="FFFFFF"/>
+              </a:highlight>
+            </a:endParaRPr>
+          </a:p>
+          <a:p>
+            <a:pPr indent="-304800" lvl="1" marL="914400" rtl="0" algn="l">
+              <a:lnSpc>
+                <a:spcPct val="115000"/>
+              </a:lnSpc>
+              <a:spcBef>
+                <a:spcPts val="0"/>
+              </a:spcBef>
+              <a:spcAft>
+                <a:spcPts val="0"/>
+              </a:spcAft>
+              <a:buClr>
+                <a:srgbClr val="24292E"/>
+              </a:buClr>
+              <a:buSzPts val="1200"/>
+              <a:buChar char="○"/>
+            </a:pPr>
+            <a:r>
+              <a:rPr lang="en" sz="1200">
+                <a:solidFill>
+                  <a:srgbClr val="24292E"/>
+                </a:solidFill>
+                <a:highlight>
+                  <a:srgbClr val="FFFFFF"/>
+                </a:highlight>
+              </a:rPr>
+              <a:t>Fourier - It is used to map signals from the time domain to the frequency domain. It represents periodic time series data as a sum of sinusoidal components (sine and cosine)</a:t>
+            </a:r>
+            <a:endParaRPr sz="1200">
+              <a:solidFill>
+                <a:srgbClr val="24292E"/>
+              </a:solidFill>
+              <a:highlight>
+                <a:srgbClr val="FFFFFF"/>
+              </a:highlight>
+            </a:endParaRPr>
+          </a:p>
+          <a:p>
+            <a:pPr indent="-304800" lvl="1" marL="914400" rtl="0" algn="l">
+              <a:lnSpc>
+                <a:spcPct val="115000"/>
+              </a:lnSpc>
+              <a:spcBef>
+                <a:spcPts val="0"/>
+              </a:spcBef>
+              <a:spcAft>
+                <a:spcPts val="0"/>
+              </a:spcAft>
+              <a:buClr>
+                <a:srgbClr val="24292E"/>
+              </a:buClr>
+              <a:buSzPts val="1200"/>
+              <a:buChar char="○"/>
+            </a:pPr>
+            <a:r>
+              <a:rPr lang="en" sz="1200">
+                <a:solidFill>
+                  <a:srgbClr val="24292E"/>
+                </a:solidFill>
+                <a:highlight>
+                  <a:srgbClr val="FFFFFF"/>
+                </a:highlight>
+              </a:rPr>
+              <a:t>Prophet[</a:t>
+            </a:r>
+            <a:r>
+              <a:rPr lang="en" sz="1200">
+                <a:solidFill>
+                  <a:srgbClr val="0366D6"/>
+                </a:solidFill>
+                <a:highlight>
+                  <a:srgbClr val="FFFFFF"/>
+                </a:highlight>
+                <a:uFill>
+                  <a:noFill/>
+                </a:uFill>
+                <a:hlinkClick r:id="rId2"/>
+              </a:rPr>
+              <a:t>https://facebook.github.io/prophet/</a:t>
+            </a:r>
+            <a:r>
+              <a:rPr lang="en" sz="1200">
+                <a:solidFill>
+                  <a:srgbClr val="24292E"/>
+                </a:solidFill>
+                <a:highlight>
+                  <a:srgbClr val="FFFFFF"/>
+                </a:highlight>
+              </a:rPr>
+              <a:t>] - Procedure developed by Facebook for forecasting time series data based on an additive model where non-linear trends are fit with yearly, weekly, and daily seasonality, plus holiday effects. It works best with time series that have strong seasonal effects and several seasons of historical data. The following are the forecasted values:</a:t>
+            </a:r>
+            <a:endParaRPr sz="1200">
+              <a:solidFill>
+                <a:srgbClr val="24292E"/>
+              </a:solidFill>
+              <a:highlight>
+                <a:srgbClr val="FFFFFF"/>
+              </a:highlight>
+            </a:endParaRPr>
+          </a:p>
+          <a:p>
+            <a:pPr indent="-304800" lvl="2" marL="1371600" rtl="0" algn="l">
+              <a:lnSpc>
+                <a:spcPct val="115000"/>
+              </a:lnSpc>
+              <a:spcBef>
+                <a:spcPts val="0"/>
+              </a:spcBef>
+              <a:spcAft>
+                <a:spcPts val="0"/>
+              </a:spcAft>
+              <a:buClr>
+                <a:srgbClr val="24292E"/>
+              </a:buClr>
+              <a:buSzPts val="1200"/>
+              <a:buChar char="■"/>
+            </a:pPr>
+            <a:r>
+              <a:rPr lang="en" sz="1000">
+                <a:solidFill>
+                  <a:srgbClr val="24292E"/>
+                </a:solidFill>
+                <a:highlight>
+                  <a:srgbClr val="FFFFFF"/>
+                </a:highlight>
+                <a:latin typeface="Consolas"/>
+                <a:ea typeface="Consolas"/>
+                <a:cs typeface="Consolas"/>
+                <a:sym typeface="Consolas"/>
+              </a:rPr>
+              <a:t>yhat</a:t>
+            </a:r>
+            <a:r>
+              <a:rPr lang="en" sz="1200">
+                <a:solidFill>
+                  <a:srgbClr val="24292E"/>
+                </a:solidFill>
+                <a:highlight>
+                  <a:srgbClr val="FFFFFF"/>
+                </a:highlight>
+              </a:rPr>
+              <a:t> - Predicted time series value</a:t>
+            </a:r>
+            <a:endParaRPr sz="1200">
+              <a:solidFill>
+                <a:srgbClr val="24292E"/>
+              </a:solidFill>
+              <a:highlight>
+                <a:srgbClr val="FFFFFF"/>
+              </a:highlight>
+            </a:endParaRPr>
+          </a:p>
+          <a:p>
+            <a:pPr indent="-304800" lvl="2" marL="1371600" rtl="0" algn="l">
+              <a:lnSpc>
+                <a:spcPct val="115000"/>
+              </a:lnSpc>
+              <a:spcBef>
+                <a:spcPts val="0"/>
+              </a:spcBef>
+              <a:spcAft>
+                <a:spcPts val="0"/>
+              </a:spcAft>
+              <a:buClr>
+                <a:srgbClr val="24292E"/>
+              </a:buClr>
+              <a:buSzPts val="1200"/>
+              <a:buChar char="■"/>
+            </a:pPr>
+            <a:r>
+              <a:rPr lang="en" sz="1000">
+                <a:solidFill>
+                  <a:srgbClr val="24292E"/>
+                </a:solidFill>
+                <a:highlight>
+                  <a:srgbClr val="FFFFFF"/>
+                </a:highlight>
+                <a:latin typeface="Consolas"/>
+                <a:ea typeface="Consolas"/>
+                <a:cs typeface="Consolas"/>
+                <a:sym typeface="Consolas"/>
+              </a:rPr>
+              <a:t>yhat_lower</a:t>
+            </a:r>
+            <a:r>
+              <a:rPr lang="en" sz="1200">
+                <a:solidFill>
+                  <a:srgbClr val="24292E"/>
+                </a:solidFill>
+                <a:highlight>
+                  <a:srgbClr val="FFFFFF"/>
+                </a:highlight>
+              </a:rPr>
+              <a:t> - Lower bound of uncertainity interval</a:t>
+            </a:r>
+            <a:endParaRPr sz="1200">
+              <a:solidFill>
+                <a:srgbClr val="24292E"/>
+              </a:solidFill>
+              <a:highlight>
+                <a:srgbClr val="FFFFFF"/>
+              </a:highlight>
+            </a:endParaRPr>
+          </a:p>
+          <a:p>
+            <a:pPr indent="-304800" lvl="2" marL="1371600" rtl="0" algn="l">
+              <a:lnSpc>
+                <a:spcPct val="115000"/>
+              </a:lnSpc>
+              <a:spcBef>
+                <a:spcPts val="0"/>
+              </a:spcBef>
+              <a:spcAft>
+                <a:spcPts val="0"/>
+              </a:spcAft>
+              <a:buClr>
+                <a:srgbClr val="24292E"/>
+              </a:buClr>
+              <a:buSzPts val="1200"/>
+              <a:buChar char="■"/>
+            </a:pPr>
+            <a:r>
+              <a:rPr lang="en" sz="1000">
+                <a:solidFill>
+                  <a:srgbClr val="24292E"/>
+                </a:solidFill>
+                <a:highlight>
+                  <a:srgbClr val="FFFFFF"/>
+                </a:highlight>
+                <a:latin typeface="Consolas"/>
+                <a:ea typeface="Consolas"/>
+                <a:cs typeface="Consolas"/>
+                <a:sym typeface="Consolas"/>
+              </a:rPr>
+              <a:t>yhat_upper</a:t>
+            </a:r>
+            <a:r>
+              <a:rPr lang="en" sz="1200">
+                <a:solidFill>
+                  <a:srgbClr val="24292E"/>
+                </a:solidFill>
+                <a:highlight>
+                  <a:srgbClr val="FFFFFF"/>
+                </a:highlight>
+              </a:rPr>
+              <a:t> - Upper bound of uncertainity interval</a:t>
+            </a:r>
+            <a:endParaRPr sz="1200">
+              <a:solidFill>
+                <a:srgbClr val="24292E"/>
+              </a:solidFill>
+              <a:highlight>
+                <a:srgbClr val="FFFFFF"/>
+              </a:highlight>
+            </a:endParaRPr>
+          </a:p>
+          <a:p>
+            <a:pPr indent="-304800" lvl="0" marL="457200" rtl="0" algn="l">
+              <a:lnSpc>
+                <a:spcPct val="115000"/>
+              </a:lnSpc>
+              <a:spcBef>
+                <a:spcPts val="0"/>
+              </a:spcBef>
+              <a:spcAft>
+                <a:spcPts val="0"/>
+              </a:spcAft>
+              <a:buClr>
+                <a:srgbClr val="24292E"/>
+              </a:buClr>
+              <a:buSzPts val="1200"/>
+              <a:buChar char="●"/>
+            </a:pPr>
+            <a:r>
+              <a:rPr lang="en" sz="1200">
+                <a:solidFill>
+                  <a:srgbClr val="24292E"/>
+                </a:solidFill>
+                <a:highlight>
+                  <a:srgbClr val="FFFFFF"/>
+                </a:highlight>
+              </a:rPr>
+              <a:t>Visualization - Grafana dashboards are created to visualize the predicted metrics</a:t>
+            </a:r>
+            <a:endParaRPr sz="1200">
+              <a:solidFill>
+                <a:srgbClr val="24292E"/>
+              </a:solidFill>
+              <a:highlight>
+                <a:srgbClr val="FFFFFF"/>
+              </a:highlight>
+            </a:endParaRPr>
+          </a:p>
+          <a:p>
+            <a:pPr indent="-304800" lvl="0" marL="457200" rtl="0" algn="l">
+              <a:lnSpc>
+                <a:spcPct val="115000"/>
+              </a:lnSpc>
+              <a:spcBef>
+                <a:spcPts val="0"/>
+              </a:spcBef>
+              <a:spcAft>
+                <a:spcPts val="0"/>
+              </a:spcAft>
+              <a:buClr>
+                <a:srgbClr val="24292E"/>
+              </a:buClr>
+              <a:buSzPts val="1200"/>
+              <a:buChar char="●"/>
+            </a:pPr>
+            <a:r>
+              <a:rPr lang="en" sz="1200">
+                <a:solidFill>
+                  <a:srgbClr val="24292E"/>
+                </a:solidFill>
+                <a:highlight>
+                  <a:srgbClr val="FFFFFF"/>
+                </a:highlight>
+              </a:rPr>
+              <a:t>Alerts - Prometheus alerts are configured based on predicted metric values. Alerts triggered via gchat/email.</a:t>
+            </a:r>
+            <a:endParaRPr sz="1200">
+              <a:solidFill>
+                <a:srgbClr val="24292E"/>
+              </a:solidFill>
+              <a:highlight>
+                <a:srgbClr val="FFFFFF"/>
+              </a:highlight>
+            </a:endParaRPr>
+          </a:p>
+          <a:p>
+            <a:pPr indent="0" lvl="0" marL="0" rtl="0" algn="l">
+              <a:spcBef>
+                <a:spcPts val="1200"/>
+              </a:spcBef>
+              <a:spcAft>
+                <a:spcPts val="0"/>
+              </a:spcAft>
+              <a:buNone/>
+            </a:pPr>
+            <a:r>
+              <a:t/>
+            </a:r>
+            <a:endParaRPr/>
+          </a:p>
+        </p:txBody>
+      </p:sp>
+    </p:spTree>
+  </p:cSld>
+  <p:clrMapOvr>
+    <a:masterClrMapping/>
+  </p:clrMapOvr>
+</p:notes>
+</file>
+
+<file path=ppt/notesSlides/notesSlide14.xml><?xml version="1.0" encoding="utf-8"?>
+<p:notes xmlns:a="http://schemas.openxmlformats.org/drawingml/2006/main" xmlns:r="http://schemas.openxmlformats.org/officeDocument/2006/relationships" xmlns:mc="http://schemas.openxmlformats.org/markup-compatibility/2006" xmlns:mv="urn:schemas-microsoft-com:mac:vml" xmlns:p="http://schemas.openxmlformats.org/presentationml/2006/main" xmlns:c="http://schemas.openxmlformats.org/drawingml/2006/chart" xmlns:dgm="http://schemas.openxmlformats.org/drawingml/2006/diagram" xmlns:o="urn:schemas-microsoft-com:office:office" xmlns:v="urn:schemas-microsoft-com:vml" xmlns:pvml="urn:schemas-microsoft-com:office:powerpoint" xmlns:com="http://schemas.openxmlformats.org/drawingml/2006/compatibility" xmlns:p14="http://schemas.microsoft.com/office/powerpoint/2010/main" xmlns:p15="http://schemas.microsoft.com/office/powerpoint/2012/main" showMasterPhAnim="0" showMasterSp="0">
+  <p:cSld>
+    <p:spTree>
+      <p:nvGrpSpPr>
+        <p:cNvPr id="444" name="Shape 444"/>
+        <p:cNvGrpSpPr/>
+        <p:nvPr/>
+      </p:nvGrpSpPr>
+      <p:grpSpPr>
+        <a:xfrm>
+          <a:off x="0" y="0"/>
+          <a:ext cx="0" cy="0"/>
+          <a:chOff x="0" y="0"/>
+          <a:chExt cx="0" cy="0"/>
+        </a:xfrm>
+      </p:grpSpPr>
+      <p:sp>
+        <p:nvSpPr>
+          <p:cNvPr id="445" name="Google Shape;445;g6235e2081a_0_110:notes"/>
+          <p:cNvSpPr/>
+          <p:nvPr>
+            <p:ph idx="2" type="sldImg"/>
+          </p:nvPr>
+        </p:nvSpPr>
+        <p:spPr>
+          <a:xfrm>
+            <a:off x="381300" y="685800"/>
+            <a:ext cx="6096000" cy="3429000"/>
+          </a:xfrm>
+          <a:custGeom>
+            <a:rect b="b" l="l" r="r" t="t"/>
+            <a:pathLst>
+              <a:path extrusionOk="0" h="120000" w="120000">
+                <a:moveTo>
+                  <a:pt x="0" y="0"/>
+                </a:moveTo>
+                <a:lnTo>
+                  <a:pt x="120000" y="0"/>
+                </a:lnTo>
+                <a:lnTo>
+                  <a:pt x="120000" y="120000"/>
+                </a:lnTo>
+                <a:lnTo>
+                  <a:pt x="0" y="120000"/>
+                </a:lnTo>
+                <a:close/>
+              </a:path>
+            </a:pathLst>
+          </a:custGeom>
+        </p:spPr>
+      </p:sp>
+      <p:sp>
+        <p:nvSpPr>
+          <p:cNvPr id="446" name="Google Shape;446;g6235e2081a_0_110:notes"/>
+          <p:cNvSpPr txBox="1"/>
+          <p:nvPr>
+            <p:ph idx="1" type="body"/>
+          </p:nvPr>
+        </p:nvSpPr>
+        <p:spPr>
+          <a:xfrm>
+            <a:off x="685800" y="4343400"/>
+            <a:ext cx="5486400" cy="4114800"/>
+          </a:xfrm>
+          <a:prstGeom prst="rect">
+            <a:avLst/>
+          </a:prstGeom>
+        </p:spPr>
+        <p:txBody>
+          <a:bodyPr anchorCtr="0" anchor="t" bIns="91425" lIns="91425" spcFirstLastPara="1" rIns="91425" wrap="square" tIns="91425">
+            <a:noAutofit/>
+          </a:bodyPr>
+          <a:lstStyle/>
+          <a:p>
+            <a:pPr indent="0" lvl="0" marL="0" rtl="0" algn="l">
+              <a:spcBef>
+                <a:spcPts val="0"/>
+              </a:spcBef>
+              <a:spcAft>
+                <a:spcPts val="0"/>
+              </a:spcAft>
+              <a:buNone/>
+            </a:pPr>
+            <a:r>
+              <a:t/>
+            </a:r>
+            <a:endParaRPr/>
+          </a:p>
+        </p:txBody>
+      </p:sp>
+    </p:spTree>
+  </p:cSld>
+  <p:clrMapOvr>
+    <a:masterClrMapping/>
+  </p:clrMapOvr>
+</p:notes>
+</file>
+
+<file path=ppt/notesSlides/notesSlide15.xml><?xml version="1.0" encoding="utf-8"?>
+<p:notes xmlns:a="http://schemas.openxmlformats.org/drawingml/2006/main" xmlns:r="http://schemas.openxmlformats.org/officeDocument/2006/relationships" xmlns:mc="http://schemas.openxmlformats.org/markup-compatibility/2006" xmlns:mv="urn:schemas-microsoft-com:mac:vml" xmlns:p="http://schemas.openxmlformats.org/presentationml/2006/main" xmlns:c="http://schemas.openxmlformats.org/drawingml/2006/chart" xmlns:dgm="http://schemas.openxmlformats.org/drawingml/2006/diagram" xmlns:o="urn:schemas-microsoft-com:office:office" xmlns:v="urn:schemas-microsoft-com:vml" xmlns:pvml="urn:schemas-microsoft-com:office:powerpoint" xmlns:com="http://schemas.openxmlformats.org/drawingml/2006/compatibility" xmlns:p14="http://schemas.microsoft.com/office/powerpoint/2010/main" xmlns:p15="http://schemas.microsoft.com/office/powerpoint/2012/main" showMasterPhAnim="0" showMasterSp="0">
+  <p:cSld>
+    <p:spTree>
+      <p:nvGrpSpPr>
+        <p:cNvPr id="462" name="Shape 462"/>
+        <p:cNvGrpSpPr/>
+        <p:nvPr/>
+      </p:nvGrpSpPr>
+      <p:grpSpPr>
+        <a:xfrm>
+          <a:off x="0" y="0"/>
+          <a:ext cx="0" cy="0"/>
+          <a:chOff x="0" y="0"/>
+          <a:chExt cx="0" cy="0"/>
+        </a:xfrm>
+      </p:grpSpPr>
+      <p:sp>
+        <p:nvSpPr>
+          <p:cNvPr id="463" name="Google Shape;463;g6235e2081a_0_155:notes"/>
+          <p:cNvSpPr/>
+          <p:nvPr>
+            <p:ph idx="2" type="sldImg"/>
+          </p:nvPr>
+        </p:nvSpPr>
+        <p:spPr>
+          <a:xfrm>
+            <a:off x="381300" y="685800"/>
+            <a:ext cx="6096000" cy="3429000"/>
+          </a:xfrm>
+          <a:custGeom>
+            <a:rect b="b" l="l" r="r" t="t"/>
+            <a:pathLst>
+              <a:path extrusionOk="0" h="120000" w="120000">
+                <a:moveTo>
+                  <a:pt x="0" y="0"/>
+                </a:moveTo>
+                <a:lnTo>
+                  <a:pt x="120000" y="0"/>
+                </a:lnTo>
+                <a:lnTo>
+                  <a:pt x="120000" y="120000"/>
+                </a:lnTo>
+                <a:lnTo>
+                  <a:pt x="0" y="120000"/>
+                </a:lnTo>
+                <a:close/>
+              </a:path>
+            </a:pathLst>
+          </a:custGeom>
+        </p:spPr>
+      </p:sp>
+      <p:sp>
+        <p:nvSpPr>
+          <p:cNvPr id="464" name="Google Shape;464;g6235e2081a_0_155:notes"/>
+          <p:cNvSpPr txBox="1"/>
+          <p:nvPr>
+            <p:ph idx="1" type="body"/>
+          </p:nvPr>
+        </p:nvSpPr>
+        <p:spPr>
+          <a:xfrm>
+            <a:off x="685800" y="4343400"/>
+            <a:ext cx="5486400" cy="4114800"/>
+          </a:xfrm>
+          <a:prstGeom prst="rect">
+            <a:avLst/>
+          </a:prstGeom>
+        </p:spPr>
+        <p:txBody>
+          <a:bodyPr anchorCtr="0" anchor="t" bIns="91425" lIns="91425" spcFirstLastPara="1" rIns="91425" wrap="square" tIns="91425">
+            <a:noAutofit/>
+          </a:bodyPr>
+          <a:lstStyle/>
+          <a:p>
+            <a:pPr indent="0" lvl="0" marL="0" rtl="0" algn="l">
+              <a:spcBef>
+                <a:spcPts val="0"/>
+              </a:spcBef>
+              <a:spcAft>
+                <a:spcPts val="0"/>
+              </a:spcAft>
+              <a:buClr>
+                <a:schemeClr val="dk1"/>
+              </a:buClr>
+              <a:buSzPts val="1100"/>
+              <a:buFont typeface="Arial"/>
+              <a:buNone/>
+            </a:pPr>
+            <a:r>
+              <a:rPr lang="en" sz="1200">
+                <a:solidFill>
+                  <a:schemeClr val="dk1"/>
+                </a:solidFill>
+                <a:highlight>
+                  <a:srgbClr val="FFFFFF"/>
+                </a:highlight>
+                <a:latin typeface="Overpass"/>
+                <a:ea typeface="Overpass"/>
+                <a:cs typeface="Overpass"/>
+                <a:sym typeface="Overpass"/>
+              </a:rPr>
+              <a:t>The alerts are configured to send automated messages through a chatbot via Google chats and email, notifying the respective teams. The google chat alerting architecture is maintained in two parts:</a:t>
+            </a:r>
+            <a:endParaRPr sz="1200">
+              <a:solidFill>
+                <a:schemeClr val="dk1"/>
+              </a:solidFill>
+              <a:highlight>
+                <a:srgbClr val="FFFFFF"/>
+              </a:highlight>
+              <a:latin typeface="Overpass"/>
+              <a:ea typeface="Overpass"/>
+              <a:cs typeface="Overpass"/>
+              <a:sym typeface="Overpass"/>
+            </a:endParaRPr>
+          </a:p>
+          <a:p>
+            <a:pPr indent="-301625" lvl="0" marL="457200" rtl="0" algn="l">
+              <a:lnSpc>
+                <a:spcPct val="115000"/>
+              </a:lnSpc>
+              <a:spcBef>
+                <a:spcPts val="300"/>
+              </a:spcBef>
+              <a:spcAft>
+                <a:spcPts val="0"/>
+              </a:spcAft>
+              <a:buClr>
+                <a:srgbClr val="3D3D3D"/>
+              </a:buClr>
+              <a:buSzPts val="1150"/>
+              <a:buFont typeface="Overpass"/>
+              <a:buChar char="●"/>
+            </a:pPr>
+            <a:r>
+              <a:rPr lang="en" sz="1200">
+                <a:solidFill>
+                  <a:schemeClr val="dk1"/>
+                </a:solidFill>
+                <a:highlight>
+                  <a:srgbClr val="FFFFFF"/>
+                </a:highlight>
+                <a:latin typeface="Overpass"/>
+                <a:ea typeface="Overpass"/>
+                <a:cs typeface="Overpass"/>
+                <a:sym typeface="Overpass"/>
+              </a:rPr>
+              <a:t>The predicted metrics are scraped by Prometheus </a:t>
+            </a:r>
+            <a:endParaRPr sz="1200">
+              <a:solidFill>
+                <a:schemeClr val="dk1"/>
+              </a:solidFill>
+              <a:highlight>
+                <a:srgbClr val="FFFFFF"/>
+              </a:highlight>
+              <a:latin typeface="Overpass"/>
+              <a:ea typeface="Overpass"/>
+              <a:cs typeface="Overpass"/>
+              <a:sym typeface="Overpass"/>
+            </a:endParaRPr>
+          </a:p>
+          <a:p>
+            <a:pPr indent="-301625" lvl="0" marL="457200" rtl="0" algn="l">
+              <a:lnSpc>
+                <a:spcPct val="115000"/>
+              </a:lnSpc>
+              <a:spcBef>
+                <a:spcPts val="0"/>
+              </a:spcBef>
+              <a:spcAft>
+                <a:spcPts val="0"/>
+              </a:spcAft>
+              <a:buClr>
+                <a:srgbClr val="3D3D3D"/>
+              </a:buClr>
+              <a:buSzPts val="1150"/>
+              <a:buFont typeface="Overpass"/>
+              <a:buChar char="●"/>
+            </a:pPr>
+            <a:r>
+              <a:rPr lang="en" sz="1200">
+                <a:solidFill>
+                  <a:schemeClr val="dk1"/>
+                </a:solidFill>
+                <a:highlight>
+                  <a:srgbClr val="FFFFFF"/>
+                </a:highlight>
+                <a:latin typeface="Overpass"/>
+                <a:ea typeface="Overpass"/>
+                <a:cs typeface="Overpass"/>
+                <a:sym typeface="Overpass"/>
+              </a:rPr>
+              <a:t>We configure the prometheus alertmanager to send a webhook trigger to the team Thoth’s bot, Sesheta which is configured to trigger alert notifications in google chat</a:t>
+            </a:r>
+            <a:endParaRPr sz="1200">
+              <a:solidFill>
+                <a:schemeClr val="dk1"/>
+              </a:solidFill>
+              <a:highlight>
+                <a:srgbClr val="FFFFFF"/>
+              </a:highlight>
+              <a:latin typeface="Overpass"/>
+              <a:ea typeface="Overpass"/>
+              <a:cs typeface="Overpass"/>
+              <a:sym typeface="Overpass"/>
+            </a:endParaRPr>
+          </a:p>
+          <a:p>
+            <a:pPr indent="0" lvl="0" marL="0" rtl="0" algn="l">
+              <a:lnSpc>
+                <a:spcPct val="115000"/>
+              </a:lnSpc>
+              <a:spcBef>
+                <a:spcPts val="300"/>
+              </a:spcBef>
+              <a:spcAft>
+                <a:spcPts val="0"/>
+              </a:spcAft>
+              <a:buNone/>
+            </a:pPr>
+            <a:r>
+              <a:rPr lang="en" sz="1200">
+                <a:solidFill>
+                  <a:schemeClr val="dk1"/>
+                </a:solidFill>
+                <a:highlight>
+                  <a:srgbClr val="FFFFFF"/>
+                </a:highlight>
+                <a:latin typeface="Overpass"/>
+                <a:ea typeface="Overpass"/>
+                <a:cs typeface="Overpass"/>
+                <a:sym typeface="Overpass"/>
+              </a:rPr>
+              <a:t>The alerts are configured through alerting rules (specified in a yaml file) which allow you to define alert conditions based on Prometheus expression language expressions and to send notifications about firing alerts to an external service. Whenever the alert expression results in one or more vector elements at a given point in time, the alert counts as </a:t>
+            </a:r>
+            <a:r>
+              <a:rPr i="1" lang="en" sz="1200">
+                <a:solidFill>
+                  <a:schemeClr val="dk1"/>
+                </a:solidFill>
+                <a:highlight>
+                  <a:srgbClr val="FFFFFF"/>
+                </a:highlight>
+                <a:latin typeface="Overpass"/>
+                <a:ea typeface="Overpass"/>
+                <a:cs typeface="Overpass"/>
+                <a:sym typeface="Overpass"/>
+              </a:rPr>
+              <a:t>active</a:t>
+            </a:r>
+            <a:r>
+              <a:rPr lang="en" sz="1200">
+                <a:solidFill>
+                  <a:schemeClr val="dk1"/>
+                </a:solidFill>
+                <a:highlight>
+                  <a:srgbClr val="FFFFFF"/>
+                </a:highlight>
+                <a:latin typeface="Overpass"/>
+                <a:ea typeface="Overpass"/>
+                <a:cs typeface="Overpass"/>
+                <a:sym typeface="Overpass"/>
+              </a:rPr>
+              <a:t> for these elements' label sets. </a:t>
+            </a:r>
+            <a:endParaRPr sz="1200">
+              <a:solidFill>
+                <a:schemeClr val="dk1"/>
+              </a:solidFill>
+              <a:highlight>
+                <a:srgbClr val="FFFFFF"/>
+              </a:highlight>
+              <a:latin typeface="Overpass"/>
+              <a:ea typeface="Overpass"/>
+              <a:cs typeface="Overpass"/>
+              <a:sym typeface="Overpass"/>
+            </a:endParaRPr>
+          </a:p>
+          <a:p>
+            <a:pPr indent="0" lvl="0" marL="0" rtl="0" algn="l">
+              <a:spcBef>
+                <a:spcPts val="300"/>
+              </a:spcBef>
+              <a:spcAft>
+                <a:spcPts val="0"/>
+              </a:spcAft>
+              <a:buNone/>
+            </a:pPr>
+            <a:r>
+              <a:t/>
+            </a:r>
+            <a:endParaRPr/>
+          </a:p>
+        </p:txBody>
+      </p:sp>
+    </p:spTree>
+  </p:cSld>
+  <p:clrMapOvr>
+    <a:masterClrMapping/>
+  </p:clrMapOvr>
+</p:notes>
+</file>
+
+<file path=ppt/notesSlides/notesSlide16.xml><?xml version="1.0" encoding="utf-8"?>
+<p:notes xmlns:a="http://schemas.openxmlformats.org/drawingml/2006/main" xmlns:r="http://schemas.openxmlformats.org/officeDocument/2006/relationships" xmlns:mc="http://schemas.openxmlformats.org/markup-compatibility/2006" xmlns:mv="urn:schemas-microsoft-com:mac:vml" xmlns:p="http://schemas.openxmlformats.org/presentationml/2006/main" xmlns:c="http://schemas.openxmlformats.org/drawingml/2006/chart" xmlns:dgm="http://schemas.openxmlformats.org/drawingml/2006/diagram" xmlns:o="urn:schemas-microsoft-com:office:office" xmlns:v="urn:schemas-microsoft-com:vml" xmlns:pvml="urn:schemas-microsoft-com:office:powerpoint" xmlns:com="http://schemas.openxmlformats.org/drawingml/2006/compatibility" xmlns:p14="http://schemas.microsoft.com/office/powerpoint/2010/main" xmlns:p15="http://schemas.microsoft.com/office/powerpoint/2012/main" showMasterPhAnim="0" showMasterSp="0">
+  <p:cSld>
+    <p:spTree>
+      <p:nvGrpSpPr>
+        <p:cNvPr id="472" name="Shape 472"/>
+        <p:cNvGrpSpPr/>
+        <p:nvPr/>
+      </p:nvGrpSpPr>
+      <p:grpSpPr>
+        <a:xfrm>
+          <a:off x="0" y="0"/>
+          <a:ext cx="0" cy="0"/>
+          <a:chOff x="0" y="0"/>
+          <a:chExt cx="0" cy="0"/>
+        </a:xfrm>
+      </p:grpSpPr>
+      <p:sp>
+        <p:nvSpPr>
+          <p:cNvPr id="473" name="Google Shape;473;g6235e2081a_0_183:notes"/>
+          <p:cNvSpPr/>
+          <p:nvPr>
+            <p:ph idx="2" type="sldImg"/>
+          </p:nvPr>
+        </p:nvSpPr>
+        <p:spPr>
+          <a:xfrm>
+            <a:off x="381300" y="685800"/>
+            <a:ext cx="6096000" cy="3429000"/>
+          </a:xfrm>
+          <a:custGeom>
+            <a:rect b="b" l="l" r="r" t="t"/>
+            <a:pathLst>
+              <a:path extrusionOk="0" h="120000" w="120000">
+                <a:moveTo>
+                  <a:pt x="0" y="0"/>
+                </a:moveTo>
+                <a:lnTo>
+                  <a:pt x="120000" y="0"/>
+                </a:lnTo>
+                <a:lnTo>
+                  <a:pt x="120000" y="120000"/>
+                </a:lnTo>
+                <a:lnTo>
+                  <a:pt x="0" y="120000"/>
+                </a:lnTo>
+                <a:close/>
+              </a:path>
+            </a:pathLst>
+          </a:custGeom>
+        </p:spPr>
+      </p:sp>
+      <p:sp>
+        <p:nvSpPr>
+          <p:cNvPr id="474" name="Google Shape;474;g6235e2081a_0_183:notes"/>
+          <p:cNvSpPr txBox="1"/>
+          <p:nvPr>
+            <p:ph idx="1" type="body"/>
+          </p:nvPr>
+        </p:nvSpPr>
+        <p:spPr>
+          <a:xfrm>
+            <a:off x="685800" y="4343400"/>
+            <a:ext cx="5486400" cy="4114800"/>
+          </a:xfrm>
+          <a:prstGeom prst="rect">
+            <a:avLst/>
+          </a:prstGeom>
+        </p:spPr>
+        <p:txBody>
+          <a:bodyPr anchorCtr="0" anchor="t" bIns="91425" lIns="91425" spcFirstLastPara="1" rIns="91425" wrap="square" tIns="91425">
+            <a:noAutofit/>
+          </a:bodyPr>
+          <a:lstStyle/>
+          <a:p>
+            <a:pPr indent="0" lvl="0" marL="0" rtl="0" algn="l">
+              <a:spcBef>
+                <a:spcPts val="0"/>
+              </a:spcBef>
+              <a:spcAft>
+                <a:spcPts val="0"/>
+              </a:spcAft>
+              <a:buNone/>
+            </a:pPr>
+            <a:r>
+              <a:t/>
+            </a:r>
+            <a:endParaRPr/>
+          </a:p>
+        </p:txBody>
+      </p:sp>
+    </p:spTree>
+  </p:cSld>
+  <p:clrMapOvr>
+    <a:masterClrMapping/>
+  </p:clrMapOvr>
+</p:notes>
+</file>
+
+<file path=ppt/notesSlides/notesSlide17.xml><?xml version="1.0" encoding="utf-8"?>
+<p:notes xmlns:a="http://schemas.openxmlformats.org/drawingml/2006/main" xmlns:r="http://schemas.openxmlformats.org/officeDocument/2006/relationships" xmlns:mc="http://schemas.openxmlformats.org/markup-compatibility/2006" xmlns:mv="urn:schemas-microsoft-com:mac:vml" xmlns:p="http://schemas.openxmlformats.org/presentationml/2006/main" xmlns:c="http://schemas.openxmlformats.org/drawingml/2006/chart" xmlns:dgm="http://schemas.openxmlformats.org/drawingml/2006/diagram" xmlns:o="urn:schemas-microsoft-com:office:office" xmlns:v="urn:schemas-microsoft-com:vml" xmlns:pvml="urn:schemas-microsoft-com:office:powerpoint" xmlns:com="http://schemas.openxmlformats.org/drawingml/2006/compatibility" xmlns:p14="http://schemas.microsoft.com/office/powerpoint/2010/main" xmlns:p15="http://schemas.microsoft.com/office/powerpoint/2012/main" showMasterPhAnim="0" showMasterSp="0">
+  <p:cSld>
+    <p:spTree>
+      <p:nvGrpSpPr>
+        <p:cNvPr id="481" name="Shape 481"/>
+        <p:cNvGrpSpPr/>
+        <p:nvPr/>
+      </p:nvGrpSpPr>
+      <p:grpSpPr>
+        <a:xfrm>
+          <a:off x="0" y="0"/>
+          <a:ext cx="0" cy="0"/>
+          <a:chOff x="0" y="0"/>
+          <a:chExt cx="0" cy="0"/>
+        </a:xfrm>
+      </p:grpSpPr>
+      <p:sp>
+        <p:nvSpPr>
+          <p:cNvPr id="482" name="Google Shape;482;g547716335e_0_126:notes"/>
+          <p:cNvSpPr/>
+          <p:nvPr>
+            <p:ph idx="2" type="sldImg"/>
+          </p:nvPr>
+        </p:nvSpPr>
+        <p:spPr>
+          <a:xfrm>
+            <a:off x="381300" y="685800"/>
+            <a:ext cx="6096000" cy="3429000"/>
+          </a:xfrm>
+          <a:custGeom>
+            <a:rect b="b" l="l" r="r" t="t"/>
+            <a:pathLst>
+              <a:path extrusionOk="0" h="120000" w="120000">
+                <a:moveTo>
+                  <a:pt x="0" y="0"/>
+                </a:moveTo>
+                <a:lnTo>
+                  <a:pt x="120000" y="0"/>
+                </a:lnTo>
+                <a:lnTo>
+                  <a:pt x="120000" y="120000"/>
+                </a:lnTo>
+                <a:lnTo>
+                  <a:pt x="0" y="120000"/>
+                </a:lnTo>
+                <a:close/>
+              </a:path>
+            </a:pathLst>
+          </a:custGeom>
+        </p:spPr>
+      </p:sp>
+      <p:sp>
+        <p:nvSpPr>
+          <p:cNvPr id="483" name="Google Shape;483;g547716335e_0_126:notes"/>
           <p:cNvSpPr txBox="1"/>
           <p:nvPr>
             <p:ph idx="1" type="body"/>
@@ -1728,7 +2577,7 @@
       </p:grpSpPr>
       <p:sp>
         <p:nvSpPr>
-          <p:cNvPr id="355" name="Google Shape;355;g6235e2081a_0_0:notes"/>
+          <p:cNvPr id="355" name="Google Shape;355;g7680c9a8b2_1_0:notes"/>
           <p:cNvSpPr/>
           <p:nvPr>
             <p:ph idx="2" type="sldImg"/>
@@ -1763,7 +2612,7 @@
       </p:sp>
       <p:sp>
         <p:nvSpPr>
-          <p:cNvPr id="356" name="Google Shape;356;g6235e2081a_0_0:notes"/>
+          <p:cNvPr id="356" name="Google Shape;356;g7680c9a8b2_1_0:notes"/>
           <p:cNvSpPr txBox="1"/>
           <p:nvPr>
             <p:ph idx="1" type="body"/>
@@ -1785,77 +2634,6 @@
           <a:lstStyle/>
           <a:p>
             <a:pPr indent="0" lvl="0" marL="0" rtl="0" algn="l">
-              <a:lnSpc>
-                <a:spcPct val="115000"/>
-              </a:lnSpc>
-              <a:spcBef>
-                <a:spcPts val="0"/>
-              </a:spcBef>
-              <a:spcAft>
-                <a:spcPts val="0"/>
-              </a:spcAft>
-              <a:buClr>
-                <a:schemeClr val="dk1"/>
-              </a:buClr>
-              <a:buSzPts val="1100"/>
-              <a:buFont typeface="Arial"/>
-              <a:buNone/>
-            </a:pPr>
-            <a:r>
-              <a:rPr lang="en" sz="1200" u="sng">
-                <a:solidFill>
-                  <a:srgbClr val="337AB7"/>
-                </a:solidFill>
-                <a:highlight>
-                  <a:srgbClr val="FFFFFF"/>
-                </a:highlight>
-                <a:latin typeface="Overpass"/>
-                <a:ea typeface="Overpass"/>
-                <a:cs typeface="Overpass"/>
-                <a:sym typeface="Overpass"/>
-                <a:hlinkClick r:id="rId2"/>
-              </a:rPr>
-              <a:t>Prometheus</a:t>
-            </a:r>
-            <a:r>
-              <a:rPr lang="en" sz="1200">
-                <a:solidFill>
-                  <a:schemeClr val="dk1"/>
-                </a:solidFill>
-                <a:highlight>
-                  <a:srgbClr val="FFFFFF"/>
-                </a:highlight>
-                <a:latin typeface="Overpass"/>
-                <a:ea typeface="Overpass"/>
-                <a:cs typeface="Overpass"/>
-                <a:sym typeface="Overpass"/>
-              </a:rPr>
-              <a:t> is an open-source system monitoring and alerting toolkit, </a:t>
-            </a:r>
-            <a:r>
-              <a:rPr lang="en" sz="1200">
-                <a:solidFill>
-                  <a:schemeClr val="dk1"/>
-                </a:solidFill>
-                <a:latin typeface="Overpass"/>
-                <a:ea typeface="Overpass"/>
-                <a:cs typeface="Overpass"/>
-                <a:sym typeface="Overpass"/>
-              </a:rPr>
-              <a:t>it provides time series data with various metrics to analyze the performance of our servers and clusters. Prometheus scrapes metrics from instrumented jobs, either directly or via an intermediary push gateway for short-lived jobs. It stores all scraped samples locally and runs rules over this data to either aggregate and record new time series from existing data or generate alerts</a:t>
-            </a:r>
-            <a:endParaRPr sz="1200">
-              <a:solidFill>
-                <a:schemeClr val="dk1"/>
-              </a:solidFill>
-              <a:latin typeface="Overpass"/>
-              <a:ea typeface="Overpass"/>
-              <a:cs typeface="Overpass"/>
-              <a:sym typeface="Overpass"/>
-            </a:endParaRPr>
-          </a:p>
-          <a:p>
-            <a:pPr indent="0" lvl="0" marL="0" rtl="0" algn="l">
               <a:spcBef>
                 <a:spcPts val="0"/>
               </a:spcBef>
@@ -1884,7 +2662,7 @@
   <p:cSld>
     <p:spTree>
       <p:nvGrpSpPr>
-        <p:cNvPr id="362" name="Shape 362"/>
+        <p:cNvPr id="363" name="Shape 363"/>
         <p:cNvGrpSpPr/>
         <p:nvPr/>
       </p:nvGrpSpPr>
@@ -1898,7 +2676,7 @@
       </p:grpSpPr>
       <p:sp>
         <p:nvSpPr>
-          <p:cNvPr id="363" name="Google Shape;363;g6235e2081a_0_89:notes"/>
+          <p:cNvPr id="364" name="Google Shape;364;g7680c9a8b2_1_10:notes"/>
           <p:cNvSpPr/>
           <p:nvPr>
             <p:ph idx="2" type="sldImg"/>
@@ -1933,7 +2711,7 @@
       </p:sp>
       <p:sp>
         <p:nvSpPr>
-          <p:cNvPr id="364" name="Google Shape;364;g6235e2081a_0_89:notes"/>
+          <p:cNvPr id="365" name="Google Shape;365;g7680c9a8b2_1_10:notes"/>
           <p:cNvSpPr txBox="1"/>
           <p:nvPr>
             <p:ph idx="1" type="body"/>
@@ -1961,18 +2739,20 @@
               <a:spcAft>
                 <a:spcPts val="0"/>
               </a:spcAft>
+              <a:buClr>
+                <a:schemeClr val="dk1"/>
+              </a:buClr>
+              <a:buSzPts val="1100"/>
+              <a:buFont typeface="Arial"/>
               <a:buNone/>
             </a:pPr>
             <a:r>
-              <a:rPr lang="en" sz="1200">
-                <a:solidFill>
-                  <a:srgbClr val="24292E"/>
-                </a:solidFill>
-                <a:highlight>
-                  <a:srgbClr val="FFFFFF"/>
-                </a:highlight>
+              <a:rPr lang="en">
+                <a:solidFill>
+                  <a:schemeClr val="dk1"/>
+                </a:solidFill>
               </a:rPr>
-              <a:t>With the increased amount of metrics flowing in it is getting harder to see the signals within the noise. Our application leverages machine learning algorithms such as Fourier and Prophet models to perform time series forecasting and predict anomalous behavior in the metrics. (Eg: CPU usage)</a:t>
+              <a:t>And we got target, these are the things that prometheus want to monitor</a:t>
             </a:r>
             <a:endParaRPr/>
           </a:p>
@@ -1991,7 +2771,7 @@
   <p:cSld>
     <p:spTree>
       <p:nvGrpSpPr>
-        <p:cNvPr id="370" name="Shape 370"/>
+        <p:cNvPr id="371" name="Shape 371"/>
         <p:cNvGrpSpPr/>
         <p:nvPr/>
       </p:nvGrpSpPr>
@@ -2005,7 +2785,7 @@
       </p:grpSpPr>
       <p:sp>
         <p:nvSpPr>
-          <p:cNvPr id="371" name="Google Shape;371;g47998471df_0_13:notes"/>
+          <p:cNvPr id="372" name="Google Shape;372;g7680c9a8b2_1_19:notes"/>
           <p:cNvSpPr/>
           <p:nvPr>
             <p:ph idx="2" type="sldImg"/>
@@ -2040,7 +2820,7 @@
       </p:sp>
       <p:sp>
         <p:nvSpPr>
-          <p:cNvPr id="372" name="Google Shape;372;g47998471df_0_13:notes"/>
+          <p:cNvPr id="373" name="Google Shape;373;g7680c9a8b2_1_19:notes"/>
           <p:cNvSpPr txBox="1"/>
           <p:nvPr>
             <p:ph idx="1" type="body"/>
@@ -2071,9 +2851,133 @@
               <a:buNone/>
             </a:pPr>
             <a:r>
+              <a:rPr lang="en">
+                <a:solidFill>
+                  <a:schemeClr val="dk1"/>
+                </a:solidFill>
+              </a:rPr>
+              <a:t>Those targets expose metrics, just via http endpoints</a:t>
+            </a:r>
+            <a:endParaRPr>
+              <a:solidFill>
+                <a:schemeClr val="dk1"/>
+              </a:solidFill>
+            </a:endParaRPr>
+          </a:p>
+          <a:p>
+            <a:pPr indent="0" lvl="0" marL="0" rtl="0" algn="l">
+              <a:spcBef>
+                <a:spcPts val="0"/>
+              </a:spcBef>
+              <a:spcAft>
+                <a:spcPts val="0"/>
+              </a:spcAft>
+              <a:buNone/>
+            </a:pPr>
+            <a:r>
+              <a:rPr lang="en">
+                <a:solidFill>
+                  <a:schemeClr val="dk1"/>
+                </a:solidFill>
+              </a:rPr>
+              <a:t>The metrics are the current state of the target</a:t>
+            </a:r>
+            <a:endParaRPr>
+              <a:solidFill>
+                <a:schemeClr val="dk1"/>
+              </a:solidFill>
+            </a:endParaRPr>
+          </a:p>
+          <a:p>
+            <a:pPr indent="0" lvl="0" marL="0" rtl="0" algn="l">
+              <a:spcBef>
+                <a:spcPts val="0"/>
+              </a:spcBef>
+              <a:spcAft>
+                <a:spcPts val="0"/>
+              </a:spcAft>
+              <a:buNone/>
+            </a:pPr>
+            <a:r>
+              <a:rPr lang="en">
+                <a:solidFill>
+                  <a:schemeClr val="dk1"/>
+                </a:solidFill>
+              </a:rPr>
+              <a:t>This is important. </a:t>
+            </a:r>
+            <a:endParaRPr>
+              <a:solidFill>
+                <a:schemeClr val="dk1"/>
+              </a:solidFill>
+            </a:endParaRPr>
+          </a:p>
+          <a:p>
+            <a:pPr indent="0" lvl="0" marL="0" rtl="0" algn="l">
+              <a:spcBef>
+                <a:spcPts val="0"/>
+              </a:spcBef>
+              <a:spcAft>
+                <a:spcPts val="0"/>
+              </a:spcAft>
+              <a:buNone/>
+            </a:pPr>
+            <a:r>
+              <a:rPr lang="en">
+                <a:solidFill>
+                  <a:schemeClr val="dk1"/>
+                </a:solidFill>
+              </a:rPr>
+              <a:t>A target cant tell prometheus, this is how I looked like 10 minutes ago</a:t>
+            </a:r>
+            <a:endParaRPr>
+              <a:solidFill>
+                <a:schemeClr val="dk1"/>
+              </a:solidFill>
+            </a:endParaRPr>
+          </a:p>
+          <a:p>
+            <a:pPr indent="0" lvl="0" marL="0" rtl="0" algn="l">
+              <a:spcBef>
+                <a:spcPts val="0"/>
+              </a:spcBef>
+              <a:spcAft>
+                <a:spcPts val="0"/>
+              </a:spcAft>
+              <a:buNone/>
+            </a:pPr>
+            <a:r>
+              <a:rPr lang="en">
+                <a:solidFill>
+                  <a:schemeClr val="dk1"/>
+                </a:solidFill>
+              </a:rPr>
+              <a:t>Prometheus is the one who adds a timestamp to the metrics and the time is always now</a:t>
+            </a:r>
+            <a:endParaRPr>
+              <a:solidFill>
+                <a:schemeClr val="dk1"/>
+              </a:solidFill>
+            </a:endParaRPr>
+          </a:p>
+          <a:p>
+            <a:pPr indent="0" lvl="0" marL="0" rtl="0" algn="l">
+              <a:spcBef>
+                <a:spcPts val="0"/>
+              </a:spcBef>
+              <a:spcAft>
+                <a:spcPts val="0"/>
+              </a:spcAft>
+              <a:buNone/>
+            </a:pPr>
+            <a:r>
               <a:t/>
             </a:r>
-            <a:endParaRPr/>
+            <a:endParaRPr>
+              <a:solidFill>
+                <a:schemeClr val="dk1"/>
+              </a:solidFill>
+            </a:endParaRPr>
           </a:p>
         </p:txBody>
       </p:sp>
@@ -2090,7 +2994,7 @@
   <p:cSld>
     <p:spTree>
       <p:nvGrpSpPr>
-        <p:cNvPr id="382" name="Shape 382"/>
+        <p:cNvPr id="379" name="Shape 379"/>
         <p:cNvGrpSpPr/>
         <p:nvPr/>
       </p:nvGrpSpPr>
@@ -2104,7 +3008,7 @@
       </p:grpSpPr>
       <p:sp>
         <p:nvSpPr>
-          <p:cNvPr id="383" name="Google Shape;383;g6235e2081a_0_99:notes"/>
+          <p:cNvPr id="380" name="Google Shape;380;g7680c9a8b2_1_27:notes"/>
           <p:cNvSpPr/>
           <p:nvPr>
             <p:ph idx="2" type="sldImg"/>
@@ -2139,7 +3043,7 @@
       </p:sp>
       <p:sp>
         <p:nvSpPr>
-          <p:cNvPr id="384" name="Google Shape;384;g6235e2081a_0_99:notes"/>
+          <p:cNvPr id="381" name="Google Shape;381;g7680c9a8b2_1_27:notes"/>
           <p:cNvSpPr txBox="1"/>
           <p:nvPr>
             <p:ph idx="1" type="body"/>
@@ -2160,413 +3064,57 @@
           </a:bodyPr>
           <a:lstStyle/>
           <a:p>
-            <a:pPr indent="-304800" lvl="0" marL="457200" rtl="0" algn="l">
-              <a:lnSpc>
-                <a:spcPct val="115000"/>
-              </a:lnSpc>
-              <a:spcBef>
-                <a:spcPts val="0"/>
-              </a:spcBef>
-              <a:spcAft>
-                <a:spcPts val="0"/>
-              </a:spcAft>
-              <a:buClr>
-                <a:srgbClr val="24292E"/>
-              </a:buClr>
-              <a:buSzPts val="1200"/>
-              <a:buChar char="●"/>
+            <a:pPr indent="0" lvl="0" marL="0" rtl="0" algn="l">
+              <a:spcBef>
+                <a:spcPts val="0"/>
+              </a:spcBef>
+              <a:spcAft>
+                <a:spcPts val="0"/>
+              </a:spcAft>
+              <a:buNone/>
             </a:pPr>
             <a:r>
-              <a:rPr lang="en" sz="1200">
-                <a:solidFill>
-                  <a:srgbClr val="24292E"/>
-                </a:solidFill>
-                <a:highlight>
-                  <a:srgbClr val="FFFFFF"/>
-                </a:highlight>
+              <a:rPr lang="en">
+                <a:solidFill>
+                  <a:schemeClr val="dk1"/>
+                </a:solidFill>
               </a:rPr>
-              <a:t>Data - Prometheus metrics scraped from specified hosts/targets</a:t>
+              <a:t>Then prometheus stores the metrics in it’s times series db which is really performant and optimized for this kind of data</a:t>
             </a:r>
-            <a:endParaRPr sz="1200">
+            <a:endParaRPr>
               <a:solidFill>
-                <a:srgbClr val="24292E"/>
+                <a:schemeClr val="dk1"/>
               </a:solidFill>
-              <a:highlight>
-                <a:srgbClr val="FFFFFF"/>
-              </a:highlight>
-            </a:endParaRPr>
-          </a:p>
-          <a:p>
-            <a:pPr indent="-304800" lvl="0" marL="457200" rtl="0" algn="l">
-              <a:lnSpc>
-                <a:spcPct val="115000"/>
-              </a:lnSpc>
-              <a:spcBef>
-                <a:spcPts val="0"/>
-              </a:spcBef>
-              <a:spcAft>
-                <a:spcPts val="0"/>
-              </a:spcAft>
-              <a:buClr>
-                <a:srgbClr val="24292E"/>
-              </a:buClr>
-              <a:buSzPts val="1200"/>
-              <a:buChar char="●"/>
-            </a:pPr>
-            <a:r>
-              <a:rPr lang="en" sz="1200">
-                <a:solidFill>
-                  <a:srgbClr val="24292E"/>
-                </a:solidFill>
-                <a:highlight>
-                  <a:srgbClr val="FFFFFF"/>
-                </a:highlight>
-              </a:rPr>
-              <a:t>Models being trained -</a:t>
-            </a:r>
-            <a:endParaRPr sz="1200">
-              <a:solidFill>
-                <a:srgbClr val="24292E"/>
-              </a:solidFill>
-              <a:highlight>
-                <a:srgbClr val="FFFFFF"/>
-              </a:highlight>
-            </a:endParaRPr>
-          </a:p>
-          <a:p>
-            <a:pPr indent="-304800" lvl="1" marL="914400" rtl="0" algn="l">
-              <a:lnSpc>
-                <a:spcPct val="115000"/>
-              </a:lnSpc>
-              <a:spcBef>
-                <a:spcPts val="0"/>
-              </a:spcBef>
-              <a:spcAft>
-                <a:spcPts val="0"/>
-              </a:spcAft>
-              <a:buClr>
-                <a:srgbClr val="24292E"/>
-              </a:buClr>
-              <a:buSzPts val="1200"/>
-              <a:buChar char="○"/>
-            </a:pPr>
-            <a:r>
-              <a:rPr lang="en" sz="1200">
-                <a:solidFill>
-                  <a:srgbClr val="24292E"/>
-                </a:solidFill>
-                <a:highlight>
-                  <a:srgbClr val="FFFFFF"/>
-                </a:highlight>
-              </a:rPr>
-              <a:t>Fourier - It is used to map signals from the time domain to the frequency domain. It represents periodic time series data as a sum of sinusoidal components (sine and cosine)</a:t>
-            </a:r>
-            <a:endParaRPr sz="1200">
-              <a:solidFill>
-                <a:srgbClr val="24292E"/>
-              </a:solidFill>
-              <a:highlight>
-                <a:srgbClr val="FFFFFF"/>
-              </a:highlight>
-            </a:endParaRPr>
-          </a:p>
-          <a:p>
-            <a:pPr indent="-304800" lvl="1" marL="914400" rtl="0" algn="l">
-              <a:lnSpc>
-                <a:spcPct val="115000"/>
-              </a:lnSpc>
-              <a:spcBef>
-                <a:spcPts val="0"/>
-              </a:spcBef>
-              <a:spcAft>
-                <a:spcPts val="0"/>
-              </a:spcAft>
-              <a:buClr>
-                <a:srgbClr val="24292E"/>
-              </a:buClr>
-              <a:buSzPts val="1200"/>
-              <a:buChar char="○"/>
-            </a:pPr>
-            <a:r>
-              <a:rPr lang="en" sz="1200">
-                <a:solidFill>
-                  <a:srgbClr val="24292E"/>
-                </a:solidFill>
-                <a:highlight>
-                  <a:srgbClr val="FFFFFF"/>
-                </a:highlight>
-              </a:rPr>
-              <a:t>Prophet[</a:t>
-            </a:r>
-            <a:r>
-              <a:rPr lang="en" sz="1200">
-                <a:solidFill>
-                  <a:srgbClr val="0366D6"/>
-                </a:solidFill>
-                <a:highlight>
-                  <a:srgbClr val="FFFFFF"/>
-                </a:highlight>
-                <a:uFill>
-                  <a:noFill/>
-                </a:uFill>
-                <a:hlinkClick r:id="rId2"/>
-              </a:rPr>
-              <a:t>https://facebook.github.io/prophet/</a:t>
-            </a:r>
-            <a:r>
-              <a:rPr lang="en" sz="1200">
-                <a:solidFill>
-                  <a:srgbClr val="24292E"/>
-                </a:solidFill>
-                <a:highlight>
-                  <a:srgbClr val="FFFFFF"/>
-                </a:highlight>
-              </a:rPr>
-              <a:t>] - Procedure developed by Facebook for forecasting time series data based on an additive model where non-linear trends are fit with yearly, weekly, and daily seasonality, plus holiday effects. It works best with time series that have strong seasonal effects and several seasons of historical data. The following are the forecasted values:</a:t>
-            </a:r>
-            <a:endParaRPr sz="1200">
-              <a:solidFill>
-                <a:srgbClr val="24292E"/>
-              </a:solidFill>
-              <a:highlight>
-                <a:srgbClr val="FFFFFF"/>
-              </a:highlight>
-            </a:endParaRPr>
-          </a:p>
-          <a:p>
-            <a:pPr indent="-304800" lvl="2" marL="1371600" rtl="0" algn="l">
-              <a:lnSpc>
-                <a:spcPct val="115000"/>
-              </a:lnSpc>
-              <a:spcBef>
-                <a:spcPts val="0"/>
-              </a:spcBef>
-              <a:spcAft>
-                <a:spcPts val="0"/>
-              </a:spcAft>
-              <a:buClr>
-                <a:srgbClr val="24292E"/>
-              </a:buClr>
-              <a:buSzPts val="1200"/>
-              <a:buChar char="■"/>
-            </a:pPr>
-            <a:r>
-              <a:rPr lang="en" sz="1000">
-                <a:solidFill>
-                  <a:srgbClr val="24292E"/>
-                </a:solidFill>
-                <a:highlight>
-                  <a:srgbClr val="FFFFFF"/>
-                </a:highlight>
-                <a:latin typeface="Consolas"/>
-                <a:ea typeface="Consolas"/>
-                <a:cs typeface="Consolas"/>
-                <a:sym typeface="Consolas"/>
-              </a:rPr>
-              <a:t>yhat</a:t>
-            </a:r>
-            <a:r>
-              <a:rPr lang="en" sz="1200">
-                <a:solidFill>
-                  <a:srgbClr val="24292E"/>
-                </a:solidFill>
-                <a:highlight>
-                  <a:srgbClr val="FFFFFF"/>
-                </a:highlight>
-              </a:rPr>
-              <a:t> - Predicted time series value</a:t>
-            </a:r>
-            <a:endParaRPr sz="1200">
-              <a:solidFill>
-                <a:srgbClr val="24292E"/>
-              </a:solidFill>
-              <a:highlight>
-                <a:srgbClr val="FFFFFF"/>
-              </a:highlight>
-            </a:endParaRPr>
-          </a:p>
-          <a:p>
-            <a:pPr indent="-304800" lvl="2" marL="1371600" rtl="0" algn="l">
-              <a:lnSpc>
-                <a:spcPct val="115000"/>
-              </a:lnSpc>
-              <a:spcBef>
-                <a:spcPts val="0"/>
-              </a:spcBef>
-              <a:spcAft>
-                <a:spcPts val="0"/>
-              </a:spcAft>
-              <a:buClr>
-                <a:srgbClr val="24292E"/>
-              </a:buClr>
-              <a:buSzPts val="1200"/>
-              <a:buChar char="■"/>
-            </a:pPr>
-            <a:r>
-              <a:rPr lang="en" sz="1000">
-                <a:solidFill>
-                  <a:srgbClr val="24292E"/>
-                </a:solidFill>
-                <a:highlight>
-                  <a:srgbClr val="FFFFFF"/>
-                </a:highlight>
-                <a:latin typeface="Consolas"/>
-                <a:ea typeface="Consolas"/>
-                <a:cs typeface="Consolas"/>
-                <a:sym typeface="Consolas"/>
-              </a:rPr>
-              <a:t>yhat_lower</a:t>
-            </a:r>
-            <a:r>
-              <a:rPr lang="en" sz="1200">
-                <a:solidFill>
-                  <a:srgbClr val="24292E"/>
-                </a:solidFill>
-                <a:highlight>
-                  <a:srgbClr val="FFFFFF"/>
-                </a:highlight>
-              </a:rPr>
-              <a:t> - Lower bound of uncertainity interval</a:t>
-            </a:r>
-            <a:endParaRPr sz="1200">
-              <a:solidFill>
-                <a:srgbClr val="24292E"/>
-              </a:solidFill>
-              <a:highlight>
-                <a:srgbClr val="FFFFFF"/>
-              </a:highlight>
-            </a:endParaRPr>
-          </a:p>
-          <a:p>
-            <a:pPr indent="-304800" lvl="2" marL="1371600" rtl="0" algn="l">
-              <a:lnSpc>
-                <a:spcPct val="115000"/>
-              </a:lnSpc>
-              <a:spcBef>
-                <a:spcPts val="0"/>
-              </a:spcBef>
-              <a:spcAft>
-                <a:spcPts val="0"/>
-              </a:spcAft>
-              <a:buClr>
-                <a:srgbClr val="24292E"/>
-              </a:buClr>
-              <a:buSzPts val="1200"/>
-              <a:buChar char="■"/>
-            </a:pPr>
-            <a:r>
-              <a:rPr lang="en" sz="1000">
-                <a:solidFill>
-                  <a:srgbClr val="24292E"/>
-                </a:solidFill>
-                <a:highlight>
-                  <a:srgbClr val="FFFFFF"/>
-                </a:highlight>
-                <a:latin typeface="Consolas"/>
-                <a:ea typeface="Consolas"/>
-                <a:cs typeface="Consolas"/>
-                <a:sym typeface="Consolas"/>
-              </a:rPr>
-              <a:t>yhat_upper</a:t>
-            </a:r>
-            <a:r>
-              <a:rPr lang="en" sz="1200">
-                <a:solidFill>
-                  <a:srgbClr val="24292E"/>
-                </a:solidFill>
-                <a:highlight>
-                  <a:srgbClr val="FFFFFF"/>
-                </a:highlight>
-              </a:rPr>
-              <a:t> - Upper bound of uncertainity interval</a:t>
-            </a:r>
-            <a:endParaRPr sz="1200">
-              <a:solidFill>
-                <a:srgbClr val="24292E"/>
-              </a:solidFill>
-              <a:highlight>
-                <a:srgbClr val="FFFFFF"/>
-              </a:highlight>
-            </a:endParaRPr>
-          </a:p>
-          <a:p>
-            <a:pPr indent="-304800" lvl="0" marL="457200" rtl="0" algn="l">
-              <a:lnSpc>
-                <a:spcPct val="115000"/>
-              </a:lnSpc>
-              <a:spcBef>
-                <a:spcPts val="0"/>
-              </a:spcBef>
-              <a:spcAft>
-                <a:spcPts val="0"/>
-              </a:spcAft>
-              <a:buClr>
-                <a:srgbClr val="24292E"/>
-              </a:buClr>
-              <a:buSzPts val="1200"/>
-              <a:buChar char="●"/>
-            </a:pPr>
-            <a:r>
-              <a:rPr lang="en" sz="1200">
-                <a:solidFill>
-                  <a:srgbClr val="24292E"/>
-                </a:solidFill>
-                <a:highlight>
-                  <a:srgbClr val="FFFFFF"/>
-                </a:highlight>
-              </a:rPr>
-              <a:t>Visualization - Grafana dashboards are created to visualize the predicted metrics</a:t>
-            </a:r>
-            <a:endParaRPr sz="1200">
-              <a:solidFill>
-                <a:srgbClr val="24292E"/>
-              </a:solidFill>
-              <a:highlight>
-                <a:srgbClr val="FFFFFF"/>
-              </a:highlight>
-            </a:endParaRPr>
-          </a:p>
-          <a:p>
-            <a:pPr indent="-304800" lvl="0" marL="457200" rtl="0" algn="l">
-              <a:lnSpc>
-                <a:spcPct val="115000"/>
-              </a:lnSpc>
-              <a:spcBef>
-                <a:spcPts val="0"/>
-              </a:spcBef>
-              <a:spcAft>
-                <a:spcPts val="0"/>
-              </a:spcAft>
-              <a:buClr>
-                <a:srgbClr val="24292E"/>
-              </a:buClr>
-              <a:buSzPts val="1200"/>
-              <a:buChar char="●"/>
-            </a:pPr>
-            <a:r>
-              <a:rPr lang="en" sz="1200">
-                <a:solidFill>
-                  <a:srgbClr val="24292E"/>
-                </a:solidFill>
-                <a:highlight>
-                  <a:srgbClr val="FFFFFF"/>
-                </a:highlight>
-              </a:rPr>
-              <a:t>Alerts - Prometheus alerts are configured based on predicted metric values. Alerts triggered via gchat/email.</a:t>
-            </a:r>
-            <a:endParaRPr sz="1200">
-              <a:solidFill>
-                <a:srgbClr val="24292E"/>
-              </a:solidFill>
-              <a:highlight>
-                <a:srgbClr val="FFFFFF"/>
-              </a:highlight>
             </a:endParaRPr>
           </a:p>
           <a:p>
             <a:pPr indent="0" lvl="0" marL="0" rtl="0" algn="l">
               <a:spcBef>
-                <a:spcPts val="1200"/>
+                <a:spcPts val="0"/>
+              </a:spcBef>
+              <a:spcAft>
+                <a:spcPts val="0"/>
+              </a:spcAft>
+              <a:buNone/>
+            </a:pPr>
+            <a:r>
+              <a:rPr lang="en">
+                <a:solidFill>
+                  <a:schemeClr val="dk1"/>
+                </a:solidFill>
+              </a:rPr>
+              <a:t>And you can query the TSDB with a powerful query language called promql</a:t>
+            </a:r>
+            <a:endParaRPr>
+              <a:solidFill>
+                <a:schemeClr val="dk1"/>
+              </a:solidFill>
+            </a:endParaRPr>
+          </a:p>
+          <a:p>
+            <a:pPr indent="0" lvl="0" marL="0" rtl="0" algn="l">
+              <a:spcBef>
+                <a:spcPts val="0"/>
               </a:spcBef>
               <a:spcAft>
                 <a:spcPts val="0"/>
@@ -2576,7 +3124,30 @@
             <a:r>
               <a:t/>
             </a:r>
-            <a:endParaRPr/>
+            <a:endParaRPr>
+              <a:solidFill>
+                <a:schemeClr val="dk1"/>
+              </a:solidFill>
+            </a:endParaRPr>
+          </a:p>
+          <a:p>
+            <a:pPr indent="0" lvl="0" marL="0" rtl="0" algn="l">
+              <a:spcBef>
+                <a:spcPts val="0"/>
+              </a:spcBef>
+              <a:spcAft>
+                <a:spcPts val="0"/>
+              </a:spcAft>
+              <a:buNone/>
+            </a:pPr>
+            <a:r>
+              <a:t/>
+            </a:r>
+            <a:endParaRPr>
+              <a:solidFill>
+                <a:schemeClr val="dk1"/>
+              </a:solidFill>
+            </a:endParaRPr>
           </a:p>
         </p:txBody>
       </p:sp>
@@ -2593,7 +3164,7 @@
   <p:cSld>
     <p:spTree>
       <p:nvGrpSpPr>
-        <p:cNvPr id="390" name="Shape 390"/>
+        <p:cNvPr id="387" name="Shape 387"/>
         <p:cNvGrpSpPr/>
         <p:nvPr/>
       </p:nvGrpSpPr>
@@ -2607,7 +3178,7 @@
       </p:grpSpPr>
       <p:sp>
         <p:nvSpPr>
-          <p:cNvPr id="391" name="Google Shape;391;g6235e2081a_0_110:notes"/>
+          <p:cNvPr id="388" name="Google Shape;388;g7680c9a8b2_1_35:notes"/>
           <p:cNvSpPr/>
           <p:nvPr>
             <p:ph idx="2" type="sldImg"/>
@@ -2642,7 +3213,7 @@
       </p:sp>
       <p:sp>
         <p:nvSpPr>
-          <p:cNvPr id="392" name="Google Shape;392;g6235e2081a_0_110:notes"/>
+          <p:cNvPr id="389" name="Google Shape;389;g7680c9a8b2_1_35:notes"/>
           <p:cNvSpPr txBox="1"/>
           <p:nvPr>
             <p:ph idx="1" type="body"/>
@@ -2673,9 +3244,85 @@
               <a:buNone/>
             </a:pPr>
             <a:r>
+              <a:rPr lang="en">
+                <a:solidFill>
+                  <a:schemeClr val="dk1"/>
+                </a:solidFill>
+              </a:rPr>
+              <a:t>Now, metrics are nothing if dont get notified, right?</a:t>
+            </a:r>
+            <a:endParaRPr>
+              <a:solidFill>
+                <a:schemeClr val="dk1"/>
+              </a:solidFill>
+            </a:endParaRPr>
+          </a:p>
+          <a:p>
+            <a:pPr indent="0" lvl="0" marL="0" rtl="0" algn="l">
+              <a:spcBef>
+                <a:spcPts val="0"/>
+              </a:spcBef>
+              <a:spcAft>
+                <a:spcPts val="0"/>
+              </a:spcAft>
+              <a:buNone/>
+            </a:pPr>
+            <a:r>
+              <a:rPr lang="en">
+                <a:solidFill>
+                  <a:schemeClr val="dk1"/>
+                </a:solidFill>
+              </a:rPr>
+              <a:t>So prometheus can store rules that will fire and trigger alerts.</a:t>
+            </a:r>
+            <a:endParaRPr>
+              <a:solidFill>
+                <a:schemeClr val="dk1"/>
+              </a:solidFill>
+            </a:endParaRPr>
+          </a:p>
+          <a:p>
+            <a:pPr indent="0" lvl="0" marL="0" rtl="0" algn="l">
+              <a:spcBef>
+                <a:spcPts val="0"/>
+              </a:spcBef>
+              <a:spcAft>
+                <a:spcPts val="0"/>
+              </a:spcAft>
+              <a:buNone/>
+            </a:pPr>
+            <a:r>
+              <a:rPr lang="en">
+                <a:solidFill>
+                  <a:schemeClr val="dk1"/>
+                </a:solidFill>
+              </a:rPr>
+              <a:t>It’ll push the alerts to an alertmanager which will take care that you are being notified</a:t>
+            </a:r>
+            <a:endParaRPr>
+              <a:solidFill>
+                <a:schemeClr val="dk1"/>
+              </a:solidFill>
+            </a:endParaRPr>
+          </a:p>
+          <a:p>
+            <a:pPr indent="0" lvl="0" marL="0" rtl="0" algn="l">
+              <a:spcBef>
+                <a:spcPts val="0"/>
+              </a:spcBef>
+              <a:spcAft>
+                <a:spcPts val="0"/>
+              </a:spcAft>
+              <a:buNone/>
+            </a:pPr>
+            <a:r>
               <a:t/>
             </a:r>
-            <a:endParaRPr/>
+            <a:endParaRPr>
+              <a:solidFill>
+                <a:schemeClr val="dk1"/>
+              </a:solidFill>
+            </a:endParaRPr>
           </a:p>
         </p:txBody>
       </p:sp>
@@ -2692,7 +3339,7 @@
   <p:cSld>
     <p:spTree>
       <p:nvGrpSpPr>
-        <p:cNvPr id="408" name="Shape 408"/>
+        <p:cNvPr id="395" name="Shape 395"/>
         <p:cNvGrpSpPr/>
         <p:nvPr/>
       </p:nvGrpSpPr>
@@ -2706,7 +3353,7 @@
       </p:grpSpPr>
       <p:sp>
         <p:nvSpPr>
-          <p:cNvPr id="409" name="Google Shape;409;g6235e2081a_0_155:notes"/>
+          <p:cNvPr id="396" name="Google Shape;396;g6235e2081a_0_89:notes"/>
           <p:cNvSpPr/>
           <p:nvPr>
             <p:ph idx="2" type="sldImg"/>
@@ -2741,7 +3388,7 @@
       </p:sp>
       <p:sp>
         <p:nvSpPr>
-          <p:cNvPr id="410" name="Google Shape;410;g6235e2081a_0_155:notes"/>
+          <p:cNvPr id="397" name="Google Shape;397;g6235e2081a_0_89:notes"/>
           <p:cNvSpPr txBox="1"/>
           <p:nvPr>
             <p:ph idx="1" type="body"/>
@@ -2769,216 +3416,18 @@
               <a:spcAft>
                 <a:spcPts val="0"/>
               </a:spcAft>
-              <a:buClr>
-                <a:schemeClr val="dk1"/>
-              </a:buClr>
-              <a:buSzPts val="1100"/>
-              <a:buFont typeface="Arial"/>
               <a:buNone/>
             </a:pPr>
             <a:r>
               <a:rPr lang="en" sz="1200">
                 <a:solidFill>
-                  <a:schemeClr val="dk1"/>
+                  <a:srgbClr val="24292E"/>
                 </a:solidFill>
                 <a:highlight>
                   <a:srgbClr val="FFFFFF"/>
                 </a:highlight>
-                <a:latin typeface="Overpass"/>
-                <a:ea typeface="Overpass"/>
-                <a:cs typeface="Overpass"/>
-                <a:sym typeface="Overpass"/>
               </a:rPr>
-              <a:t>The alerts are configured to send automated messages through a chatbot via Google chats and email, notifying the respective teams. The google chat alerting architecture is maintained in two parts:</a:t>
-            </a:r>
-            <a:endParaRPr sz="1200">
-              <a:solidFill>
-                <a:schemeClr val="dk1"/>
-              </a:solidFill>
-              <a:highlight>
-                <a:srgbClr val="FFFFFF"/>
-              </a:highlight>
-              <a:latin typeface="Overpass"/>
-              <a:ea typeface="Overpass"/>
-              <a:cs typeface="Overpass"/>
-              <a:sym typeface="Overpass"/>
-            </a:endParaRPr>
-          </a:p>
-          <a:p>
-            <a:pPr indent="-301625" lvl="0" marL="457200" rtl="0" algn="l">
-              <a:lnSpc>
-                <a:spcPct val="115000"/>
-              </a:lnSpc>
-              <a:spcBef>
-                <a:spcPts val="300"/>
-              </a:spcBef>
-              <a:spcAft>
-                <a:spcPts val="0"/>
-              </a:spcAft>
-              <a:buClr>
-                <a:srgbClr val="3D3D3D"/>
-              </a:buClr>
-              <a:buSzPts val="1150"/>
-              <a:buFont typeface="Overpass"/>
-              <a:buChar char="●"/>
-            </a:pPr>
-            <a:r>
-              <a:rPr lang="en" sz="1200">
-                <a:solidFill>
-                  <a:schemeClr val="dk1"/>
-                </a:solidFill>
-                <a:highlight>
-                  <a:srgbClr val="FFFFFF"/>
-                </a:highlight>
-                <a:latin typeface="Overpass"/>
-                <a:ea typeface="Overpass"/>
-                <a:cs typeface="Overpass"/>
-                <a:sym typeface="Overpass"/>
-              </a:rPr>
-              <a:t>The predicted metrics are scraped by Prometheus </a:t>
-            </a:r>
-            <a:endParaRPr sz="1200">
-              <a:solidFill>
-                <a:schemeClr val="dk1"/>
-              </a:solidFill>
-              <a:highlight>
-                <a:srgbClr val="FFFFFF"/>
-              </a:highlight>
-              <a:latin typeface="Overpass"/>
-              <a:ea typeface="Overpass"/>
-              <a:cs typeface="Overpass"/>
-              <a:sym typeface="Overpass"/>
-            </a:endParaRPr>
-          </a:p>
-          <a:p>
-            <a:pPr indent="-301625" lvl="0" marL="457200" rtl="0" algn="l">
-              <a:lnSpc>
-                <a:spcPct val="115000"/>
-              </a:lnSpc>
-              <a:spcBef>
-                <a:spcPts val="0"/>
-              </a:spcBef>
-              <a:spcAft>
-                <a:spcPts val="0"/>
-              </a:spcAft>
-              <a:buClr>
-                <a:srgbClr val="3D3D3D"/>
-              </a:buClr>
-              <a:buSzPts val="1150"/>
-              <a:buFont typeface="Overpass"/>
-              <a:buChar char="●"/>
-            </a:pPr>
-            <a:r>
-              <a:rPr lang="en" sz="1200">
-                <a:solidFill>
-                  <a:schemeClr val="dk1"/>
-                </a:solidFill>
-                <a:highlight>
-                  <a:srgbClr val="FFFFFF"/>
-                </a:highlight>
-                <a:latin typeface="Overpass"/>
-                <a:ea typeface="Overpass"/>
-                <a:cs typeface="Overpass"/>
-                <a:sym typeface="Overpass"/>
-              </a:rPr>
-              <a:t>We configure the prometheus alertmanager to send a webhook trigger to the team Thoth’s bot, Sesheta which is configured to trigger alert notifications in google chat</a:t>
-            </a:r>
-            <a:endParaRPr sz="1200">
-              <a:solidFill>
-                <a:schemeClr val="dk1"/>
-              </a:solidFill>
-              <a:highlight>
-                <a:srgbClr val="FFFFFF"/>
-              </a:highlight>
-              <a:latin typeface="Overpass"/>
-              <a:ea typeface="Overpass"/>
-              <a:cs typeface="Overpass"/>
-              <a:sym typeface="Overpass"/>
-            </a:endParaRPr>
-          </a:p>
-          <a:p>
-            <a:pPr indent="0" lvl="0" marL="0" rtl="0" algn="l">
-              <a:lnSpc>
-                <a:spcPct val="115000"/>
-              </a:lnSpc>
-              <a:spcBef>
-                <a:spcPts val="300"/>
-              </a:spcBef>
-              <a:spcAft>
-                <a:spcPts val="0"/>
-              </a:spcAft>
-              <a:buNone/>
-            </a:pPr>
-            <a:r>
-              <a:rPr lang="en" sz="1200">
-                <a:solidFill>
-                  <a:schemeClr val="dk1"/>
-                </a:solidFill>
-                <a:highlight>
-                  <a:srgbClr val="FFFFFF"/>
-                </a:highlight>
-                <a:latin typeface="Overpass"/>
-                <a:ea typeface="Overpass"/>
-                <a:cs typeface="Overpass"/>
-                <a:sym typeface="Overpass"/>
-              </a:rPr>
-              <a:t>The alerts are configured through alerting rules (specified in a yaml file) which allow you to define alert conditions based on Prometheus expression language expressions and to send notifications about firing alerts to an external service. Whenever the alert expression results in one or more vector elements at a given point in time, the alert counts as </a:t>
-            </a:r>
-            <a:r>
-              <a:rPr i="1" lang="en" sz="1200">
-                <a:solidFill>
-                  <a:schemeClr val="dk1"/>
-                </a:solidFill>
-                <a:highlight>
-                  <a:srgbClr val="FFFFFF"/>
-                </a:highlight>
-                <a:latin typeface="Overpass"/>
-                <a:ea typeface="Overpass"/>
-                <a:cs typeface="Overpass"/>
-                <a:sym typeface="Overpass"/>
-              </a:rPr>
-              <a:t>active</a:t>
-            </a:r>
-            <a:r>
-              <a:rPr lang="en" sz="1200">
-                <a:solidFill>
-                  <a:schemeClr val="dk1"/>
-                </a:solidFill>
-                <a:highlight>
-                  <a:srgbClr val="FFFFFF"/>
-                </a:highlight>
-                <a:latin typeface="Overpass"/>
-                <a:ea typeface="Overpass"/>
-                <a:cs typeface="Overpass"/>
-                <a:sym typeface="Overpass"/>
-              </a:rPr>
-              <a:t> for these elements' label sets. </a:t>
-            </a:r>
-            <a:endParaRPr sz="1200">
-              <a:solidFill>
-                <a:schemeClr val="dk1"/>
-              </a:solidFill>
-              <a:highlight>
-                <a:srgbClr val="FFFFFF"/>
-              </a:highlight>
-              <a:latin typeface="Overpass"/>
-              <a:ea typeface="Overpass"/>
-              <a:cs typeface="Overpass"/>
-              <a:sym typeface="Overpass"/>
-            </a:endParaRPr>
-          </a:p>
-          <a:p>
-            <a:pPr indent="0" lvl="0" marL="0" rtl="0" algn="l">
-              <a:spcBef>
-                <a:spcPts val="300"/>
-              </a:spcBef>
-              <a:spcAft>
-                <a:spcPts val="0"/>
-              </a:spcAft>
-              <a:buNone/>
-            </a:pPr>
-            <a:r>
-              <a:t/>
+              <a:t>With the increased amount of metrics flowing in it is getting harder to see the signals within the noise. Our application leverages machine learning algorithms such as Fourier and Prophet models to perform time series forecasting and predict anomalous behavior in the metrics. (Eg: CPU usage)</a:t>
             </a:r>
             <a:endParaRPr/>
           </a:p>
@@ -36545,7 +36994,7 @@
   <p:cSld>
     <p:spTree>
       <p:nvGrpSpPr>
-        <p:cNvPr id="421" name="Shape 421"/>
+        <p:cNvPr id="406" name="Shape 406"/>
         <p:cNvGrpSpPr/>
         <p:nvPr/>
       </p:nvGrpSpPr>
@@ -36559,7 +37008,7 @@
       </p:grpSpPr>
       <p:sp>
         <p:nvSpPr>
-          <p:cNvPr id="422" name="Google Shape;422;p41"/>
+          <p:cNvPr id="407" name="Google Shape;407;p41"/>
           <p:cNvSpPr txBox="1"/>
           <p:nvPr>
             <p:ph type="title"/>
@@ -36567,8 +37016,8 @@
         </p:nvSpPr>
         <p:spPr>
           <a:xfrm>
-            <a:off x="885050" y="825400"/>
-            <a:ext cx="2885700" cy="583200"/>
+            <a:off x="813675" y="449675"/>
+            <a:ext cx="8686800" cy="967500"/>
           </a:xfrm>
           <a:prstGeom prst="rect">
             <a:avLst/>
@@ -36581,54 +37030,46 @@
           <a:lstStyle/>
           <a:p>
             <a:pPr indent="0" lvl="0" marL="0" rtl="0" algn="l">
-              <a:spcBef>
-                <a:spcPts val="0"/>
-              </a:spcBef>
-              <a:spcAft>
-                <a:spcPts val="0"/>
-              </a:spcAft>
+              <a:lnSpc>
+                <a:spcPct val="100000"/>
+              </a:lnSpc>
+              <a:spcBef>
+                <a:spcPts val="0"/>
+              </a:spcBef>
+              <a:spcAft>
+                <a:spcPts val="0"/>
+              </a:spcAft>
+              <a:buClr>
+                <a:schemeClr val="dk1"/>
+              </a:buClr>
+              <a:buSzPts val="1100"/>
+              <a:buFont typeface="Arial"/>
               <a:buNone/>
             </a:pPr>
             <a:r>
-              <a:rPr lang="en">
-                <a:solidFill>
-                  <a:srgbClr val="980000"/>
-                </a:solidFill>
+              <a:rPr b="1" lang="en" sz="2000">
+                <a:solidFill>
+                  <a:srgbClr val="CC0000"/>
+                </a:solidFill>
+                <a:latin typeface="Overpass"/>
+                <a:ea typeface="Overpass"/>
+                <a:cs typeface="Overpass"/>
+                <a:sym typeface="Overpass"/>
               </a:rPr>
-              <a:t>Model Testing</a:t>
+              <a:t>Components of Time Series </a:t>
             </a:r>
-            <a:endParaRPr>
+            <a:endParaRPr b="1" sz="2000">
               <a:solidFill>
-                <a:srgbClr val="980000"/>
+                <a:srgbClr val="CC0000"/>
               </a:solidFill>
+              <a:latin typeface="Overpass"/>
+              <a:ea typeface="Overpass"/>
+              <a:cs typeface="Overpass"/>
+              <a:sym typeface="Overpass"/>
             </a:endParaRPr>
           </a:p>
-        </p:txBody>
-      </p:sp>
-      <p:sp>
-        <p:nvSpPr>
-          <p:cNvPr id="423" name="Google Shape;423;p41"/>
-          <p:cNvSpPr txBox="1"/>
-          <p:nvPr>
-            <p:ph idx="1" type="subTitle"/>
-          </p:nvPr>
-        </p:nvSpPr>
-        <p:spPr>
-          <a:xfrm>
-            <a:off x="664850" y="55441"/>
-            <a:ext cx="5148900" cy="816300"/>
-          </a:xfrm>
-          <a:prstGeom prst="rect">
-            <a:avLst/>
-          </a:prstGeom>
-        </p:spPr>
-        <p:txBody>
-          <a:bodyPr anchorCtr="0" anchor="ctr" bIns="91425" lIns="438900" spcFirstLastPara="1" rIns="91425" wrap="square" tIns="91425">
-            <a:noAutofit/>
-          </a:bodyPr>
-          <a:lstStyle/>
           <a:p>
-            <a:pPr indent="0" lvl="0" marL="0" rtl="0" algn="l">
+            <a:pPr indent="0" lvl="0" marL="0" rtl="0" algn="ctr">
               <a:spcBef>
                 <a:spcPts val="0"/>
               </a:spcBef>
@@ -36638,8 +37079,7 @@
               <a:buNone/>
             </a:pPr>
             <a:r>
-              <a:rPr lang="en"/>
-              <a:t>AI Ops</a:t>
+              <a:t/>
             </a:r>
             <a:endParaRPr/>
           </a:p>
@@ -36647,7 +37087,7 @@
       </p:sp>
       <p:sp>
         <p:nvSpPr>
-          <p:cNvPr id="424" name="Google Shape;424;p41"/>
+          <p:cNvPr id="408" name="Google Shape;408;p41"/>
           <p:cNvSpPr txBox="1"/>
           <p:nvPr>
             <p:ph idx="12" type="sldNum"/>
@@ -36685,44 +37125,183 @@
           </a:p>
         </p:txBody>
       </p:sp>
-      <p:pic>
-        <p:nvPicPr>
-          <p:cNvPr id="425" name="Google Shape;425;p41"/>
-          <p:cNvPicPr preferRelativeResize="0"/>
-          <p:nvPr/>
-        </p:nvPicPr>
-        <p:blipFill>
-          <a:blip r:embed="rId3">
-            <a:alphaModFix/>
-          </a:blip>
-          <a:stretch>
-            <a:fillRect/>
-          </a:stretch>
-        </p:blipFill>
+      <p:sp>
+        <p:nvSpPr>
+          <p:cNvPr id="409" name="Google Shape;409;p41"/>
+          <p:cNvSpPr txBox="1"/>
+          <p:nvPr>
+            <p:ph idx="2" type="subTitle"/>
+          </p:nvPr>
+        </p:nvSpPr>
         <p:spPr>
           <a:xfrm>
-            <a:off x="1054875" y="2390375"/>
-            <a:ext cx="9854325" cy="3119000"/>
+            <a:off x="885050" y="6169550"/>
+            <a:ext cx="9182700" cy="559500"/>
+          </a:xfrm>
+          <a:prstGeom prst="rect">
+            <a:avLst/>
+          </a:prstGeom>
+        </p:spPr>
+        <p:txBody>
+          <a:bodyPr anchorCtr="0" anchor="b" bIns="0" lIns="0" spcFirstLastPara="1" rIns="0" wrap="square" tIns="0">
+            <a:noAutofit/>
+          </a:bodyPr>
+          <a:lstStyle/>
+          <a:p>
+            <a:pPr indent="0" lvl="0" marL="0" rtl="0" algn="l">
+              <a:spcBef>
+                <a:spcPts val="0"/>
+              </a:spcBef>
+              <a:spcAft>
+                <a:spcPts val="0"/>
+              </a:spcAft>
+              <a:buNone/>
+            </a:pPr>
+            <a:r>
+              <a:t/>
+            </a:r>
+            <a:endParaRPr/>
+          </a:p>
+        </p:txBody>
+      </p:sp>
+      <p:sp>
+        <p:nvSpPr>
+          <p:cNvPr id="410" name="Google Shape;410;p41"/>
+          <p:cNvSpPr txBox="1"/>
+          <p:nvPr/>
+        </p:nvSpPr>
+        <p:spPr>
+          <a:xfrm>
+            <a:off x="885048" y="1497500"/>
+            <a:ext cx="2117100" cy="559500"/>
           </a:xfrm>
           <a:prstGeom prst="rect">
             <a:avLst/>
           </a:prstGeom>
           <a:noFill/>
-          <a:ln>
-            <a:noFill/>
+          <a:ln cap="flat" cmpd="sng" w="9525">
+            <a:solidFill>
+              <a:srgbClr val="999999"/>
+            </a:solidFill>
+            <a:prstDash val="solid"/>
+            <a:round/>
+            <a:headEnd len="sm" w="sm" type="none"/>
+            <a:tailEnd len="sm" w="sm" type="none"/>
           </a:ln>
         </p:spPr>
-      </p:pic>
+        <p:txBody>
+          <a:bodyPr anchorCtr="0" anchor="ctr" bIns="91425" lIns="91425" spcFirstLastPara="1" rIns="91425" wrap="square" tIns="91425">
+            <a:noAutofit/>
+          </a:bodyPr>
+          <a:lstStyle/>
+          <a:p>
+            <a:pPr indent="0" lvl="0" marL="0" rtl="0" algn="ctr">
+              <a:spcBef>
+                <a:spcPts val="0"/>
+              </a:spcBef>
+              <a:spcAft>
+                <a:spcPts val="0"/>
+              </a:spcAft>
+              <a:buNone/>
+            </a:pPr>
+            <a:r>
+              <a:rPr b="1" lang="en" sz="1800">
+                <a:solidFill>
+                  <a:srgbClr val="000000"/>
+                </a:solidFill>
+                <a:latin typeface="Overpass"/>
+                <a:ea typeface="Overpass"/>
+                <a:cs typeface="Overpass"/>
+                <a:sym typeface="Overpass"/>
+              </a:rPr>
+              <a:t>Trend </a:t>
+            </a:r>
+            <a:endParaRPr b="1" sz="1800">
+              <a:solidFill>
+                <a:srgbClr val="000000"/>
+              </a:solidFill>
+              <a:latin typeface="Overpass"/>
+              <a:ea typeface="Overpass"/>
+              <a:cs typeface="Overpass"/>
+              <a:sym typeface="Overpass"/>
+            </a:endParaRPr>
+          </a:p>
+        </p:txBody>
+      </p:sp>
       <p:sp>
         <p:nvSpPr>
-          <p:cNvPr id="426" name="Google Shape;426;p41"/>
+          <p:cNvPr id="411" name="Google Shape;411;p41"/>
           <p:cNvSpPr txBox="1"/>
           <p:nvPr/>
         </p:nvSpPr>
         <p:spPr>
           <a:xfrm>
-            <a:off x="1554375" y="5574125"/>
-            <a:ext cx="3000000" cy="490500"/>
+            <a:off x="885051" y="3717662"/>
+            <a:ext cx="2117100" cy="559500"/>
+          </a:xfrm>
+          <a:prstGeom prst="rect">
+            <a:avLst/>
+          </a:prstGeom>
+          <a:noFill/>
+          <a:ln cap="flat" cmpd="sng" w="9525">
+            <a:solidFill>
+              <a:srgbClr val="999999"/>
+            </a:solidFill>
+            <a:prstDash val="solid"/>
+            <a:round/>
+            <a:headEnd len="sm" w="sm" type="none"/>
+            <a:tailEnd len="sm" w="sm" type="none"/>
+          </a:ln>
+        </p:spPr>
+        <p:txBody>
+          <a:bodyPr anchorCtr="0" anchor="ctr" bIns="91425" lIns="91425" spcFirstLastPara="1" rIns="91425" wrap="square" tIns="91425">
+            <a:noAutofit/>
+          </a:bodyPr>
+          <a:lstStyle/>
+          <a:p>
+            <a:pPr indent="0" lvl="0" marL="0" rtl="0" algn="ctr">
+              <a:spcBef>
+                <a:spcPts val="0"/>
+              </a:spcBef>
+              <a:spcAft>
+                <a:spcPts val="0"/>
+              </a:spcAft>
+              <a:buNone/>
+            </a:pPr>
+            <a:r>
+              <a:rPr b="1" lang="en" sz="1800">
+                <a:solidFill>
+                  <a:srgbClr val="000000"/>
+                </a:solidFill>
+                <a:latin typeface="Overpass"/>
+                <a:ea typeface="Overpass"/>
+                <a:cs typeface="Overpass"/>
+                <a:sym typeface="Overpass"/>
+              </a:rPr>
+              <a:t>Seasonality</a:t>
+            </a:r>
+            <a:endParaRPr b="1" sz="1800">
+              <a:solidFill>
+                <a:srgbClr val="000000"/>
+              </a:solidFill>
+              <a:latin typeface="Overpass"/>
+              <a:ea typeface="Overpass"/>
+              <a:cs typeface="Overpass"/>
+              <a:sym typeface="Overpass"/>
+            </a:endParaRPr>
+          </a:p>
+        </p:txBody>
+      </p:sp>
+      <p:sp>
+        <p:nvSpPr>
+          <p:cNvPr id="412" name="Google Shape;412;p41"/>
+          <p:cNvSpPr txBox="1"/>
+          <p:nvPr/>
+        </p:nvSpPr>
+        <p:spPr>
+          <a:xfrm>
+            <a:off x="813675" y="2137319"/>
+            <a:ext cx="3000000" cy="1500000"/>
           </a:xfrm>
           <a:prstGeom prst="rect">
             <a:avLst/>
@@ -36739,9 +37318,6 @@
           <a:lstStyle/>
           <a:p>
             <a:pPr indent="0" lvl="0" marL="0" rtl="0" algn="l">
-              <a:lnSpc>
-                <a:spcPct val="142000"/>
-              </a:lnSpc>
               <a:spcBef>
                 <a:spcPts val="0"/>
               </a:spcBef>
@@ -36751,45 +37327,39 @@
               <a:buNone/>
             </a:pPr>
             <a:r>
-              <a:rPr lang="en" sz="1200">
-                <a:solidFill>
-                  <a:srgbClr val="24292E"/>
-                </a:solidFill>
-                <a:highlight>
-                  <a:srgbClr val="FFFFFF"/>
-                </a:highlight>
+              <a:rPr lang="en" sz="1800">
+                <a:solidFill>
+                  <a:schemeClr val="dk1"/>
+                </a:solidFill>
+                <a:latin typeface="Overpass"/>
+                <a:ea typeface="Overpass"/>
+                <a:cs typeface="Overpass"/>
+                <a:sym typeface="Overpass"/>
               </a:rPr>
-              <a:t>MLFlow: </a:t>
+              <a:t>Increase or decrease in the series over a period of time. </a:t>
             </a:r>
-            <a:r>
-              <a:rPr lang="en" sz="1200">
-                <a:solidFill>
-                  <a:srgbClr val="0366D6"/>
-                </a:solidFill>
-                <a:highlight>
-                  <a:srgbClr val="FFFFFF"/>
-                </a:highlight>
-                <a:uFill>
-                  <a:noFill/>
-                </a:uFill>
-                <a:hlinkClick r:id="rId4"/>
-              </a:rPr>
-              <a:t>https://mlflow.org/</a:t>
-            </a:r>
-            <a:endParaRPr/>
+            <a:endParaRPr sz="1800">
+              <a:solidFill>
+                <a:schemeClr val="dk1"/>
+              </a:solidFill>
+              <a:latin typeface="Overpass"/>
+              <a:ea typeface="Overpass"/>
+              <a:cs typeface="Overpass"/>
+              <a:sym typeface="Overpass"/>
+            </a:endParaRPr>
           </a:p>
         </p:txBody>
       </p:sp>
       <p:sp>
         <p:nvSpPr>
-          <p:cNvPr id="427" name="Google Shape;427;p41"/>
+          <p:cNvPr id="413" name="Google Shape;413;p41"/>
           <p:cNvSpPr txBox="1"/>
           <p:nvPr/>
         </p:nvSpPr>
         <p:spPr>
           <a:xfrm>
-            <a:off x="1054875" y="1441550"/>
-            <a:ext cx="9678300" cy="948900"/>
+            <a:off x="813675" y="4376725"/>
+            <a:ext cx="3000000" cy="3000000"/>
           </a:xfrm>
           <a:prstGeom prst="rect">
             <a:avLst/>
@@ -36805,63 +37375,253 @@
           </a:bodyPr>
           <a:lstStyle/>
           <a:p>
-            <a:pPr indent="-330200" lvl="0" marL="457200" rtl="0" algn="l">
-              <a:spcBef>
-                <a:spcPts val="0"/>
-              </a:spcBef>
-              <a:spcAft>
-                <a:spcPts val="0"/>
-              </a:spcAft>
-              <a:buClr>
-                <a:srgbClr val="24292E"/>
-              </a:buClr>
-              <a:buSzPts val="1600"/>
-              <a:buFont typeface="Overpass"/>
-              <a:buChar char="●"/>
+            <a:pPr indent="0" lvl="0" marL="0" rtl="0" algn="l">
+              <a:spcBef>
+                <a:spcPts val="0"/>
+              </a:spcBef>
+              <a:spcAft>
+                <a:spcPts val="0"/>
+              </a:spcAft>
+              <a:buNone/>
             </a:pPr>
             <a:r>
-              <a:rPr lang="en" sz="1600">
-                <a:solidFill>
-                  <a:srgbClr val="24292E"/>
-                </a:solidFill>
-                <a:highlight>
-                  <a:srgbClr val="FFFFFF"/>
-                </a:highlight>
+              <a:rPr lang="en" sz="1800">
+                <a:solidFill>
+                  <a:schemeClr val="dk1"/>
+                </a:solidFill>
                 <a:latin typeface="Overpass"/>
                 <a:ea typeface="Overpass"/>
                 <a:cs typeface="Overpass"/>
                 <a:sym typeface="Overpass"/>
               </a:rPr>
-              <a:t>For a given timeframe of a metric, with known anomalies, the PAD can also be run in </a:t>
+              <a:t>Regular pattern of up and down fluctuations. It is a short-term variation occurring due to seasonal factors.</a:t>
             </a:r>
+            <a:endParaRPr sz="1800"/>
+          </a:p>
+        </p:txBody>
+      </p:sp>
+      <p:pic>
+        <p:nvPicPr>
+          <p:cNvPr id="414" name="Google Shape;414;p41"/>
+          <p:cNvPicPr preferRelativeResize="0"/>
+          <p:nvPr/>
+        </p:nvPicPr>
+        <p:blipFill>
+          <a:blip r:embed="rId3">
+            <a:alphaModFix/>
+          </a:blip>
+          <a:stretch>
+            <a:fillRect/>
+          </a:stretch>
+        </p:blipFill>
+        <p:spPr>
+          <a:xfrm>
+            <a:off x="4634951" y="1065313"/>
+            <a:ext cx="6761426" cy="4945375"/>
+          </a:xfrm>
+          <a:prstGeom prst="rect">
+            <a:avLst/>
+          </a:prstGeom>
+          <a:noFill/>
+          <a:ln>
+            <a:noFill/>
+          </a:ln>
+        </p:spPr>
+      </p:pic>
+    </p:spTree>
+  </p:cSld>
+  <p:clrMapOvr>
+    <a:masterClrMapping/>
+  </p:clrMapOvr>
+  <mc:AlternateContent>
+    <mc:Choice Requires="p14">
+      <p:transition spd="slow" p14:dur="1000">
+        <p:push dir="r"/>
+      </p:transition>
+    </mc:Choice>
+    <mc:Fallback>
+      <p:transition spd="slow">
+        <p:fade/>
+      </p:transition>
+    </mc:Fallback>
+  </mc:AlternateContent>
+</p:sld>
+</file>
+
+<file path=ppt/slides/slide11.xml><?xml version="1.0" encoding="utf-8"?>
+<p:sld xmlns:a="http://schemas.openxmlformats.org/drawingml/2006/main" xmlns:r="http://schemas.openxmlformats.org/officeDocument/2006/relationships" xmlns:mc="http://schemas.openxmlformats.org/markup-compatibility/2006" xmlns:mv="urn:schemas-microsoft-com:mac:vml" xmlns:p="http://schemas.openxmlformats.org/presentationml/2006/main" xmlns:c="http://schemas.openxmlformats.org/drawingml/2006/chart" xmlns:dgm="http://schemas.openxmlformats.org/drawingml/2006/diagram" xmlns:o="urn:schemas-microsoft-com:office:office" xmlns:v="urn:schemas-microsoft-com:vml" xmlns:pvml="urn:schemas-microsoft-com:office:powerpoint" xmlns:com="http://schemas.openxmlformats.org/drawingml/2006/compatibility" xmlns:p14="http://schemas.microsoft.com/office/powerpoint/2010/main" xmlns:p15="http://schemas.microsoft.com/office/powerpoint/2012/main">
+  <p:cSld>
+    <p:spTree>
+      <p:nvGrpSpPr>
+        <p:cNvPr id="418" name="Shape 418"/>
+        <p:cNvGrpSpPr/>
+        <p:nvPr/>
+      </p:nvGrpSpPr>
+      <p:grpSpPr>
+        <a:xfrm>
+          <a:off x="0" y="0"/>
+          <a:ext cx="0" cy="0"/>
+          <a:chOff x="0" y="0"/>
+          <a:chExt cx="0" cy="0"/>
+        </a:xfrm>
+      </p:grpSpPr>
+      <p:sp>
+        <p:nvSpPr>
+          <p:cNvPr id="419" name="Google Shape;419;p42"/>
+          <p:cNvSpPr txBox="1"/>
+          <p:nvPr>
+            <p:ph idx="12" type="sldNum"/>
+          </p:nvPr>
+        </p:nvSpPr>
+        <p:spPr>
+          <a:xfrm>
+            <a:off x="81975" y="6169556"/>
+            <a:ext cx="731700" cy="143700"/>
+          </a:xfrm>
+          <a:prstGeom prst="rect">
+            <a:avLst/>
+          </a:prstGeom>
+        </p:spPr>
+        <p:txBody>
+          <a:bodyPr anchorCtr="0" anchor="b" bIns="0" lIns="0" spcFirstLastPara="1" rIns="0" wrap="square" tIns="0">
+            <a:noAutofit/>
+          </a:bodyPr>
+          <a:lstStyle/>
+          <a:p>
+            <a:pPr indent="0" lvl="0" marL="0" rtl="0" algn="ctr">
+              <a:spcBef>
+                <a:spcPts val="0"/>
+              </a:spcBef>
+              <a:spcAft>
+                <a:spcPts val="0"/>
+              </a:spcAft>
+              <a:buNone/>
+            </a:pPr>
+            <a:fld id="{00000000-1234-1234-1234-123412341234}" type="slidenum">
+              <a:rPr lang="en"/>
+              <a:t>‹#›</a:t>
+            </a:fld>
+            <a:endParaRPr/>
+          </a:p>
+        </p:txBody>
+      </p:sp>
+      <p:sp>
+        <p:nvSpPr>
+          <p:cNvPr id="420" name="Google Shape;420;p42"/>
+          <p:cNvSpPr txBox="1"/>
+          <p:nvPr>
+            <p:ph idx="2" type="subTitle"/>
+          </p:nvPr>
+        </p:nvSpPr>
+        <p:spPr>
+          <a:xfrm>
+            <a:off x="885050" y="6169550"/>
+            <a:ext cx="9182700" cy="559500"/>
+          </a:xfrm>
+          <a:prstGeom prst="rect">
+            <a:avLst/>
+          </a:prstGeom>
+        </p:spPr>
+        <p:txBody>
+          <a:bodyPr anchorCtr="0" anchor="b" bIns="0" lIns="0" spcFirstLastPara="1" rIns="0" wrap="square" tIns="0">
+            <a:noAutofit/>
+          </a:bodyPr>
+          <a:lstStyle/>
+          <a:p>
+            <a:pPr indent="0" lvl="0" marL="0" rtl="0" algn="l">
+              <a:spcBef>
+                <a:spcPts val="0"/>
+              </a:spcBef>
+              <a:spcAft>
+                <a:spcPts val="0"/>
+              </a:spcAft>
+              <a:buNone/>
+            </a:pPr>
             <a:r>
-              <a:rPr b="1" i="1" lang="en" sz="1600">
-                <a:solidFill>
-                  <a:srgbClr val="24292E"/>
+              <a:t/>
+            </a:r>
+            <a:endParaRPr/>
+          </a:p>
+        </p:txBody>
+      </p:sp>
+      <p:pic>
+        <p:nvPicPr>
+          <p:cNvPr id="421" name="Google Shape;421;p42"/>
+          <p:cNvPicPr preferRelativeResize="0"/>
+          <p:nvPr/>
+        </p:nvPicPr>
+        <p:blipFill>
+          <a:blip r:embed="rId3">
+            <a:alphaModFix/>
+          </a:blip>
+          <a:stretch>
+            <a:fillRect/>
+          </a:stretch>
+        </p:blipFill>
+        <p:spPr>
+          <a:xfrm>
+            <a:off x="1061000" y="981374"/>
+            <a:ext cx="10070001" cy="4895251"/>
+          </a:xfrm>
+          <a:prstGeom prst="rect">
+            <a:avLst/>
+          </a:prstGeom>
+          <a:noFill/>
+          <a:ln>
+            <a:noFill/>
+          </a:ln>
+        </p:spPr>
+      </p:pic>
+      <p:sp>
+        <p:nvSpPr>
+          <p:cNvPr id="422" name="Google Shape;422;p42"/>
+          <p:cNvSpPr txBox="1"/>
+          <p:nvPr/>
+        </p:nvSpPr>
+        <p:spPr>
+          <a:xfrm>
+            <a:off x="1061000" y="201700"/>
+            <a:ext cx="2445600" cy="693300"/>
+          </a:xfrm>
+          <a:prstGeom prst="rect">
+            <a:avLst/>
+          </a:prstGeom>
+          <a:noFill/>
+          <a:ln>
+            <a:noFill/>
+          </a:ln>
+        </p:spPr>
+        <p:txBody>
+          <a:bodyPr anchorCtr="0" anchor="t" bIns="91425" lIns="91425" spcFirstLastPara="1" rIns="91425" wrap="square" tIns="91425">
+            <a:noAutofit/>
+          </a:bodyPr>
+          <a:lstStyle/>
+          <a:p>
+            <a:pPr indent="0" lvl="0" marL="0" rtl="0" algn="l">
+              <a:spcBef>
+                <a:spcPts val="0"/>
+              </a:spcBef>
+              <a:spcAft>
+                <a:spcPts val="0"/>
+              </a:spcAft>
+              <a:buNone/>
+            </a:pPr>
+            <a:r>
+              <a:rPr b="1" lang="en" sz="2400">
+                <a:solidFill>
+                  <a:srgbClr val="CC0000"/>
                 </a:solidFill>
                 <a:latin typeface="Overpass"/>
                 <a:ea typeface="Overpass"/>
                 <a:cs typeface="Overpass"/>
                 <a:sym typeface="Overpass"/>
               </a:rPr>
-              <a:t>test-mode</a:t>
+              <a:t>Anomaly Types</a:t>
             </a:r>
-            <a:r>
-              <a:rPr lang="en" sz="1600">
-                <a:solidFill>
-                  <a:srgbClr val="24292E"/>
-                </a:solidFill>
-                <a:highlight>
-                  <a:srgbClr val="FFFFFF"/>
-                </a:highlight>
-                <a:latin typeface="Overpass"/>
-                <a:ea typeface="Overpass"/>
-                <a:cs typeface="Overpass"/>
-                <a:sym typeface="Overpass"/>
-              </a:rPr>
-              <a:t> to check whether the models reported back these anomalies. The accuracy and performance of the models can then be logged as metrics to MLFlow for comparing the results.</a:t>
-            </a:r>
-            <a:endParaRPr sz="1600">
+            <a:endParaRPr b="1" sz="2400">
+              <a:solidFill>
+                <a:srgbClr val="CC0000"/>
+              </a:solidFill>
               <a:latin typeface="Overpass"/>
               <a:ea typeface="Overpass"/>
               <a:cs typeface="Overpass"/>
@@ -36875,15 +37635,27 @@
   <p:clrMapOvr>
     <a:masterClrMapping/>
   </p:clrMapOvr>
+  <mc:AlternateContent>
+    <mc:Choice Requires="p14">
+      <p:transition spd="slow" p14:dur="1000">
+        <p:push dir="r"/>
+      </p:transition>
+    </mc:Choice>
+    <mc:Fallback>
+      <p:transition spd="slow">
+        <p:fade/>
+      </p:transition>
+    </mc:Fallback>
+  </mc:AlternateContent>
 </p:sld>
 </file>
 
-<file path=ppt/slides/slide11.xml><?xml version="1.0" encoding="utf-8"?>
+<file path=ppt/slides/slide12.xml><?xml version="1.0" encoding="utf-8"?>
 <p:sld xmlns:a="http://schemas.openxmlformats.org/drawingml/2006/main" xmlns:r="http://schemas.openxmlformats.org/officeDocument/2006/relationships" xmlns:mc="http://schemas.openxmlformats.org/markup-compatibility/2006" xmlns:mv="urn:schemas-microsoft-com:mac:vml" xmlns:p="http://schemas.openxmlformats.org/presentationml/2006/main" xmlns:c="http://schemas.openxmlformats.org/drawingml/2006/chart" xmlns:dgm="http://schemas.openxmlformats.org/drawingml/2006/diagram" xmlns:o="urn:schemas-microsoft-com:office:office" xmlns:v="urn:schemas-microsoft-com:vml" xmlns:pvml="urn:schemas-microsoft-com:office:powerpoint" xmlns:com="http://schemas.openxmlformats.org/drawingml/2006/compatibility" xmlns:p14="http://schemas.microsoft.com/office/powerpoint/2010/main" xmlns:p15="http://schemas.microsoft.com/office/powerpoint/2012/main">
   <p:cSld>
     <p:spTree>
       <p:nvGrpSpPr>
-        <p:cNvPr id="431" name="Shape 431"/>
+        <p:cNvPr id="426" name="Shape 426"/>
         <p:cNvGrpSpPr/>
         <p:nvPr/>
       </p:nvGrpSpPr>
@@ -36897,7 +37669,63 @@
       </p:grpSpPr>
       <p:sp>
         <p:nvSpPr>
-          <p:cNvPr id="432" name="Google Shape;432;p42"/>
+          <p:cNvPr id="427" name="Google Shape;427;p43"/>
+          <p:cNvSpPr txBox="1"/>
+          <p:nvPr>
+            <p:ph type="title"/>
+          </p:nvPr>
+        </p:nvSpPr>
+        <p:spPr>
+          <a:xfrm>
+            <a:off x="713000" y="1047025"/>
+            <a:ext cx="8686800" cy="967500"/>
+          </a:xfrm>
+          <a:prstGeom prst="rect">
+            <a:avLst/>
+          </a:prstGeom>
+        </p:spPr>
+        <p:txBody>
+          <a:bodyPr anchorCtr="0" anchor="t" bIns="0" lIns="0" spcFirstLastPara="1" rIns="0" wrap="square" tIns="0">
+            <a:noAutofit/>
+          </a:bodyPr>
+          <a:lstStyle/>
+          <a:p>
+            <a:pPr indent="0" lvl="0" marL="0" rtl="0" algn="l">
+              <a:spcBef>
+                <a:spcPts val="0"/>
+              </a:spcBef>
+              <a:spcAft>
+                <a:spcPts val="0"/>
+              </a:spcAft>
+              <a:buNone/>
+            </a:pPr>
+            <a:r>
+              <a:rPr b="1" lang="en" sz="3000">
+                <a:solidFill>
+                  <a:srgbClr val="CC0000"/>
+                </a:solidFill>
+                <a:latin typeface="Overpass"/>
+                <a:ea typeface="Overpass"/>
+                <a:cs typeface="Overpass"/>
+                <a:sym typeface="Overpass"/>
+              </a:rPr>
+              <a:t>Toolkit</a:t>
+            </a:r>
+            <a:endParaRPr b="1" sz="3000">
+              <a:solidFill>
+                <a:srgbClr val="CC0000"/>
+              </a:solidFill>
+              <a:latin typeface="Overpass"/>
+              <a:ea typeface="Overpass"/>
+              <a:cs typeface="Overpass"/>
+              <a:sym typeface="Overpass"/>
+            </a:endParaRPr>
+          </a:p>
+        </p:txBody>
+      </p:sp>
+      <p:sp>
+        <p:nvSpPr>
+          <p:cNvPr id="428" name="Google Shape;428;p43"/>
           <p:cNvSpPr txBox="1"/>
           <p:nvPr>
             <p:ph idx="1" type="subTitle"/>
@@ -36928,8 +37756,7 @@
               <a:buNone/>
             </a:pPr>
             <a:r>
-              <a:rPr lang="en"/>
-              <a:t>AI Ops</a:t>
+              <a:t/>
             </a:r>
             <a:endParaRPr/>
           </a:p>
@@ -36937,7 +37764,7 @@
       </p:sp>
       <p:sp>
         <p:nvSpPr>
-          <p:cNvPr id="433" name="Google Shape;433;p42"/>
+          <p:cNvPr id="429" name="Google Shape;429;p43"/>
           <p:cNvSpPr txBox="1"/>
           <p:nvPr>
             <p:ph idx="12" type="sldNum"/>
@@ -36975,9 +37802,48 @@
           </a:p>
         </p:txBody>
       </p:sp>
+      <p:sp>
+        <p:nvSpPr>
+          <p:cNvPr id="430" name="Google Shape;430;p43"/>
+          <p:cNvSpPr txBox="1"/>
+          <p:nvPr>
+            <p:ph idx="2" type="subTitle"/>
+          </p:nvPr>
+        </p:nvSpPr>
+        <p:spPr>
+          <a:xfrm>
+            <a:off x="885050" y="6169550"/>
+            <a:ext cx="9182700" cy="559500"/>
+          </a:xfrm>
+          <a:prstGeom prst="rect">
+            <a:avLst/>
+          </a:prstGeom>
+        </p:spPr>
+        <p:txBody>
+          <a:bodyPr anchorCtr="0" anchor="b" bIns="0" lIns="0" spcFirstLastPara="1" rIns="0" wrap="square" tIns="0">
+            <a:noAutofit/>
+          </a:bodyPr>
+          <a:lstStyle/>
+          <a:p>
+            <a:pPr indent="0" lvl="0" marL="0" rtl="0" algn="l">
+              <a:spcBef>
+                <a:spcPts val="0"/>
+              </a:spcBef>
+              <a:spcAft>
+                <a:spcPts val="0"/>
+              </a:spcAft>
+              <a:buNone/>
+            </a:pPr>
+            <a:r>
+              <a:t/>
+            </a:r>
+            <a:endParaRPr/>
+          </a:p>
+        </p:txBody>
+      </p:sp>
       <p:pic>
         <p:nvPicPr>
-          <p:cNvPr id="434" name="Google Shape;434;p42"/>
+          <p:cNvPr id="431" name="Google Shape;431;p43"/>
           <p:cNvPicPr preferRelativeResize="0"/>
           <p:nvPr/>
         </p:nvPicPr>
@@ -36991,8 +37857,345 @@
         </p:blipFill>
         <p:spPr>
           <a:xfrm>
-            <a:off x="1336025" y="932491"/>
-            <a:ext cx="9519950" cy="4993016"/>
+            <a:off x="5152075" y="1087650"/>
+            <a:ext cx="1854725" cy="1837876"/>
+          </a:xfrm>
+          <a:prstGeom prst="rect">
+            <a:avLst/>
+          </a:prstGeom>
+          <a:noFill/>
+          <a:ln>
+            <a:noFill/>
+          </a:ln>
+        </p:spPr>
+      </p:pic>
+      <p:pic>
+        <p:nvPicPr>
+          <p:cNvPr id="432" name="Google Shape;432;p43"/>
+          <p:cNvPicPr preferRelativeResize="0"/>
+          <p:nvPr/>
+        </p:nvPicPr>
+        <p:blipFill>
+          <a:blip r:embed="rId4">
+            <a:alphaModFix/>
+          </a:blip>
+          <a:stretch>
+            <a:fillRect/>
+          </a:stretch>
+        </p:blipFill>
+        <p:spPr>
+          <a:xfrm>
+            <a:off x="8377229" y="2781212"/>
+            <a:ext cx="1854720" cy="2149912"/>
+          </a:xfrm>
+          <a:prstGeom prst="rect">
+            <a:avLst/>
+          </a:prstGeom>
+          <a:noFill/>
+          <a:ln>
+            <a:noFill/>
+          </a:ln>
+        </p:spPr>
+      </p:pic>
+      <p:pic>
+        <p:nvPicPr>
+          <p:cNvPr id="433" name="Google Shape;433;p43"/>
+          <p:cNvPicPr preferRelativeResize="0"/>
+          <p:nvPr/>
+        </p:nvPicPr>
+        <p:blipFill>
+          <a:blip r:embed="rId5">
+            <a:alphaModFix/>
+          </a:blip>
+          <a:stretch>
+            <a:fillRect/>
+          </a:stretch>
+        </p:blipFill>
+        <p:spPr>
+          <a:xfrm>
+            <a:off x="1964950" y="2775075"/>
+            <a:ext cx="2114550" cy="2162175"/>
+          </a:xfrm>
+          <a:prstGeom prst="rect">
+            <a:avLst/>
+          </a:prstGeom>
+          <a:noFill/>
+          <a:ln>
+            <a:noFill/>
+          </a:ln>
+        </p:spPr>
+      </p:pic>
+      <p:pic>
+        <p:nvPicPr>
+          <p:cNvPr id="434" name="Google Shape;434;p43"/>
+          <p:cNvPicPr preferRelativeResize="0"/>
+          <p:nvPr/>
+        </p:nvPicPr>
+        <p:blipFill>
+          <a:blip r:embed="rId6">
+            <a:alphaModFix/>
+          </a:blip>
+          <a:stretch>
+            <a:fillRect/>
+          </a:stretch>
+        </p:blipFill>
+        <p:spPr>
+          <a:xfrm>
+            <a:off x="5022163" y="3653874"/>
+            <a:ext cx="2114550" cy="2259035"/>
+          </a:xfrm>
+          <a:prstGeom prst="rect">
+            <a:avLst/>
+          </a:prstGeom>
+          <a:noFill/>
+          <a:ln>
+            <a:noFill/>
+          </a:ln>
+        </p:spPr>
+      </p:pic>
+      <p:sp>
+        <p:nvSpPr>
+          <p:cNvPr id="435" name="Google Shape;435;p43"/>
+          <p:cNvSpPr txBox="1"/>
+          <p:nvPr/>
+        </p:nvSpPr>
+        <p:spPr>
+          <a:xfrm>
+            <a:off x="6849325" y="1139275"/>
+            <a:ext cx="1527900" cy="403500"/>
+          </a:xfrm>
+          <a:prstGeom prst="rect">
+            <a:avLst/>
+          </a:prstGeom>
+          <a:noFill/>
+          <a:ln>
+            <a:noFill/>
+          </a:ln>
+        </p:spPr>
+        <p:txBody>
+          <a:bodyPr anchorCtr="0" anchor="t" bIns="91425" lIns="91425" spcFirstLastPara="1" rIns="91425" wrap="square" tIns="91425">
+            <a:noAutofit/>
+          </a:bodyPr>
+          <a:lstStyle/>
+          <a:p>
+            <a:pPr indent="0" lvl="0" marL="0" rtl="0" algn="l">
+              <a:spcBef>
+                <a:spcPts val="0"/>
+              </a:spcBef>
+              <a:spcAft>
+                <a:spcPts val="0"/>
+              </a:spcAft>
+              <a:buNone/>
+            </a:pPr>
+            <a:r>
+              <a:rPr lang="en" sz="1800">
+                <a:latin typeface="Overpass Light"/>
+                <a:ea typeface="Overpass Light"/>
+                <a:cs typeface="Overpass Light"/>
+                <a:sym typeface="Overpass Light"/>
+              </a:rPr>
+              <a:t>Prometheus</a:t>
+            </a:r>
+            <a:endParaRPr sz="1800">
+              <a:latin typeface="Overpass Light"/>
+              <a:ea typeface="Overpass Light"/>
+              <a:cs typeface="Overpass Light"/>
+              <a:sym typeface="Overpass Light"/>
+            </a:endParaRPr>
+          </a:p>
+        </p:txBody>
+      </p:sp>
+    </p:spTree>
+  </p:cSld>
+  <p:clrMapOvr>
+    <a:masterClrMapping/>
+  </p:clrMapOvr>
+  <mc:AlternateContent>
+    <mc:Choice Requires="p14">
+      <p:transition spd="slow" p14:dur="1000">
+        <p:push/>
+      </p:transition>
+    </mc:Choice>
+    <mc:Fallback>
+      <p:transition spd="slow">
+        <p:fade/>
+      </p:transition>
+    </mc:Fallback>
+  </mc:AlternateContent>
+</p:sld>
+</file>
+
+<file path=ppt/slides/slide13.xml><?xml version="1.0" encoding="utf-8"?>
+<p:sld xmlns:a="http://schemas.openxmlformats.org/drawingml/2006/main" xmlns:r="http://schemas.openxmlformats.org/officeDocument/2006/relationships" xmlns:mc="http://schemas.openxmlformats.org/markup-compatibility/2006" xmlns:mv="urn:schemas-microsoft-com:mac:vml" xmlns:p="http://schemas.openxmlformats.org/presentationml/2006/main" xmlns:c="http://schemas.openxmlformats.org/drawingml/2006/chart" xmlns:dgm="http://schemas.openxmlformats.org/drawingml/2006/diagram" xmlns:o="urn:schemas-microsoft-com:office:office" xmlns:v="urn:schemas-microsoft-com:vml" xmlns:pvml="urn:schemas-microsoft-com:office:powerpoint" xmlns:com="http://schemas.openxmlformats.org/drawingml/2006/compatibility" xmlns:p14="http://schemas.microsoft.com/office/powerpoint/2010/main" xmlns:p15="http://schemas.microsoft.com/office/powerpoint/2012/main">
+  <p:cSld>
+    <p:spTree>
+      <p:nvGrpSpPr>
+        <p:cNvPr id="439" name="Shape 439"/>
+        <p:cNvGrpSpPr/>
+        <p:nvPr/>
+      </p:nvGrpSpPr>
+      <p:grpSpPr>
+        <a:xfrm>
+          <a:off x="0" y="0"/>
+          <a:ext cx="0" cy="0"/>
+          <a:chOff x="0" y="0"/>
+          <a:chExt cx="0" cy="0"/>
+        </a:xfrm>
+      </p:grpSpPr>
+      <p:sp>
+        <p:nvSpPr>
+          <p:cNvPr id="440" name="Google Shape;440;p44"/>
+          <p:cNvSpPr txBox="1"/>
+          <p:nvPr>
+            <p:ph type="title"/>
+          </p:nvPr>
+        </p:nvSpPr>
+        <p:spPr>
+          <a:xfrm>
+            <a:off x="722200" y="680400"/>
+            <a:ext cx="8686800" cy="967500"/>
+          </a:xfrm>
+          <a:prstGeom prst="rect">
+            <a:avLst/>
+          </a:prstGeom>
+        </p:spPr>
+        <p:txBody>
+          <a:bodyPr anchorCtr="0" anchor="t" bIns="0" lIns="0" spcFirstLastPara="1" rIns="0" wrap="square" tIns="0">
+            <a:noAutofit/>
+          </a:bodyPr>
+          <a:lstStyle/>
+          <a:p>
+            <a:pPr indent="0" lvl="0" marL="0" rtl="0" algn="l">
+              <a:spcBef>
+                <a:spcPts val="0"/>
+              </a:spcBef>
+              <a:spcAft>
+                <a:spcPts val="0"/>
+              </a:spcAft>
+              <a:buNone/>
+            </a:pPr>
+            <a:r>
+              <a:rPr b="1" lang="en">
+                <a:solidFill>
+                  <a:srgbClr val="CC0000"/>
+                </a:solidFill>
+                <a:latin typeface="Overpass"/>
+                <a:ea typeface="Overpass"/>
+                <a:cs typeface="Overpass"/>
+                <a:sym typeface="Overpass"/>
+              </a:rPr>
+              <a:t>Implementation setup so far</a:t>
+            </a:r>
+            <a:endParaRPr b="1">
+              <a:solidFill>
+                <a:srgbClr val="CC0000"/>
+              </a:solidFill>
+              <a:latin typeface="Overpass"/>
+              <a:ea typeface="Overpass"/>
+              <a:cs typeface="Overpass"/>
+              <a:sym typeface="Overpass"/>
+            </a:endParaRPr>
+          </a:p>
+        </p:txBody>
+      </p:sp>
+      <p:sp>
+        <p:nvSpPr>
+          <p:cNvPr id="441" name="Google Shape;441;p44"/>
+          <p:cNvSpPr txBox="1"/>
+          <p:nvPr>
+            <p:ph idx="1" type="subTitle"/>
+          </p:nvPr>
+        </p:nvSpPr>
+        <p:spPr>
+          <a:xfrm>
+            <a:off x="427075" y="84141"/>
+            <a:ext cx="5148900" cy="816300"/>
+          </a:xfrm>
+          <a:prstGeom prst="rect">
+            <a:avLst/>
+          </a:prstGeom>
+        </p:spPr>
+        <p:txBody>
+          <a:bodyPr anchorCtr="0" anchor="ctr" bIns="91425" lIns="438900" spcFirstLastPara="1" rIns="91425" wrap="square" tIns="91425">
+            <a:noAutofit/>
+          </a:bodyPr>
+          <a:lstStyle/>
+          <a:p>
+            <a:pPr indent="0" lvl="0" marL="0" rtl="0" algn="l">
+              <a:spcBef>
+                <a:spcPts val="0"/>
+              </a:spcBef>
+              <a:spcAft>
+                <a:spcPts val="0"/>
+              </a:spcAft>
+              <a:buNone/>
+            </a:pPr>
+            <a:r>
+              <a:rPr lang="en"/>
+              <a:t>AI Ops</a:t>
+            </a:r>
+            <a:endParaRPr/>
+          </a:p>
+        </p:txBody>
+      </p:sp>
+      <p:sp>
+        <p:nvSpPr>
+          <p:cNvPr id="442" name="Google Shape;442;p44"/>
+          <p:cNvSpPr txBox="1"/>
+          <p:nvPr>
+            <p:ph idx="12" type="sldNum"/>
+          </p:nvPr>
+        </p:nvSpPr>
+        <p:spPr>
+          <a:xfrm>
+            <a:off x="81975" y="6169556"/>
+            <a:ext cx="731700" cy="143700"/>
+          </a:xfrm>
+          <a:prstGeom prst="rect">
+            <a:avLst/>
+          </a:prstGeom>
+        </p:spPr>
+        <p:txBody>
+          <a:bodyPr anchorCtr="0" anchor="b" bIns="0" lIns="0" spcFirstLastPara="1" rIns="0" wrap="square" tIns="0">
+            <a:noAutofit/>
+          </a:bodyPr>
+          <a:lstStyle/>
+          <a:p>
+            <a:pPr indent="0" lvl="0" marL="0" rtl="0" algn="ctr">
+              <a:spcBef>
+                <a:spcPts val="0"/>
+              </a:spcBef>
+              <a:spcAft>
+                <a:spcPts val="0"/>
+              </a:spcAft>
+              <a:buNone/>
+            </a:pPr>
+            <a:fld id="{00000000-1234-1234-1234-123412341234}" type="slidenum">
+              <a:rPr lang="en"/>
+              <a:t>‹#›</a:t>
+            </a:fld>
+            <a:endParaRPr/>
+          </a:p>
+        </p:txBody>
+      </p:sp>
+      <p:pic>
+        <p:nvPicPr>
+          <p:cNvPr id="443" name="Google Shape;443;p44"/>
+          <p:cNvPicPr preferRelativeResize="0"/>
+          <p:nvPr/>
+        </p:nvPicPr>
+        <p:blipFill>
+          <a:blip r:embed="rId3">
+            <a:alphaModFix/>
+          </a:blip>
+          <a:stretch>
+            <a:fillRect/>
+          </a:stretch>
+        </p:blipFill>
+        <p:spPr>
+          <a:xfrm>
+            <a:off x="2083050" y="1122275"/>
+            <a:ext cx="7677101" cy="5401099"/>
           </a:xfrm>
           <a:prstGeom prst="rect">
             <a:avLst/>
@@ -37008,15 +38211,27 @@
   <p:clrMapOvr>
     <a:masterClrMapping/>
   </p:clrMapOvr>
+  <mc:AlternateContent>
+    <mc:Choice Requires="p14">
+      <p:transition spd="slow" p14:dur="1000">
+        <p:fade/>
+      </p:transition>
+    </mc:Choice>
+    <mc:Fallback>
+      <p:transition spd="slow">
+        <p:fade/>
+      </p:transition>
+    </mc:Fallback>
+  </mc:AlternateContent>
 </p:sld>
 </file>
 
-<file path=ppt/slides/slide12.xml><?xml version="1.0" encoding="utf-8"?>
+<file path=ppt/slides/slide14.xml><?xml version="1.0" encoding="utf-8"?>
 <p:sld xmlns:a="http://schemas.openxmlformats.org/drawingml/2006/main" xmlns:r="http://schemas.openxmlformats.org/officeDocument/2006/relationships" xmlns:mc="http://schemas.openxmlformats.org/markup-compatibility/2006" xmlns:mv="urn:schemas-microsoft-com:mac:vml" xmlns:p="http://schemas.openxmlformats.org/presentationml/2006/main" xmlns:c="http://schemas.openxmlformats.org/drawingml/2006/chart" xmlns:dgm="http://schemas.openxmlformats.org/drawingml/2006/diagram" xmlns:o="urn:schemas-microsoft-com:office:office" xmlns:v="urn:schemas-microsoft-com:vml" xmlns:pvml="urn:schemas-microsoft-com:office:powerpoint" xmlns:com="http://schemas.openxmlformats.org/drawingml/2006/compatibility" xmlns:p14="http://schemas.microsoft.com/office/powerpoint/2010/main" xmlns:p15="http://schemas.microsoft.com/office/powerpoint/2012/main">
   <p:cSld>
     <p:spTree>
       <p:nvGrpSpPr>
-        <p:cNvPr id="438" name="Shape 438"/>
+        <p:cNvPr id="447" name="Shape 447"/>
         <p:cNvGrpSpPr/>
         <p:nvPr/>
       </p:nvGrpSpPr>
@@ -37030,7 +38245,911 @@
       </p:grpSpPr>
       <p:sp>
         <p:nvSpPr>
-          <p:cNvPr id="439" name="Google Shape;439;p43"/>
+          <p:cNvPr id="448" name="Google Shape;448;p45"/>
+          <p:cNvSpPr txBox="1"/>
+          <p:nvPr>
+            <p:ph idx="1" type="subTitle"/>
+          </p:nvPr>
+        </p:nvSpPr>
+        <p:spPr>
+          <a:xfrm>
+            <a:off x="407550" y="-9"/>
+            <a:ext cx="5148900" cy="816300"/>
+          </a:xfrm>
+          <a:prstGeom prst="rect">
+            <a:avLst/>
+          </a:prstGeom>
+        </p:spPr>
+        <p:txBody>
+          <a:bodyPr anchorCtr="0" anchor="ctr" bIns="91425" lIns="438900" spcFirstLastPara="1" rIns="91425" wrap="square" tIns="91425">
+            <a:noAutofit/>
+          </a:bodyPr>
+          <a:lstStyle/>
+          <a:p>
+            <a:pPr indent="0" lvl="0" marL="0" rtl="0" algn="l">
+              <a:spcBef>
+                <a:spcPts val="0"/>
+              </a:spcBef>
+              <a:spcAft>
+                <a:spcPts val="0"/>
+              </a:spcAft>
+              <a:buNone/>
+            </a:pPr>
+            <a:r>
+              <a:rPr lang="en"/>
+              <a:t>AI Ops</a:t>
+            </a:r>
+            <a:endParaRPr/>
+          </a:p>
+        </p:txBody>
+      </p:sp>
+      <p:sp>
+        <p:nvSpPr>
+          <p:cNvPr id="449" name="Google Shape;449;p45"/>
+          <p:cNvSpPr txBox="1"/>
+          <p:nvPr>
+            <p:ph idx="12" type="sldNum"/>
+          </p:nvPr>
+        </p:nvSpPr>
+        <p:spPr>
+          <a:xfrm>
+            <a:off x="81975" y="6169556"/>
+            <a:ext cx="731700" cy="143700"/>
+          </a:xfrm>
+          <a:prstGeom prst="rect">
+            <a:avLst/>
+          </a:prstGeom>
+        </p:spPr>
+        <p:txBody>
+          <a:bodyPr anchorCtr="0" anchor="b" bIns="0" lIns="0" spcFirstLastPara="1" rIns="0" wrap="square" tIns="0">
+            <a:noAutofit/>
+          </a:bodyPr>
+          <a:lstStyle/>
+          <a:p>
+            <a:pPr indent="0" lvl="0" marL="0" rtl="0" algn="ctr">
+              <a:spcBef>
+                <a:spcPts val="0"/>
+              </a:spcBef>
+              <a:spcAft>
+                <a:spcPts val="0"/>
+              </a:spcAft>
+              <a:buNone/>
+            </a:pPr>
+            <a:fld id="{00000000-1234-1234-1234-123412341234}" type="slidenum">
+              <a:rPr lang="en"/>
+              <a:t>‹#›</a:t>
+            </a:fld>
+            <a:endParaRPr/>
+          </a:p>
+        </p:txBody>
+      </p:sp>
+      <p:pic>
+        <p:nvPicPr>
+          <p:cNvPr id="450" name="Google Shape;450;p45"/>
+          <p:cNvPicPr preferRelativeResize="0"/>
+          <p:nvPr/>
+        </p:nvPicPr>
+        <p:blipFill>
+          <a:blip r:embed="rId3">
+            <a:alphaModFix/>
+          </a:blip>
+          <a:stretch>
+            <a:fillRect/>
+          </a:stretch>
+        </p:blipFill>
+        <p:spPr>
+          <a:xfrm>
+            <a:off x="1342525" y="1137175"/>
+            <a:ext cx="9117200" cy="4843324"/>
+          </a:xfrm>
+          <a:prstGeom prst="rect">
+            <a:avLst/>
+          </a:prstGeom>
+          <a:noFill/>
+          <a:ln>
+            <a:noFill/>
+          </a:ln>
+        </p:spPr>
+      </p:pic>
+      <p:cxnSp>
+        <p:nvCxnSpPr>
+          <p:cNvPr id="451" name="Google Shape;451;p45"/>
+          <p:cNvCxnSpPr/>
+          <p:nvPr/>
+        </p:nvCxnSpPr>
+        <p:spPr>
+          <a:xfrm>
+            <a:off x="4293425" y="1792900"/>
+            <a:ext cx="787800" cy="0"/>
+          </a:xfrm>
+          <a:prstGeom prst="straightConnector1">
+            <a:avLst/>
+          </a:prstGeom>
+          <a:noFill/>
+          <a:ln cap="flat" cmpd="sng" w="9525">
+            <a:solidFill>
+              <a:srgbClr val="FFFFFF"/>
+            </a:solidFill>
+            <a:prstDash val="solid"/>
+            <a:round/>
+            <a:headEnd len="med" w="med" type="none"/>
+            <a:tailEnd len="med" w="med" type="triangle"/>
+          </a:ln>
+        </p:spPr>
+      </p:cxnSp>
+      <p:sp>
+        <p:nvSpPr>
+          <p:cNvPr id="452" name="Google Shape;452;p45"/>
+          <p:cNvSpPr/>
+          <p:nvPr/>
+        </p:nvSpPr>
+        <p:spPr>
+          <a:xfrm>
+            <a:off x="5312525" y="2757675"/>
+            <a:ext cx="387738" cy="671342"/>
+          </a:xfrm>
+          <a:custGeom>
+            <a:rect b="b" l="l" r="r" t="t"/>
+            <a:pathLst>
+              <a:path extrusionOk="0" h="23798" w="15115">
+                <a:moveTo>
+                  <a:pt x="322" y="23798"/>
+                </a:moveTo>
+                <a:lnTo>
+                  <a:pt x="0" y="0"/>
+                </a:lnTo>
+                <a:lnTo>
+                  <a:pt x="15115" y="321"/>
+                </a:lnTo>
+              </a:path>
+            </a:pathLst>
+          </a:custGeom>
+          <a:noFill/>
+          <a:ln cap="flat" cmpd="sng" w="9525">
+            <a:solidFill>
+              <a:srgbClr val="FFFFFF"/>
+            </a:solidFill>
+            <a:prstDash val="solid"/>
+            <a:round/>
+            <a:headEnd len="med" w="med" type="none"/>
+            <a:tailEnd len="med" w="med" type="stealth"/>
+          </a:ln>
+        </p:spPr>
+      </p:sp>
+      <p:sp>
+        <p:nvSpPr>
+          <p:cNvPr id="453" name="Google Shape;453;p45"/>
+          <p:cNvSpPr/>
+          <p:nvPr/>
+        </p:nvSpPr>
+        <p:spPr>
+          <a:xfrm>
+            <a:off x="5443050" y="5125500"/>
+            <a:ext cx="450225" cy="450225"/>
+          </a:xfrm>
+          <a:custGeom>
+            <a:rect b="b" l="l" r="r" t="t"/>
+            <a:pathLst>
+              <a:path extrusionOk="0" h="18009" w="18009">
+                <a:moveTo>
+                  <a:pt x="321" y="0"/>
+                </a:moveTo>
+                <a:lnTo>
+                  <a:pt x="0" y="18009"/>
+                </a:lnTo>
+                <a:lnTo>
+                  <a:pt x="18009" y="18009"/>
+                </a:lnTo>
+              </a:path>
+            </a:pathLst>
+          </a:custGeom>
+          <a:noFill/>
+          <a:ln cap="flat" cmpd="sng" w="9525">
+            <a:solidFill>
+              <a:srgbClr val="FFFFFF"/>
+            </a:solidFill>
+            <a:prstDash val="solid"/>
+            <a:round/>
+            <a:headEnd len="med" w="med" type="none"/>
+            <a:tailEnd len="med" w="med" type="stealth"/>
+          </a:ln>
+        </p:spPr>
+      </p:sp>
+      <p:cxnSp>
+        <p:nvCxnSpPr>
+          <p:cNvPr id="454" name="Google Shape;454;p45"/>
+          <p:cNvCxnSpPr/>
+          <p:nvPr/>
+        </p:nvCxnSpPr>
+        <p:spPr>
+          <a:xfrm flipH="1">
+            <a:off x="3650025" y="3429000"/>
+            <a:ext cx="8100" cy="1370700"/>
+          </a:xfrm>
+          <a:prstGeom prst="straightConnector1">
+            <a:avLst/>
+          </a:prstGeom>
+          <a:noFill/>
+          <a:ln cap="flat" cmpd="sng" w="9525">
+            <a:solidFill>
+              <a:srgbClr val="FFFFFF"/>
+            </a:solidFill>
+            <a:prstDash val="solid"/>
+            <a:round/>
+            <a:headEnd len="med" w="med" type="none"/>
+            <a:tailEnd len="med" w="med" type="triangle"/>
+          </a:ln>
+        </p:spPr>
+      </p:cxnSp>
+      <p:cxnSp>
+        <p:nvCxnSpPr>
+          <p:cNvPr id="455" name="Google Shape;455;p45"/>
+          <p:cNvCxnSpPr/>
+          <p:nvPr/>
+        </p:nvCxnSpPr>
+        <p:spPr>
+          <a:xfrm flipH="1" rot="10800000">
+            <a:off x="4116400" y="2355675"/>
+            <a:ext cx="932700" cy="643200"/>
+          </a:xfrm>
+          <a:prstGeom prst="straightConnector1">
+            <a:avLst/>
+          </a:prstGeom>
+          <a:noFill/>
+          <a:ln cap="flat" cmpd="sng" w="9525">
+            <a:solidFill>
+              <a:srgbClr val="FFFFFF"/>
+            </a:solidFill>
+            <a:prstDash val="solid"/>
+            <a:round/>
+            <a:headEnd len="med" w="med" type="none"/>
+            <a:tailEnd len="med" w="med" type="triangle"/>
+          </a:ln>
+        </p:spPr>
+      </p:cxnSp>
+      <p:sp>
+        <p:nvSpPr>
+          <p:cNvPr id="456" name="Google Shape;456;p45"/>
+          <p:cNvSpPr txBox="1"/>
+          <p:nvPr/>
+        </p:nvSpPr>
+        <p:spPr>
+          <a:xfrm>
+            <a:off x="5081225" y="1591938"/>
+            <a:ext cx="1503300" cy="329700"/>
+          </a:xfrm>
+          <a:prstGeom prst="rect">
+            <a:avLst/>
+          </a:prstGeom>
+          <a:noFill/>
+          <a:ln>
+            <a:noFill/>
+          </a:ln>
+        </p:spPr>
+        <p:txBody>
+          <a:bodyPr anchorCtr="0" anchor="t" bIns="91425" lIns="91425" spcFirstLastPara="1" rIns="91425" wrap="square" tIns="91425">
+            <a:noAutofit/>
+          </a:bodyPr>
+          <a:lstStyle/>
+          <a:p>
+            <a:pPr indent="0" lvl="0" marL="0" rtl="0" algn="l">
+              <a:spcBef>
+                <a:spcPts val="0"/>
+              </a:spcBef>
+              <a:spcAft>
+                <a:spcPts val="0"/>
+              </a:spcAft>
+              <a:buNone/>
+            </a:pPr>
+            <a:r>
+              <a:rPr lang="en">
+                <a:solidFill>
+                  <a:srgbClr val="FFFFFF"/>
+                </a:solidFill>
+                <a:latin typeface="Overpass Light"/>
+                <a:ea typeface="Overpass Light"/>
+                <a:cs typeface="Overpass Light"/>
+                <a:sym typeface="Overpass Light"/>
+              </a:rPr>
+              <a:t>Anomaly</a:t>
+            </a:r>
+            <a:endParaRPr>
+              <a:solidFill>
+                <a:srgbClr val="FFFFFF"/>
+              </a:solidFill>
+              <a:latin typeface="Overpass Light"/>
+              <a:ea typeface="Overpass Light"/>
+              <a:cs typeface="Overpass Light"/>
+              <a:sym typeface="Overpass Light"/>
+            </a:endParaRPr>
+          </a:p>
+        </p:txBody>
+      </p:sp>
+      <p:sp>
+        <p:nvSpPr>
+          <p:cNvPr id="457" name="Google Shape;457;p45"/>
+          <p:cNvSpPr txBox="1"/>
+          <p:nvPr/>
+        </p:nvSpPr>
+        <p:spPr>
+          <a:xfrm>
+            <a:off x="5081225" y="2086275"/>
+            <a:ext cx="1833000" cy="378000"/>
+          </a:xfrm>
+          <a:prstGeom prst="rect">
+            <a:avLst/>
+          </a:prstGeom>
+          <a:noFill/>
+          <a:ln>
+            <a:noFill/>
+          </a:ln>
+        </p:spPr>
+        <p:txBody>
+          <a:bodyPr anchorCtr="0" anchor="t" bIns="91425" lIns="91425" spcFirstLastPara="1" rIns="91425" wrap="square" tIns="91425">
+            <a:noAutofit/>
+          </a:bodyPr>
+          <a:lstStyle/>
+          <a:p>
+            <a:pPr indent="0" lvl="0" marL="0" rtl="0" algn="l">
+              <a:spcBef>
+                <a:spcPts val="0"/>
+              </a:spcBef>
+              <a:spcAft>
+                <a:spcPts val="0"/>
+              </a:spcAft>
+              <a:buNone/>
+            </a:pPr>
+            <a:r>
+              <a:rPr lang="en">
+                <a:solidFill>
+                  <a:srgbClr val="FFFFFF"/>
+                </a:solidFill>
+                <a:latin typeface="Overpass Light"/>
+                <a:ea typeface="Overpass Light"/>
+                <a:cs typeface="Overpass Light"/>
+                <a:sym typeface="Overpass Light"/>
+              </a:rPr>
+              <a:t>Predicted value</a:t>
+            </a:r>
+            <a:endParaRPr>
+              <a:solidFill>
+                <a:srgbClr val="FFFFFF"/>
+              </a:solidFill>
+              <a:latin typeface="Overpass Light"/>
+              <a:ea typeface="Overpass Light"/>
+              <a:cs typeface="Overpass Light"/>
+              <a:sym typeface="Overpass Light"/>
+            </a:endParaRPr>
+          </a:p>
+        </p:txBody>
+      </p:sp>
+      <p:sp>
+        <p:nvSpPr>
+          <p:cNvPr id="458" name="Google Shape;458;p45"/>
+          <p:cNvSpPr txBox="1"/>
+          <p:nvPr/>
+        </p:nvSpPr>
+        <p:spPr>
+          <a:xfrm>
+            <a:off x="5700250" y="2548575"/>
+            <a:ext cx="1262400" cy="257400"/>
+          </a:xfrm>
+          <a:prstGeom prst="rect">
+            <a:avLst/>
+          </a:prstGeom>
+          <a:noFill/>
+          <a:ln>
+            <a:noFill/>
+          </a:ln>
+        </p:spPr>
+        <p:txBody>
+          <a:bodyPr anchorCtr="0" anchor="t" bIns="91425" lIns="91425" spcFirstLastPara="1" rIns="91425" wrap="square" tIns="91425">
+            <a:noAutofit/>
+          </a:bodyPr>
+          <a:lstStyle/>
+          <a:p>
+            <a:pPr indent="0" lvl="0" marL="0" rtl="0" algn="l">
+              <a:spcBef>
+                <a:spcPts val="0"/>
+              </a:spcBef>
+              <a:spcAft>
+                <a:spcPts val="0"/>
+              </a:spcAft>
+              <a:buNone/>
+            </a:pPr>
+            <a:r>
+              <a:rPr lang="en">
+                <a:solidFill>
+                  <a:srgbClr val="FFFFFF"/>
+                </a:solidFill>
+                <a:latin typeface="Overpass Light"/>
+                <a:ea typeface="Overpass Light"/>
+                <a:cs typeface="Overpass Light"/>
+                <a:sym typeface="Overpass Light"/>
+              </a:rPr>
+              <a:t>yhat_upper</a:t>
+            </a:r>
+            <a:endParaRPr>
+              <a:solidFill>
+                <a:srgbClr val="FFFFFF"/>
+              </a:solidFill>
+              <a:latin typeface="Overpass Light"/>
+              <a:ea typeface="Overpass Light"/>
+              <a:cs typeface="Overpass Light"/>
+              <a:sym typeface="Overpass Light"/>
+            </a:endParaRPr>
+          </a:p>
+        </p:txBody>
+      </p:sp>
+      <p:sp>
+        <p:nvSpPr>
+          <p:cNvPr id="459" name="Google Shape;459;p45"/>
+          <p:cNvSpPr txBox="1"/>
+          <p:nvPr/>
+        </p:nvSpPr>
+        <p:spPr>
+          <a:xfrm>
+            <a:off x="5893275" y="5362775"/>
+            <a:ext cx="1221900" cy="329700"/>
+          </a:xfrm>
+          <a:prstGeom prst="rect">
+            <a:avLst/>
+          </a:prstGeom>
+          <a:noFill/>
+          <a:ln>
+            <a:noFill/>
+          </a:ln>
+        </p:spPr>
+        <p:txBody>
+          <a:bodyPr anchorCtr="0" anchor="t" bIns="91425" lIns="91425" spcFirstLastPara="1" rIns="91425" wrap="square" tIns="91425">
+            <a:noAutofit/>
+          </a:bodyPr>
+          <a:lstStyle/>
+          <a:p>
+            <a:pPr indent="0" lvl="0" marL="0" rtl="0" algn="l">
+              <a:spcBef>
+                <a:spcPts val="0"/>
+              </a:spcBef>
+              <a:spcAft>
+                <a:spcPts val="0"/>
+              </a:spcAft>
+              <a:buNone/>
+            </a:pPr>
+            <a:r>
+              <a:rPr lang="en">
+                <a:solidFill>
+                  <a:srgbClr val="FFFFFF"/>
+                </a:solidFill>
+                <a:latin typeface="Overpass Light"/>
+                <a:ea typeface="Overpass Light"/>
+                <a:cs typeface="Overpass Light"/>
+                <a:sym typeface="Overpass Light"/>
+              </a:rPr>
+              <a:t>yhat_lower</a:t>
+            </a:r>
+            <a:endParaRPr>
+              <a:solidFill>
+                <a:srgbClr val="FFFFFF"/>
+              </a:solidFill>
+              <a:latin typeface="Overpass Light"/>
+              <a:ea typeface="Overpass Light"/>
+              <a:cs typeface="Overpass Light"/>
+              <a:sym typeface="Overpass Light"/>
+            </a:endParaRPr>
+          </a:p>
+        </p:txBody>
+      </p:sp>
+      <p:sp>
+        <p:nvSpPr>
+          <p:cNvPr id="460" name="Google Shape;460;p45"/>
+          <p:cNvSpPr txBox="1"/>
+          <p:nvPr/>
+        </p:nvSpPr>
+        <p:spPr>
+          <a:xfrm>
+            <a:off x="2870225" y="4831925"/>
+            <a:ext cx="1889400" cy="329700"/>
+          </a:xfrm>
+          <a:prstGeom prst="rect">
+            <a:avLst/>
+          </a:prstGeom>
+          <a:noFill/>
+          <a:ln>
+            <a:noFill/>
+          </a:ln>
+        </p:spPr>
+        <p:txBody>
+          <a:bodyPr anchorCtr="0" anchor="t" bIns="91425" lIns="91425" spcFirstLastPara="1" rIns="91425" wrap="square" tIns="91425">
+            <a:noAutofit/>
+          </a:bodyPr>
+          <a:lstStyle/>
+          <a:p>
+            <a:pPr indent="0" lvl="0" marL="0" rtl="0" algn="l">
+              <a:spcBef>
+                <a:spcPts val="0"/>
+              </a:spcBef>
+              <a:spcAft>
+                <a:spcPts val="0"/>
+              </a:spcAft>
+              <a:buNone/>
+            </a:pPr>
+            <a:r>
+              <a:rPr lang="en">
+                <a:solidFill>
+                  <a:srgbClr val="FFFFFF"/>
+                </a:solidFill>
+                <a:latin typeface="Overpass Light"/>
+                <a:ea typeface="Overpass Light"/>
+                <a:cs typeface="Overpass Light"/>
+                <a:sym typeface="Overpass Light"/>
+              </a:rPr>
+              <a:t>Actual metric value</a:t>
+            </a:r>
+            <a:endParaRPr>
+              <a:solidFill>
+                <a:srgbClr val="FFFFFF"/>
+              </a:solidFill>
+              <a:latin typeface="Overpass Light"/>
+              <a:ea typeface="Overpass Light"/>
+              <a:cs typeface="Overpass Light"/>
+              <a:sym typeface="Overpass Light"/>
+            </a:endParaRPr>
+          </a:p>
+        </p:txBody>
+      </p:sp>
+      <p:sp>
+        <p:nvSpPr>
+          <p:cNvPr id="461" name="Google Shape;461;p45"/>
+          <p:cNvSpPr txBox="1"/>
+          <p:nvPr/>
+        </p:nvSpPr>
+        <p:spPr>
+          <a:xfrm>
+            <a:off x="667200" y="466300"/>
+            <a:ext cx="5364300" cy="594900"/>
+          </a:xfrm>
+          <a:prstGeom prst="rect">
+            <a:avLst/>
+          </a:prstGeom>
+          <a:noFill/>
+          <a:ln>
+            <a:noFill/>
+          </a:ln>
+        </p:spPr>
+        <p:txBody>
+          <a:bodyPr anchorCtr="0" anchor="t" bIns="91425" lIns="91425" spcFirstLastPara="1" rIns="91425" wrap="square" tIns="91425">
+            <a:noAutofit/>
+          </a:bodyPr>
+          <a:lstStyle/>
+          <a:p>
+            <a:pPr indent="0" lvl="0" marL="0" rtl="0" algn="l">
+              <a:spcBef>
+                <a:spcPts val="0"/>
+              </a:spcBef>
+              <a:spcAft>
+                <a:spcPts val="0"/>
+              </a:spcAft>
+              <a:buNone/>
+            </a:pPr>
+            <a:r>
+              <a:rPr b="1" lang="en" sz="2700">
+                <a:solidFill>
+                  <a:srgbClr val="CC0000"/>
+                </a:solidFill>
+                <a:latin typeface="Overpass"/>
+                <a:ea typeface="Overpass"/>
+                <a:cs typeface="Overpass"/>
+                <a:sym typeface="Overpass"/>
+              </a:rPr>
+              <a:t>Grafana Dashboard Visualization</a:t>
+            </a:r>
+            <a:endParaRPr b="1" sz="2700">
+              <a:solidFill>
+                <a:srgbClr val="CC0000"/>
+              </a:solidFill>
+              <a:latin typeface="Overpass"/>
+              <a:ea typeface="Overpass"/>
+              <a:cs typeface="Overpass"/>
+              <a:sym typeface="Overpass"/>
+            </a:endParaRPr>
+          </a:p>
+        </p:txBody>
+      </p:sp>
+    </p:spTree>
+  </p:cSld>
+  <p:clrMapOvr>
+    <a:masterClrMapping/>
+  </p:clrMapOvr>
+  <mc:AlternateContent>
+    <mc:Choice Requires="p14">
+      <p:transition spd="slow" p14:dur="1000">
+        <p:push dir="r"/>
+      </p:transition>
+    </mc:Choice>
+    <mc:Fallback>
+      <p:transition spd="slow">
+        <p:fade/>
+      </p:transition>
+    </mc:Fallback>
+  </mc:AlternateContent>
+</p:sld>
+</file>
+
+<file path=ppt/slides/slide15.xml><?xml version="1.0" encoding="utf-8"?>
+<p:sld xmlns:a="http://schemas.openxmlformats.org/drawingml/2006/main" xmlns:r="http://schemas.openxmlformats.org/officeDocument/2006/relationships" xmlns:mc="http://schemas.openxmlformats.org/markup-compatibility/2006" xmlns:mv="urn:schemas-microsoft-com:mac:vml" xmlns:p="http://schemas.openxmlformats.org/presentationml/2006/main" xmlns:c="http://schemas.openxmlformats.org/drawingml/2006/chart" xmlns:dgm="http://schemas.openxmlformats.org/drawingml/2006/diagram" xmlns:o="urn:schemas-microsoft-com:office:office" xmlns:v="urn:schemas-microsoft-com:vml" xmlns:pvml="urn:schemas-microsoft-com:office:powerpoint" xmlns:com="http://schemas.openxmlformats.org/drawingml/2006/compatibility" xmlns:p14="http://schemas.microsoft.com/office/powerpoint/2010/main" xmlns:p15="http://schemas.microsoft.com/office/powerpoint/2012/main">
+  <p:cSld>
+    <p:spTree>
+      <p:nvGrpSpPr>
+        <p:cNvPr id="465" name="Shape 465"/>
+        <p:cNvGrpSpPr/>
+        <p:nvPr/>
+      </p:nvGrpSpPr>
+      <p:grpSpPr>
+        <a:xfrm>
+          <a:off x="0" y="0"/>
+          <a:ext cx="0" cy="0"/>
+          <a:chOff x="0" y="0"/>
+          <a:chExt cx="0" cy="0"/>
+        </a:xfrm>
+      </p:grpSpPr>
+      <p:sp>
+        <p:nvSpPr>
+          <p:cNvPr id="466" name="Google Shape;466;p46"/>
+          <p:cNvSpPr txBox="1"/>
+          <p:nvPr>
+            <p:ph idx="1" type="subTitle"/>
+          </p:nvPr>
+        </p:nvSpPr>
+        <p:spPr>
+          <a:xfrm>
+            <a:off x="528200" y="-49159"/>
+            <a:ext cx="5148900" cy="816300"/>
+          </a:xfrm>
+          <a:prstGeom prst="rect">
+            <a:avLst/>
+          </a:prstGeom>
+        </p:spPr>
+        <p:txBody>
+          <a:bodyPr anchorCtr="0" anchor="ctr" bIns="91425" lIns="438900" spcFirstLastPara="1" rIns="91425" wrap="square" tIns="91425">
+            <a:noAutofit/>
+          </a:bodyPr>
+          <a:lstStyle/>
+          <a:p>
+            <a:pPr indent="0" lvl="0" marL="0" rtl="0" algn="l">
+              <a:spcBef>
+                <a:spcPts val="0"/>
+              </a:spcBef>
+              <a:spcAft>
+                <a:spcPts val="0"/>
+              </a:spcAft>
+              <a:buNone/>
+            </a:pPr>
+            <a:r>
+              <a:rPr lang="en"/>
+              <a:t>AI Ops</a:t>
+            </a:r>
+            <a:endParaRPr/>
+          </a:p>
+        </p:txBody>
+      </p:sp>
+      <p:sp>
+        <p:nvSpPr>
+          <p:cNvPr id="467" name="Google Shape;467;p46"/>
+          <p:cNvSpPr txBox="1"/>
+          <p:nvPr>
+            <p:ph idx="12" type="sldNum"/>
+          </p:nvPr>
+        </p:nvSpPr>
+        <p:spPr>
+          <a:xfrm>
+            <a:off x="81975" y="6169556"/>
+            <a:ext cx="731700" cy="143700"/>
+          </a:xfrm>
+          <a:prstGeom prst="rect">
+            <a:avLst/>
+          </a:prstGeom>
+        </p:spPr>
+        <p:txBody>
+          <a:bodyPr anchorCtr="0" anchor="b" bIns="0" lIns="0" spcFirstLastPara="1" rIns="0" wrap="square" tIns="0">
+            <a:noAutofit/>
+          </a:bodyPr>
+          <a:lstStyle/>
+          <a:p>
+            <a:pPr indent="0" lvl="0" marL="0" rtl="0" algn="ctr">
+              <a:spcBef>
+                <a:spcPts val="0"/>
+              </a:spcBef>
+              <a:spcAft>
+                <a:spcPts val="0"/>
+              </a:spcAft>
+              <a:buNone/>
+            </a:pPr>
+            <a:fld id="{00000000-1234-1234-1234-123412341234}" type="slidenum">
+              <a:rPr lang="en"/>
+              <a:t>‹#›</a:t>
+            </a:fld>
+            <a:endParaRPr/>
+          </a:p>
+        </p:txBody>
+      </p:sp>
+      <p:pic>
+        <p:nvPicPr>
+          <p:cNvPr id="468" name="Google Shape;468;p46"/>
+          <p:cNvPicPr preferRelativeResize="0"/>
+          <p:nvPr/>
+        </p:nvPicPr>
+        <p:blipFill>
+          <a:blip r:embed="rId3">
+            <a:alphaModFix/>
+          </a:blip>
+          <a:stretch>
+            <a:fillRect/>
+          </a:stretch>
+        </p:blipFill>
+        <p:spPr>
+          <a:xfrm>
+            <a:off x="2742550" y="1146413"/>
+            <a:ext cx="4010100" cy="2564394"/>
+          </a:xfrm>
+          <a:prstGeom prst="rect">
+            <a:avLst/>
+          </a:prstGeom>
+          <a:noFill/>
+          <a:ln>
+            <a:noFill/>
+          </a:ln>
+        </p:spPr>
+      </p:pic>
+      <p:pic>
+        <p:nvPicPr>
+          <p:cNvPr id="469" name="Google Shape;469;p46"/>
+          <p:cNvPicPr preferRelativeResize="0"/>
+          <p:nvPr/>
+        </p:nvPicPr>
+        <p:blipFill>
+          <a:blip r:embed="rId4">
+            <a:alphaModFix/>
+          </a:blip>
+          <a:stretch>
+            <a:fillRect/>
+          </a:stretch>
+        </p:blipFill>
+        <p:spPr>
+          <a:xfrm>
+            <a:off x="7149300" y="1433500"/>
+            <a:ext cx="4010100" cy="3990976"/>
+          </a:xfrm>
+          <a:prstGeom prst="rect">
+            <a:avLst/>
+          </a:prstGeom>
+          <a:noFill/>
+          <a:ln>
+            <a:noFill/>
+          </a:ln>
+        </p:spPr>
+      </p:pic>
+      <p:pic>
+        <p:nvPicPr>
+          <p:cNvPr id="470" name="Google Shape;470;p46"/>
+          <p:cNvPicPr preferRelativeResize="0"/>
+          <p:nvPr/>
+        </p:nvPicPr>
+        <p:blipFill>
+          <a:blip r:embed="rId5">
+            <a:alphaModFix/>
+          </a:blip>
+          <a:stretch>
+            <a:fillRect/>
+          </a:stretch>
+        </p:blipFill>
+        <p:spPr>
+          <a:xfrm>
+            <a:off x="1030300" y="3558575"/>
+            <a:ext cx="5996725" cy="2610976"/>
+          </a:xfrm>
+          <a:prstGeom prst="rect">
+            <a:avLst/>
+          </a:prstGeom>
+          <a:noFill/>
+          <a:ln>
+            <a:noFill/>
+          </a:ln>
+        </p:spPr>
+      </p:pic>
+      <p:sp>
+        <p:nvSpPr>
+          <p:cNvPr id="471" name="Google Shape;471;p46"/>
+          <p:cNvSpPr txBox="1"/>
+          <p:nvPr/>
+        </p:nvSpPr>
+        <p:spPr>
+          <a:xfrm>
+            <a:off x="713275" y="448800"/>
+            <a:ext cx="4209900" cy="559500"/>
+          </a:xfrm>
+          <a:prstGeom prst="rect">
+            <a:avLst/>
+          </a:prstGeom>
+          <a:noFill/>
+          <a:ln>
+            <a:noFill/>
+          </a:ln>
+        </p:spPr>
+        <p:txBody>
+          <a:bodyPr anchorCtr="0" anchor="t" bIns="91425" lIns="91425" spcFirstLastPara="1" rIns="91425" wrap="square" tIns="91425">
+            <a:noAutofit/>
+          </a:bodyPr>
+          <a:lstStyle/>
+          <a:p>
+            <a:pPr indent="0" lvl="0" marL="0" rtl="0" algn="l">
+              <a:spcBef>
+                <a:spcPts val="0"/>
+              </a:spcBef>
+              <a:spcAft>
+                <a:spcPts val="0"/>
+              </a:spcAft>
+              <a:buNone/>
+            </a:pPr>
+            <a:r>
+              <a:rPr b="1" lang="en" sz="2700">
+                <a:solidFill>
+                  <a:srgbClr val="CC0000"/>
+                </a:solidFill>
+                <a:latin typeface="Overpass"/>
+                <a:ea typeface="Overpass"/>
+                <a:cs typeface="Overpass"/>
+                <a:sym typeface="Overpass"/>
+              </a:rPr>
+              <a:t>Alerting on Anomalies</a:t>
+            </a:r>
+            <a:endParaRPr b="1">
+              <a:solidFill>
+                <a:srgbClr val="CC0000"/>
+              </a:solidFill>
+            </a:endParaRPr>
+          </a:p>
+        </p:txBody>
+      </p:sp>
+    </p:spTree>
+  </p:cSld>
+  <p:clrMapOvr>
+    <a:masterClrMapping/>
+  </p:clrMapOvr>
+  <mc:AlternateContent>
+    <mc:Choice Requires="p14">
+      <p:transition spd="slow" p14:dur="1000">
+        <p:push dir="r"/>
+      </p:transition>
+    </mc:Choice>
+    <mc:Fallback>
+      <p:transition spd="slow">
+        <p:fade/>
+      </p:transition>
+    </mc:Fallback>
+  </mc:AlternateContent>
+</p:sld>
+</file>
+
+<file path=ppt/slides/slide16.xml><?xml version="1.0" encoding="utf-8"?>
+<p:sld xmlns:a="http://schemas.openxmlformats.org/drawingml/2006/main" xmlns:r="http://schemas.openxmlformats.org/officeDocument/2006/relationships" xmlns:mc="http://schemas.openxmlformats.org/markup-compatibility/2006" xmlns:mv="urn:schemas-microsoft-com:mac:vml" xmlns:p="http://schemas.openxmlformats.org/presentationml/2006/main" xmlns:c="http://schemas.openxmlformats.org/drawingml/2006/chart" xmlns:dgm="http://schemas.openxmlformats.org/drawingml/2006/diagram" xmlns:o="urn:schemas-microsoft-com:office:office" xmlns:v="urn:schemas-microsoft-com:vml" xmlns:pvml="urn:schemas-microsoft-com:office:powerpoint" xmlns:com="http://schemas.openxmlformats.org/drawingml/2006/compatibility" xmlns:p14="http://schemas.microsoft.com/office/powerpoint/2010/main" xmlns:p15="http://schemas.microsoft.com/office/powerpoint/2012/main">
+  <p:cSld>
+    <p:spTree>
+      <p:nvGrpSpPr>
+        <p:cNvPr id="475" name="Shape 475"/>
+        <p:cNvGrpSpPr/>
+        <p:nvPr/>
+      </p:nvGrpSpPr>
+      <p:grpSpPr>
+        <a:xfrm>
+          <a:off x="0" y="0"/>
+          <a:ext cx="0" cy="0"/>
+          <a:chOff x="0" y="0"/>
+          <a:chExt cx="0" cy="0"/>
+        </a:xfrm>
+      </p:grpSpPr>
+      <p:sp>
+        <p:nvSpPr>
+          <p:cNvPr id="476" name="Google Shape;476;p47"/>
           <p:cNvSpPr txBox="1"/>
           <p:nvPr>
             <p:ph type="title"/>
@@ -37061,24 +39180,32 @@
               <a:buNone/>
             </a:pPr>
             <a:r>
-              <a:rPr lang="en">
-                <a:solidFill>
-                  <a:srgbClr val="980000"/>
-                </a:solidFill>
+              <a:rPr b="1" lang="en">
+                <a:solidFill>
+                  <a:srgbClr val="CC0000"/>
+                </a:solidFill>
+                <a:latin typeface="Overpass"/>
+                <a:ea typeface="Overpass"/>
+                <a:cs typeface="Overpass"/>
+                <a:sym typeface="Overpass"/>
               </a:rPr>
               <a:t>References</a:t>
             </a:r>
-            <a:endParaRPr>
+            <a:endParaRPr b="1">
               <a:solidFill>
-                <a:srgbClr val="980000"/>
+                <a:srgbClr val="CC0000"/>
               </a:solidFill>
+              <a:latin typeface="Overpass"/>
+              <a:ea typeface="Overpass"/>
+              <a:cs typeface="Overpass"/>
+              <a:sym typeface="Overpass"/>
             </a:endParaRPr>
           </a:p>
         </p:txBody>
       </p:sp>
       <p:sp>
         <p:nvSpPr>
-          <p:cNvPr id="440" name="Google Shape;440;p43"/>
+          <p:cNvPr id="477" name="Google Shape;477;p47"/>
           <p:cNvSpPr txBox="1"/>
           <p:nvPr>
             <p:ph idx="1" type="subTitle"/>
@@ -37118,7 +39245,7 @@
       </p:sp>
       <p:sp>
         <p:nvSpPr>
-          <p:cNvPr id="441" name="Google Shape;441;p43"/>
+          <p:cNvPr id="478" name="Google Shape;478;p47"/>
           <p:cNvSpPr txBox="1"/>
           <p:nvPr>
             <p:ph idx="12" type="sldNum"/>
@@ -37158,7 +39285,7 @@
       </p:sp>
       <p:sp>
         <p:nvSpPr>
-          <p:cNvPr id="442" name="Google Shape;442;p43"/>
+          <p:cNvPr id="479" name="Google Shape;479;p47"/>
           <p:cNvSpPr txBox="1"/>
           <p:nvPr>
             <p:ph idx="2" type="subTitle"/>
@@ -37197,7 +39324,7 @@
       </p:sp>
       <p:sp>
         <p:nvSpPr>
-          <p:cNvPr id="443" name="Google Shape;443;p43"/>
+          <p:cNvPr id="480" name="Google Shape;480;p47"/>
           <p:cNvSpPr txBox="1"/>
           <p:nvPr/>
         </p:nvSpPr>
@@ -37518,15 +39645,27 @@
   <p:clrMapOvr>
     <a:masterClrMapping/>
   </p:clrMapOvr>
+  <mc:AlternateContent>
+    <mc:Choice Requires="p14">
+      <p:transition spd="slow" p14:dur="1000">
+        <p:fade/>
+      </p:transition>
+    </mc:Choice>
+    <mc:Fallback>
+      <p:transition spd="slow">
+        <p:fade/>
+      </p:transition>
+    </mc:Fallback>
+  </mc:AlternateContent>
 </p:sld>
 </file>
 
-<file path=ppt/slides/slide13.xml><?xml version="1.0" encoding="utf-8"?>
+<file path=ppt/slides/slide17.xml><?xml version="1.0" encoding="utf-8"?>
 <p:sld xmlns:a="http://schemas.openxmlformats.org/drawingml/2006/main" xmlns:r="http://schemas.openxmlformats.org/officeDocument/2006/relationships" xmlns:mc="http://schemas.openxmlformats.org/markup-compatibility/2006" xmlns:mv="urn:schemas-microsoft-com:mac:vml" xmlns:p="http://schemas.openxmlformats.org/presentationml/2006/main" xmlns:c="http://schemas.openxmlformats.org/drawingml/2006/chart" xmlns:dgm="http://schemas.openxmlformats.org/drawingml/2006/diagram" xmlns:o="urn:schemas-microsoft-com:office:office" xmlns:v="urn:schemas-microsoft-com:vml" xmlns:pvml="urn:schemas-microsoft-com:office:powerpoint" xmlns:com="http://schemas.openxmlformats.org/drawingml/2006/compatibility" xmlns:p14="http://schemas.microsoft.com/office/powerpoint/2010/main" xmlns:p15="http://schemas.microsoft.com/office/powerpoint/2012/main">
   <p:cSld>
     <p:spTree>
       <p:nvGrpSpPr>
-        <p:cNvPr id="447" name="Shape 447"/>
+        <p:cNvPr id="484" name="Shape 484"/>
         <p:cNvGrpSpPr/>
         <p:nvPr/>
       </p:nvGrpSpPr>
@@ -37540,7 +39679,7 @@
       </p:grpSpPr>
       <p:sp>
         <p:nvSpPr>
-          <p:cNvPr id="448" name="Google Shape;448;p44"/>
+          <p:cNvPr id="485" name="Google Shape;485;p48"/>
           <p:cNvSpPr txBox="1"/>
           <p:nvPr>
             <p:ph idx="1" type="subTitle"/>
@@ -37587,7 +39726,7 @@
       </p:sp>
       <p:sp>
         <p:nvSpPr>
-          <p:cNvPr id="449" name="Google Shape;449;p44"/>
+          <p:cNvPr id="486" name="Google Shape;486;p48"/>
           <p:cNvSpPr txBox="1"/>
           <p:nvPr>
             <p:ph type="title"/>
@@ -37627,7 +39766,7 @@
       </p:sp>
       <p:sp>
         <p:nvSpPr>
-          <p:cNvPr id="450" name="Google Shape;450;p44"/>
+          <p:cNvPr id="487" name="Google Shape;487;p48"/>
           <p:cNvSpPr txBox="1"/>
           <p:nvPr>
             <p:ph idx="12" type="sldNum"/>
@@ -38110,6 +40249,18 @@
   <p:clrMapOvr>
     <a:masterClrMapping/>
   </p:clrMapOvr>
+  <mc:AlternateContent>
+    <mc:Choice Requires="p14">
+      <p:transition spd="slow" p14:dur="1000">
+        <p:push dir="r"/>
+      </p:transition>
+    </mc:Choice>
+    <mc:Fallback>
+      <p:transition spd="slow">
+        <p:fade/>
+      </p:transition>
+    </mc:Fallback>
+  </mc:AlternateContent>
 </p:sld>
 </file>
 
@@ -38163,10 +40314,18 @@
               <a:buNone/>
             </a:pPr>
             <a:r>
-              <a:rPr lang="en"/>
+              <a:rPr lang="en">
+                <a:solidFill>
+                  <a:srgbClr val="CC0000"/>
+                </a:solidFill>
+              </a:rPr>
               <a:t>Goals of Workshop</a:t>
             </a:r>
-            <a:endParaRPr/>
+            <a:endParaRPr>
+              <a:solidFill>
+                <a:srgbClr val="CC0000"/>
+              </a:solidFill>
+            </a:endParaRPr>
           </a:p>
         </p:txBody>
       </p:sp>
@@ -38541,6 +40700,18 @@
   <p:clrMapOvr>
     <a:masterClrMapping/>
   </p:clrMapOvr>
+  <mc:AlternateContent>
+    <mc:Choice Requires="p14">
+      <p:transition spd="slow" p14:dur="1000">
+        <p:push/>
+      </p:transition>
+    </mc:Choice>
+    <mc:Fallback>
+      <p:transition spd="slow">
+        <p:fade/>
+      </p:transition>
+    </mc:Fallback>
+  </mc:AlternateContent>
 </p:sld>
 </file>
 
@@ -38566,60 +40737,12 @@
           <p:cNvPr id="358" name="Google Shape;358;p35"/>
           <p:cNvSpPr txBox="1"/>
           <p:nvPr>
-            <p:ph type="title"/>
-          </p:nvPr>
-        </p:nvSpPr>
-        <p:spPr>
-          <a:xfrm>
-            <a:off x="725825" y="722600"/>
-            <a:ext cx="2091300" cy="559500"/>
-          </a:xfrm>
-          <a:prstGeom prst="rect">
-            <a:avLst/>
-          </a:prstGeom>
-        </p:spPr>
-        <p:txBody>
-          <a:bodyPr anchorCtr="0" anchor="t" bIns="0" lIns="0" spcFirstLastPara="1" rIns="0" wrap="square" tIns="0">
-            <a:noAutofit/>
-          </a:bodyPr>
-          <a:lstStyle/>
-          <a:p>
-            <a:pPr indent="0" lvl="0" marL="0" rtl="0" algn="l">
-              <a:spcBef>
-                <a:spcPts val="0"/>
-              </a:spcBef>
-              <a:spcAft>
-                <a:spcPts val="0"/>
-              </a:spcAft>
-              <a:buNone/>
-            </a:pPr>
-            <a:r>
-              <a:rPr lang="en">
-                <a:solidFill>
-                  <a:srgbClr val="980000"/>
-                </a:solidFill>
-              </a:rPr>
-              <a:t>Prometheus</a:t>
-            </a:r>
-            <a:endParaRPr>
-              <a:solidFill>
-                <a:srgbClr val="980000"/>
-              </a:solidFill>
-            </a:endParaRPr>
-          </a:p>
-        </p:txBody>
-      </p:sp>
-      <p:sp>
-        <p:nvSpPr>
-          <p:cNvPr id="359" name="Google Shape;359;p35"/>
-          <p:cNvSpPr txBox="1"/>
-          <p:nvPr>
             <p:ph idx="1" type="subTitle"/>
           </p:nvPr>
         </p:nvSpPr>
         <p:spPr>
           <a:xfrm>
-            <a:off x="469500" y="-37409"/>
+            <a:off x="447775" y="55441"/>
             <a:ext cx="5148900" cy="816300"/>
           </a:xfrm>
           <a:prstGeom prst="rect">
@@ -38642,8 +40765,7 @@
               <a:buNone/>
             </a:pPr>
             <a:r>
-              <a:rPr lang="en"/>
-              <a:t>AI Ops</a:t>
+              <a:t/>
             </a:r>
             <a:endParaRPr/>
           </a:p>
@@ -38651,7 +40773,7 @@
       </p:sp>
       <p:sp>
         <p:nvSpPr>
-          <p:cNvPr id="360" name="Google Shape;360;p35"/>
+          <p:cNvPr id="359" name="Google Shape;359;p35"/>
           <p:cNvSpPr txBox="1"/>
           <p:nvPr>
             <p:ph idx="12" type="sldNum"/>
@@ -38689,6 +40811,45 @@
           </a:p>
         </p:txBody>
       </p:sp>
+      <p:sp>
+        <p:nvSpPr>
+          <p:cNvPr id="360" name="Google Shape;360;p35"/>
+          <p:cNvSpPr txBox="1"/>
+          <p:nvPr>
+            <p:ph idx="2" type="subTitle"/>
+          </p:nvPr>
+        </p:nvSpPr>
+        <p:spPr>
+          <a:xfrm>
+            <a:off x="885050" y="6169550"/>
+            <a:ext cx="9182700" cy="559500"/>
+          </a:xfrm>
+          <a:prstGeom prst="rect">
+            <a:avLst/>
+          </a:prstGeom>
+        </p:spPr>
+        <p:txBody>
+          <a:bodyPr anchorCtr="0" anchor="b" bIns="0" lIns="0" spcFirstLastPara="1" rIns="0" wrap="square" tIns="0">
+            <a:noAutofit/>
+          </a:bodyPr>
+          <a:lstStyle/>
+          <a:p>
+            <a:pPr indent="0" lvl="0" marL="0" rtl="0" algn="l">
+              <a:spcBef>
+                <a:spcPts val="0"/>
+              </a:spcBef>
+              <a:spcAft>
+                <a:spcPts val="0"/>
+              </a:spcAft>
+              <a:buNone/>
+            </a:pPr>
+            <a:r>
+              <a:t/>
+            </a:r>
+            <a:endParaRPr/>
+          </a:p>
+        </p:txBody>
+      </p:sp>
       <p:pic>
         <p:nvPicPr>
           <p:cNvPr id="361" name="Google Shape;361;p35"/>
@@ -38705,8 +40866,243 @@
         </p:blipFill>
         <p:spPr>
           <a:xfrm>
-            <a:off x="2496125" y="1359025"/>
-            <a:ext cx="7530687" cy="4954225"/>
+            <a:off x="1834950" y="871750"/>
+            <a:ext cx="8522076" cy="5727226"/>
+          </a:xfrm>
+          <a:prstGeom prst="rect">
+            <a:avLst/>
+          </a:prstGeom>
+          <a:noFill/>
+          <a:ln>
+            <a:noFill/>
+          </a:ln>
+        </p:spPr>
+      </p:pic>
+      <p:sp>
+        <p:nvSpPr>
+          <p:cNvPr id="362" name="Google Shape;362;p35"/>
+          <p:cNvSpPr txBox="1"/>
+          <p:nvPr/>
+        </p:nvSpPr>
+        <p:spPr>
+          <a:xfrm>
+            <a:off x="4274750" y="4236925"/>
+            <a:ext cx="3000000" cy="3000000"/>
+          </a:xfrm>
+          <a:prstGeom prst="rect">
+            <a:avLst/>
+          </a:prstGeom>
+          <a:noFill/>
+          <a:ln>
+            <a:noFill/>
+          </a:ln>
+        </p:spPr>
+        <p:txBody>
+          <a:bodyPr anchorCtr="0" anchor="t" bIns="91425" lIns="91425" spcFirstLastPara="1" rIns="91425" wrap="square" tIns="91425">
+            <a:noAutofit/>
+          </a:bodyPr>
+          <a:lstStyle/>
+          <a:p>
+            <a:pPr indent="0" lvl="0" marL="0" rtl="0" algn="ctr">
+              <a:lnSpc>
+                <a:spcPct val="115000"/>
+              </a:lnSpc>
+              <a:spcBef>
+                <a:spcPts val="600"/>
+              </a:spcBef>
+              <a:spcAft>
+                <a:spcPts val="0"/>
+              </a:spcAft>
+              <a:buNone/>
+            </a:pPr>
+            <a:r>
+              <a:rPr lang="en" sz="3000">
+                <a:solidFill>
+                  <a:schemeClr val="dk1"/>
+                </a:solidFill>
+                <a:latin typeface="Overpass"/>
+                <a:ea typeface="Overpass"/>
+                <a:cs typeface="Overpass"/>
+                <a:sym typeface="Overpass"/>
+              </a:rPr>
+              <a:t>Simplistic world view</a:t>
+            </a:r>
+            <a:endParaRPr sz="3000"/>
+          </a:p>
+        </p:txBody>
+      </p:sp>
+    </p:spTree>
+  </p:cSld>
+  <p:clrMapOvr>
+    <a:masterClrMapping/>
+  </p:clrMapOvr>
+  <mc:AlternateContent>
+    <mc:Choice Requires="p14">
+      <p:transition spd="slow" p14:dur="1000">
+        <p14:flip dir="l"/>
+      </p:transition>
+    </mc:Choice>
+    <mc:Fallback>
+      <p:transition spd="slow">
+        <p:fade/>
+      </p:transition>
+    </mc:Fallback>
+  </mc:AlternateContent>
+</p:sld>
+</file>
+
+<file path=ppt/slides/slide5.xml><?xml version="1.0" encoding="utf-8"?>
+<p:sld xmlns:a="http://schemas.openxmlformats.org/drawingml/2006/main" xmlns:r="http://schemas.openxmlformats.org/officeDocument/2006/relationships" xmlns:mc="http://schemas.openxmlformats.org/markup-compatibility/2006" xmlns:mv="urn:schemas-microsoft-com:mac:vml" xmlns:p="http://schemas.openxmlformats.org/presentationml/2006/main" xmlns:c="http://schemas.openxmlformats.org/drawingml/2006/chart" xmlns:dgm="http://schemas.openxmlformats.org/drawingml/2006/diagram" xmlns:o="urn:schemas-microsoft-com:office:office" xmlns:v="urn:schemas-microsoft-com:vml" xmlns:pvml="urn:schemas-microsoft-com:office:powerpoint" xmlns:com="http://schemas.openxmlformats.org/drawingml/2006/compatibility" xmlns:p14="http://schemas.microsoft.com/office/powerpoint/2010/main" xmlns:p15="http://schemas.microsoft.com/office/powerpoint/2012/main">
+  <p:cSld>
+    <p:spTree>
+      <p:nvGrpSpPr>
+        <p:cNvPr id="366" name="Shape 366"/>
+        <p:cNvGrpSpPr/>
+        <p:nvPr/>
+      </p:nvGrpSpPr>
+      <p:grpSpPr>
+        <a:xfrm>
+          <a:off x="0" y="0"/>
+          <a:ext cx="0" cy="0"/>
+          <a:chOff x="0" y="0"/>
+          <a:chExt cx="0" cy="0"/>
+        </a:xfrm>
+      </p:grpSpPr>
+      <p:sp>
+        <p:nvSpPr>
+          <p:cNvPr id="367" name="Google Shape;367;p36"/>
+          <p:cNvSpPr txBox="1"/>
+          <p:nvPr>
+            <p:ph idx="1" type="subTitle"/>
+          </p:nvPr>
+        </p:nvSpPr>
+        <p:spPr>
+          <a:xfrm>
+            <a:off x="447775" y="55441"/>
+            <a:ext cx="5148900" cy="816300"/>
+          </a:xfrm>
+          <a:prstGeom prst="rect">
+            <a:avLst/>
+          </a:prstGeom>
+        </p:spPr>
+        <p:txBody>
+          <a:bodyPr anchorCtr="0" anchor="ctr" bIns="91425" lIns="438900" spcFirstLastPara="1" rIns="91425" wrap="square" tIns="91425">
+            <a:noAutofit/>
+          </a:bodyPr>
+          <a:lstStyle/>
+          <a:p>
+            <a:pPr indent="0" lvl="0" marL="0" rtl="0" algn="l">
+              <a:spcBef>
+                <a:spcPts val="0"/>
+              </a:spcBef>
+              <a:spcAft>
+                <a:spcPts val="0"/>
+              </a:spcAft>
+              <a:buNone/>
+            </a:pPr>
+            <a:r>
+              <a:t/>
+            </a:r>
+            <a:endParaRPr/>
+          </a:p>
+        </p:txBody>
+      </p:sp>
+      <p:sp>
+        <p:nvSpPr>
+          <p:cNvPr id="368" name="Google Shape;368;p36"/>
+          <p:cNvSpPr txBox="1"/>
+          <p:nvPr>
+            <p:ph idx="12" type="sldNum"/>
+          </p:nvPr>
+        </p:nvSpPr>
+        <p:spPr>
+          <a:xfrm>
+            <a:off x="81975" y="6169556"/>
+            <a:ext cx="731700" cy="143700"/>
+          </a:xfrm>
+          <a:prstGeom prst="rect">
+            <a:avLst/>
+          </a:prstGeom>
+        </p:spPr>
+        <p:txBody>
+          <a:bodyPr anchorCtr="0" anchor="b" bIns="0" lIns="0" spcFirstLastPara="1" rIns="0" wrap="square" tIns="0">
+            <a:noAutofit/>
+          </a:bodyPr>
+          <a:lstStyle/>
+          <a:p>
+            <a:pPr indent="0" lvl="0" marL="0" rtl="0" algn="ctr">
+              <a:spcBef>
+                <a:spcPts val="0"/>
+              </a:spcBef>
+              <a:spcAft>
+                <a:spcPts val="0"/>
+              </a:spcAft>
+              <a:buNone/>
+            </a:pPr>
+            <a:fld id="{00000000-1234-1234-1234-123412341234}" type="slidenum">
+              <a:rPr lang="en"/>
+              <a:t>‹#›</a:t>
+            </a:fld>
+            <a:endParaRPr/>
+          </a:p>
+        </p:txBody>
+      </p:sp>
+      <p:sp>
+        <p:nvSpPr>
+          <p:cNvPr id="369" name="Google Shape;369;p36"/>
+          <p:cNvSpPr txBox="1"/>
+          <p:nvPr>
+            <p:ph idx="2" type="subTitle"/>
+          </p:nvPr>
+        </p:nvSpPr>
+        <p:spPr>
+          <a:xfrm>
+            <a:off x="885050" y="6169550"/>
+            <a:ext cx="9182700" cy="559500"/>
+          </a:xfrm>
+          <a:prstGeom prst="rect">
+            <a:avLst/>
+          </a:prstGeom>
+        </p:spPr>
+        <p:txBody>
+          <a:bodyPr anchorCtr="0" anchor="b" bIns="0" lIns="0" spcFirstLastPara="1" rIns="0" wrap="square" tIns="0">
+            <a:noAutofit/>
+          </a:bodyPr>
+          <a:lstStyle/>
+          <a:p>
+            <a:pPr indent="0" lvl="0" marL="0" rtl="0" algn="l">
+              <a:spcBef>
+                <a:spcPts val="0"/>
+              </a:spcBef>
+              <a:spcAft>
+                <a:spcPts val="0"/>
+              </a:spcAft>
+              <a:buNone/>
+            </a:pPr>
+            <a:r>
+              <a:t/>
+            </a:r>
+            <a:endParaRPr/>
+          </a:p>
+        </p:txBody>
+      </p:sp>
+      <p:pic>
+        <p:nvPicPr>
+          <p:cNvPr id="370" name="Google Shape;370;p36"/>
+          <p:cNvPicPr preferRelativeResize="0"/>
+          <p:nvPr/>
+        </p:nvPicPr>
+        <p:blipFill rotWithShape="1">
+          <a:blip r:embed="rId3">
+            <a:alphaModFix/>
+          </a:blip>
+          <a:srcRect b="0" l="0" r="0" t="0"/>
+          <a:stretch/>
+        </p:blipFill>
+        <p:spPr>
+          <a:xfrm>
+            <a:off x="2134400" y="1054300"/>
+            <a:ext cx="7923195" cy="5942373"/>
           </a:xfrm>
           <a:prstGeom prst="rect">
             <a:avLst/>
@@ -38725,12 +41121,12 @@
 </p:sld>
 </file>
 
-<file path=ppt/slides/slide5.xml><?xml version="1.0" encoding="utf-8"?>
+<file path=ppt/slides/slide6.xml><?xml version="1.0" encoding="utf-8"?>
 <p:sld xmlns:a="http://schemas.openxmlformats.org/drawingml/2006/main" xmlns:r="http://schemas.openxmlformats.org/officeDocument/2006/relationships" xmlns:mc="http://schemas.openxmlformats.org/markup-compatibility/2006" xmlns:mv="urn:schemas-microsoft-com:mac:vml" xmlns:p="http://schemas.openxmlformats.org/presentationml/2006/main" xmlns:c="http://schemas.openxmlformats.org/drawingml/2006/chart" xmlns:dgm="http://schemas.openxmlformats.org/drawingml/2006/diagram" xmlns:o="urn:schemas-microsoft-com:office:office" xmlns:v="urn:schemas-microsoft-com:vml" xmlns:pvml="urn:schemas-microsoft-com:office:powerpoint" xmlns:com="http://schemas.openxmlformats.org/drawingml/2006/compatibility" xmlns:p14="http://schemas.microsoft.com/office/powerpoint/2010/main" xmlns:p15="http://schemas.microsoft.com/office/powerpoint/2012/main">
   <p:cSld>
     <p:spTree>
       <p:nvGrpSpPr>
-        <p:cNvPr id="365" name="Shape 365"/>
+        <p:cNvPr id="374" name="Shape 374"/>
         <p:cNvGrpSpPr/>
         <p:nvPr/>
       </p:nvGrpSpPr>
@@ -38744,7 +41140,517 @@
       </p:grpSpPr>
       <p:sp>
         <p:nvSpPr>
-          <p:cNvPr id="366" name="Google Shape;366;p36"/>
+          <p:cNvPr id="375" name="Google Shape;375;p37"/>
+          <p:cNvSpPr txBox="1"/>
+          <p:nvPr>
+            <p:ph idx="1" type="subTitle"/>
+          </p:nvPr>
+        </p:nvSpPr>
+        <p:spPr>
+          <a:xfrm>
+            <a:off x="447775" y="55441"/>
+            <a:ext cx="5148900" cy="816300"/>
+          </a:xfrm>
+          <a:prstGeom prst="rect">
+            <a:avLst/>
+          </a:prstGeom>
+        </p:spPr>
+        <p:txBody>
+          <a:bodyPr anchorCtr="0" anchor="ctr" bIns="91425" lIns="438900" spcFirstLastPara="1" rIns="91425" wrap="square" tIns="91425">
+            <a:noAutofit/>
+          </a:bodyPr>
+          <a:lstStyle/>
+          <a:p>
+            <a:pPr indent="0" lvl="0" marL="0" rtl="0" algn="l">
+              <a:spcBef>
+                <a:spcPts val="0"/>
+              </a:spcBef>
+              <a:spcAft>
+                <a:spcPts val="0"/>
+              </a:spcAft>
+              <a:buNone/>
+            </a:pPr>
+            <a:r>
+              <a:t/>
+            </a:r>
+            <a:endParaRPr/>
+          </a:p>
+        </p:txBody>
+      </p:sp>
+      <p:sp>
+        <p:nvSpPr>
+          <p:cNvPr id="376" name="Google Shape;376;p37"/>
+          <p:cNvSpPr txBox="1"/>
+          <p:nvPr>
+            <p:ph idx="12" type="sldNum"/>
+          </p:nvPr>
+        </p:nvSpPr>
+        <p:spPr>
+          <a:xfrm>
+            <a:off x="81975" y="6169556"/>
+            <a:ext cx="731700" cy="143700"/>
+          </a:xfrm>
+          <a:prstGeom prst="rect">
+            <a:avLst/>
+          </a:prstGeom>
+        </p:spPr>
+        <p:txBody>
+          <a:bodyPr anchorCtr="0" anchor="b" bIns="0" lIns="0" spcFirstLastPara="1" rIns="0" wrap="square" tIns="0">
+            <a:noAutofit/>
+          </a:bodyPr>
+          <a:lstStyle/>
+          <a:p>
+            <a:pPr indent="0" lvl="0" marL="0" rtl="0" algn="ctr">
+              <a:spcBef>
+                <a:spcPts val="0"/>
+              </a:spcBef>
+              <a:spcAft>
+                <a:spcPts val="0"/>
+              </a:spcAft>
+              <a:buNone/>
+            </a:pPr>
+            <a:fld id="{00000000-1234-1234-1234-123412341234}" type="slidenum">
+              <a:rPr lang="en"/>
+              <a:t>‹#›</a:t>
+            </a:fld>
+            <a:endParaRPr/>
+          </a:p>
+        </p:txBody>
+      </p:sp>
+      <p:sp>
+        <p:nvSpPr>
+          <p:cNvPr id="377" name="Google Shape;377;p37"/>
+          <p:cNvSpPr txBox="1"/>
+          <p:nvPr>
+            <p:ph idx="2" type="subTitle"/>
+          </p:nvPr>
+        </p:nvSpPr>
+        <p:spPr>
+          <a:xfrm>
+            <a:off x="885050" y="6169550"/>
+            <a:ext cx="9182700" cy="559500"/>
+          </a:xfrm>
+          <a:prstGeom prst="rect">
+            <a:avLst/>
+          </a:prstGeom>
+        </p:spPr>
+        <p:txBody>
+          <a:bodyPr anchorCtr="0" anchor="b" bIns="0" lIns="0" spcFirstLastPara="1" rIns="0" wrap="square" tIns="0">
+            <a:noAutofit/>
+          </a:bodyPr>
+          <a:lstStyle/>
+          <a:p>
+            <a:pPr indent="0" lvl="0" marL="0" rtl="0" algn="l">
+              <a:spcBef>
+                <a:spcPts val="0"/>
+              </a:spcBef>
+              <a:spcAft>
+                <a:spcPts val="0"/>
+              </a:spcAft>
+              <a:buNone/>
+            </a:pPr>
+            <a:r>
+              <a:t/>
+            </a:r>
+            <a:endParaRPr/>
+          </a:p>
+        </p:txBody>
+      </p:sp>
+      <p:pic>
+        <p:nvPicPr>
+          <p:cNvPr id="378" name="Google Shape;378;p37"/>
+          <p:cNvPicPr preferRelativeResize="0"/>
+          <p:nvPr/>
+        </p:nvPicPr>
+        <p:blipFill rotWithShape="1">
+          <a:blip r:embed="rId3">
+            <a:alphaModFix/>
+          </a:blip>
+          <a:srcRect b="0" l="0" r="0" t="0"/>
+          <a:stretch/>
+        </p:blipFill>
+        <p:spPr>
+          <a:xfrm>
+            <a:off x="2258188" y="1399325"/>
+            <a:ext cx="7675628" cy="5865500"/>
+          </a:xfrm>
+          <a:prstGeom prst="rect">
+            <a:avLst/>
+          </a:prstGeom>
+          <a:noFill/>
+          <a:ln>
+            <a:noFill/>
+          </a:ln>
+        </p:spPr>
+      </p:pic>
+    </p:spTree>
+  </p:cSld>
+  <p:clrMapOvr>
+    <a:masterClrMapping/>
+  </p:clrMapOvr>
+</p:sld>
+</file>
+
+<file path=ppt/slides/slide7.xml><?xml version="1.0" encoding="utf-8"?>
+<p:sld xmlns:a="http://schemas.openxmlformats.org/drawingml/2006/main" xmlns:r="http://schemas.openxmlformats.org/officeDocument/2006/relationships" xmlns:mc="http://schemas.openxmlformats.org/markup-compatibility/2006" xmlns:mv="urn:schemas-microsoft-com:mac:vml" xmlns:p="http://schemas.openxmlformats.org/presentationml/2006/main" xmlns:c="http://schemas.openxmlformats.org/drawingml/2006/chart" xmlns:dgm="http://schemas.openxmlformats.org/drawingml/2006/diagram" xmlns:o="urn:schemas-microsoft-com:office:office" xmlns:v="urn:schemas-microsoft-com:vml" xmlns:pvml="urn:schemas-microsoft-com:office:powerpoint" xmlns:com="http://schemas.openxmlformats.org/drawingml/2006/compatibility" xmlns:p14="http://schemas.microsoft.com/office/powerpoint/2010/main" xmlns:p15="http://schemas.microsoft.com/office/powerpoint/2012/main">
+  <p:cSld>
+    <p:spTree>
+      <p:nvGrpSpPr>
+        <p:cNvPr id="382" name="Shape 382"/>
+        <p:cNvGrpSpPr/>
+        <p:nvPr/>
+      </p:nvGrpSpPr>
+      <p:grpSpPr>
+        <a:xfrm>
+          <a:off x="0" y="0"/>
+          <a:ext cx="0" cy="0"/>
+          <a:chOff x="0" y="0"/>
+          <a:chExt cx="0" cy="0"/>
+        </a:xfrm>
+      </p:grpSpPr>
+      <p:sp>
+        <p:nvSpPr>
+          <p:cNvPr id="383" name="Google Shape;383;p38"/>
+          <p:cNvSpPr txBox="1"/>
+          <p:nvPr>
+            <p:ph idx="1" type="subTitle"/>
+          </p:nvPr>
+        </p:nvSpPr>
+        <p:spPr>
+          <a:xfrm>
+            <a:off x="447775" y="55441"/>
+            <a:ext cx="5148900" cy="816300"/>
+          </a:xfrm>
+          <a:prstGeom prst="rect">
+            <a:avLst/>
+          </a:prstGeom>
+        </p:spPr>
+        <p:txBody>
+          <a:bodyPr anchorCtr="0" anchor="ctr" bIns="91425" lIns="438900" spcFirstLastPara="1" rIns="91425" wrap="square" tIns="91425">
+            <a:noAutofit/>
+          </a:bodyPr>
+          <a:lstStyle/>
+          <a:p>
+            <a:pPr indent="0" lvl="0" marL="0" rtl="0" algn="l">
+              <a:spcBef>
+                <a:spcPts val="0"/>
+              </a:spcBef>
+              <a:spcAft>
+                <a:spcPts val="0"/>
+              </a:spcAft>
+              <a:buNone/>
+            </a:pPr>
+            <a:r>
+              <a:t/>
+            </a:r>
+            <a:endParaRPr/>
+          </a:p>
+        </p:txBody>
+      </p:sp>
+      <p:sp>
+        <p:nvSpPr>
+          <p:cNvPr id="384" name="Google Shape;384;p38"/>
+          <p:cNvSpPr txBox="1"/>
+          <p:nvPr>
+            <p:ph idx="12" type="sldNum"/>
+          </p:nvPr>
+        </p:nvSpPr>
+        <p:spPr>
+          <a:xfrm>
+            <a:off x="81975" y="6169556"/>
+            <a:ext cx="731700" cy="143700"/>
+          </a:xfrm>
+          <a:prstGeom prst="rect">
+            <a:avLst/>
+          </a:prstGeom>
+        </p:spPr>
+        <p:txBody>
+          <a:bodyPr anchorCtr="0" anchor="b" bIns="0" lIns="0" spcFirstLastPara="1" rIns="0" wrap="square" tIns="0">
+            <a:noAutofit/>
+          </a:bodyPr>
+          <a:lstStyle/>
+          <a:p>
+            <a:pPr indent="0" lvl="0" marL="0" rtl="0" algn="ctr">
+              <a:spcBef>
+                <a:spcPts val="0"/>
+              </a:spcBef>
+              <a:spcAft>
+                <a:spcPts val="0"/>
+              </a:spcAft>
+              <a:buNone/>
+            </a:pPr>
+            <a:fld id="{00000000-1234-1234-1234-123412341234}" type="slidenum">
+              <a:rPr lang="en"/>
+              <a:t>‹#›</a:t>
+            </a:fld>
+            <a:endParaRPr/>
+          </a:p>
+        </p:txBody>
+      </p:sp>
+      <p:sp>
+        <p:nvSpPr>
+          <p:cNvPr id="385" name="Google Shape;385;p38"/>
+          <p:cNvSpPr txBox="1"/>
+          <p:nvPr>
+            <p:ph idx="2" type="subTitle"/>
+          </p:nvPr>
+        </p:nvSpPr>
+        <p:spPr>
+          <a:xfrm>
+            <a:off x="885050" y="6169550"/>
+            <a:ext cx="9182700" cy="559500"/>
+          </a:xfrm>
+          <a:prstGeom prst="rect">
+            <a:avLst/>
+          </a:prstGeom>
+        </p:spPr>
+        <p:txBody>
+          <a:bodyPr anchorCtr="0" anchor="b" bIns="0" lIns="0" spcFirstLastPara="1" rIns="0" wrap="square" tIns="0">
+            <a:noAutofit/>
+          </a:bodyPr>
+          <a:lstStyle/>
+          <a:p>
+            <a:pPr indent="0" lvl="0" marL="0" rtl="0" algn="l">
+              <a:spcBef>
+                <a:spcPts val="0"/>
+              </a:spcBef>
+              <a:spcAft>
+                <a:spcPts val="0"/>
+              </a:spcAft>
+              <a:buNone/>
+            </a:pPr>
+            <a:r>
+              <a:t/>
+            </a:r>
+            <a:endParaRPr/>
+          </a:p>
+        </p:txBody>
+      </p:sp>
+      <p:pic>
+        <p:nvPicPr>
+          <p:cNvPr id="386" name="Google Shape;386;p38"/>
+          <p:cNvPicPr preferRelativeResize="0"/>
+          <p:nvPr/>
+        </p:nvPicPr>
+        <p:blipFill rotWithShape="1">
+          <a:blip r:embed="rId3">
+            <a:alphaModFix/>
+          </a:blip>
+          <a:srcRect b="0" l="0" r="0" t="0"/>
+          <a:stretch/>
+        </p:blipFill>
+        <p:spPr>
+          <a:xfrm>
+            <a:off x="2220375" y="915625"/>
+            <a:ext cx="7751260" cy="5813426"/>
+          </a:xfrm>
+          <a:prstGeom prst="rect">
+            <a:avLst/>
+          </a:prstGeom>
+          <a:noFill/>
+          <a:ln>
+            <a:noFill/>
+          </a:ln>
+        </p:spPr>
+      </p:pic>
+    </p:spTree>
+  </p:cSld>
+  <p:clrMapOvr>
+    <a:masterClrMapping/>
+  </p:clrMapOvr>
+</p:sld>
+</file>
+
+<file path=ppt/slides/slide8.xml><?xml version="1.0" encoding="utf-8"?>
+<p:sld xmlns:a="http://schemas.openxmlformats.org/drawingml/2006/main" xmlns:r="http://schemas.openxmlformats.org/officeDocument/2006/relationships" xmlns:mc="http://schemas.openxmlformats.org/markup-compatibility/2006" xmlns:mv="urn:schemas-microsoft-com:mac:vml" xmlns:p="http://schemas.openxmlformats.org/presentationml/2006/main" xmlns:c="http://schemas.openxmlformats.org/drawingml/2006/chart" xmlns:dgm="http://schemas.openxmlformats.org/drawingml/2006/diagram" xmlns:o="urn:schemas-microsoft-com:office:office" xmlns:v="urn:schemas-microsoft-com:vml" xmlns:pvml="urn:schemas-microsoft-com:office:powerpoint" xmlns:com="http://schemas.openxmlformats.org/drawingml/2006/compatibility" xmlns:p14="http://schemas.microsoft.com/office/powerpoint/2010/main" xmlns:p15="http://schemas.microsoft.com/office/powerpoint/2012/main">
+  <p:cSld>
+    <p:spTree>
+      <p:nvGrpSpPr>
+        <p:cNvPr id="390" name="Shape 390"/>
+        <p:cNvGrpSpPr/>
+        <p:nvPr/>
+      </p:nvGrpSpPr>
+      <p:grpSpPr>
+        <a:xfrm>
+          <a:off x="0" y="0"/>
+          <a:ext cx="0" cy="0"/>
+          <a:chOff x="0" y="0"/>
+          <a:chExt cx="0" cy="0"/>
+        </a:xfrm>
+      </p:grpSpPr>
+      <p:sp>
+        <p:nvSpPr>
+          <p:cNvPr id="391" name="Google Shape;391;p39"/>
+          <p:cNvSpPr txBox="1"/>
+          <p:nvPr>
+            <p:ph idx="1" type="subTitle"/>
+          </p:nvPr>
+        </p:nvSpPr>
+        <p:spPr>
+          <a:xfrm>
+            <a:off x="447775" y="55441"/>
+            <a:ext cx="5148900" cy="816300"/>
+          </a:xfrm>
+          <a:prstGeom prst="rect">
+            <a:avLst/>
+          </a:prstGeom>
+        </p:spPr>
+        <p:txBody>
+          <a:bodyPr anchorCtr="0" anchor="ctr" bIns="91425" lIns="438900" spcFirstLastPara="1" rIns="91425" wrap="square" tIns="91425">
+            <a:noAutofit/>
+          </a:bodyPr>
+          <a:lstStyle/>
+          <a:p>
+            <a:pPr indent="0" lvl="0" marL="0" rtl="0" algn="l">
+              <a:spcBef>
+                <a:spcPts val="0"/>
+              </a:spcBef>
+              <a:spcAft>
+                <a:spcPts val="0"/>
+              </a:spcAft>
+              <a:buNone/>
+            </a:pPr>
+            <a:r>
+              <a:t/>
+            </a:r>
+            <a:endParaRPr/>
+          </a:p>
+        </p:txBody>
+      </p:sp>
+      <p:sp>
+        <p:nvSpPr>
+          <p:cNvPr id="392" name="Google Shape;392;p39"/>
+          <p:cNvSpPr txBox="1"/>
+          <p:nvPr>
+            <p:ph idx="12" type="sldNum"/>
+          </p:nvPr>
+        </p:nvSpPr>
+        <p:spPr>
+          <a:xfrm>
+            <a:off x="81975" y="6169556"/>
+            <a:ext cx="731700" cy="143700"/>
+          </a:xfrm>
+          <a:prstGeom prst="rect">
+            <a:avLst/>
+          </a:prstGeom>
+        </p:spPr>
+        <p:txBody>
+          <a:bodyPr anchorCtr="0" anchor="b" bIns="0" lIns="0" spcFirstLastPara="1" rIns="0" wrap="square" tIns="0">
+            <a:noAutofit/>
+          </a:bodyPr>
+          <a:lstStyle/>
+          <a:p>
+            <a:pPr indent="0" lvl="0" marL="0" rtl="0" algn="ctr">
+              <a:spcBef>
+                <a:spcPts val="0"/>
+              </a:spcBef>
+              <a:spcAft>
+                <a:spcPts val="0"/>
+              </a:spcAft>
+              <a:buNone/>
+            </a:pPr>
+            <a:fld id="{00000000-1234-1234-1234-123412341234}" type="slidenum">
+              <a:rPr lang="en"/>
+              <a:t>‹#›</a:t>
+            </a:fld>
+            <a:endParaRPr/>
+          </a:p>
+        </p:txBody>
+      </p:sp>
+      <p:sp>
+        <p:nvSpPr>
+          <p:cNvPr id="393" name="Google Shape;393;p39"/>
+          <p:cNvSpPr txBox="1"/>
+          <p:nvPr>
+            <p:ph idx="2" type="subTitle"/>
+          </p:nvPr>
+        </p:nvSpPr>
+        <p:spPr>
+          <a:xfrm>
+            <a:off x="885050" y="6169550"/>
+            <a:ext cx="9182700" cy="559500"/>
+          </a:xfrm>
+          <a:prstGeom prst="rect">
+            <a:avLst/>
+          </a:prstGeom>
+        </p:spPr>
+        <p:txBody>
+          <a:bodyPr anchorCtr="0" anchor="b" bIns="0" lIns="0" spcFirstLastPara="1" rIns="0" wrap="square" tIns="0">
+            <a:noAutofit/>
+          </a:bodyPr>
+          <a:lstStyle/>
+          <a:p>
+            <a:pPr indent="0" lvl="0" marL="0" rtl="0" algn="l">
+              <a:spcBef>
+                <a:spcPts val="0"/>
+              </a:spcBef>
+              <a:spcAft>
+                <a:spcPts val="0"/>
+              </a:spcAft>
+              <a:buNone/>
+            </a:pPr>
+            <a:r>
+              <a:t/>
+            </a:r>
+            <a:endParaRPr/>
+          </a:p>
+        </p:txBody>
+      </p:sp>
+      <p:pic>
+        <p:nvPicPr>
+          <p:cNvPr id="394" name="Google Shape;394;p39"/>
+          <p:cNvPicPr preferRelativeResize="0"/>
+          <p:nvPr/>
+        </p:nvPicPr>
+        <p:blipFill rotWithShape="1">
+          <a:blip r:embed="rId3">
+            <a:alphaModFix/>
+          </a:blip>
+          <a:srcRect b="0" l="0" r="0" t="0"/>
+          <a:stretch/>
+        </p:blipFill>
+        <p:spPr>
+          <a:xfrm>
+            <a:off x="2220375" y="991275"/>
+            <a:ext cx="7751260" cy="5813426"/>
+          </a:xfrm>
+          <a:prstGeom prst="rect">
+            <a:avLst/>
+          </a:prstGeom>
+          <a:noFill/>
+          <a:ln>
+            <a:noFill/>
+          </a:ln>
+        </p:spPr>
+      </p:pic>
+    </p:spTree>
+  </p:cSld>
+  <p:clrMapOvr>
+    <a:masterClrMapping/>
+  </p:clrMapOvr>
+</p:sld>
+</file>
+
+<file path=ppt/slides/slide9.xml><?xml version="1.0" encoding="utf-8"?>
+<p:sld xmlns:a="http://schemas.openxmlformats.org/drawingml/2006/main" xmlns:r="http://schemas.openxmlformats.org/officeDocument/2006/relationships" xmlns:mc="http://schemas.openxmlformats.org/markup-compatibility/2006" xmlns:mv="urn:schemas-microsoft-com:mac:vml" xmlns:p="http://schemas.openxmlformats.org/presentationml/2006/main" xmlns:c="http://schemas.openxmlformats.org/drawingml/2006/chart" xmlns:dgm="http://schemas.openxmlformats.org/drawingml/2006/diagram" xmlns:o="urn:schemas-microsoft-com:office:office" xmlns:v="urn:schemas-microsoft-com:vml" xmlns:pvml="urn:schemas-microsoft-com:office:powerpoint" xmlns:com="http://schemas.openxmlformats.org/drawingml/2006/compatibility" xmlns:p14="http://schemas.microsoft.com/office/powerpoint/2010/main" xmlns:p15="http://schemas.microsoft.com/office/powerpoint/2012/main">
+  <p:cSld>
+    <p:spTree>
+      <p:nvGrpSpPr>
+        <p:cNvPr id="398" name="Shape 398"/>
+        <p:cNvGrpSpPr/>
+        <p:nvPr/>
+      </p:nvGrpSpPr>
+      <p:grpSpPr>
+        <a:xfrm>
+          <a:off x="0" y="0"/>
+          <a:ext cx="0" cy="0"/>
+          <a:chOff x="0" y="0"/>
+          <a:chExt cx="0" cy="0"/>
+        </a:xfrm>
+      </p:grpSpPr>
+      <p:sp>
+        <p:nvSpPr>
+          <p:cNvPr id="399" name="Google Shape;399;p40"/>
           <p:cNvSpPr txBox="1"/>
           <p:nvPr>
             <p:ph idx="1" type="subTitle"/>
@@ -38784,7 +41690,7 @@
       </p:sp>
       <p:sp>
         <p:nvSpPr>
-          <p:cNvPr id="367" name="Google Shape;367;p36"/>
+          <p:cNvPr id="400" name="Google Shape;400;p40"/>
           <p:cNvSpPr txBox="1"/>
           <p:nvPr>
             <p:ph idx="12" type="sldNum"/>
@@ -38824,7 +41730,7 @@
       </p:sp>
       <p:pic>
         <p:nvPicPr>
-          <p:cNvPr id="368" name="Google Shape;368;p36"/>
+          <p:cNvPr id="401" name="Google Shape;401;p40"/>
           <p:cNvPicPr preferRelativeResize="0"/>
           <p:nvPr/>
         </p:nvPicPr>
@@ -38852,7 +41758,7 @@
       </p:pic>
       <p:sp>
         <p:nvSpPr>
-          <p:cNvPr id="369" name="Google Shape;369;p36"/>
+          <p:cNvPr id="402" name="Google Shape;402;p40"/>
           <p:cNvSpPr txBox="1"/>
           <p:nvPr/>
         </p:nvSpPr>
@@ -39029,1510 +41935,18 @@
   <p:clrMapOvr>
     <a:masterClrMapping/>
   </p:clrMapOvr>
-</p:sld>
-</file>
-
-<file path=ppt/slides/slide6.xml><?xml version="1.0" encoding="utf-8"?>
-<p:sld xmlns:a="http://schemas.openxmlformats.org/drawingml/2006/main" xmlns:r="http://schemas.openxmlformats.org/officeDocument/2006/relationships" xmlns:mc="http://schemas.openxmlformats.org/markup-compatibility/2006" xmlns:mv="urn:schemas-microsoft-com:mac:vml" xmlns:p="http://schemas.openxmlformats.org/presentationml/2006/main" xmlns:c="http://schemas.openxmlformats.org/drawingml/2006/chart" xmlns:dgm="http://schemas.openxmlformats.org/drawingml/2006/diagram" xmlns:o="urn:schemas-microsoft-com:office:office" xmlns:v="urn:schemas-microsoft-com:vml" xmlns:pvml="urn:schemas-microsoft-com:office:powerpoint" xmlns:com="http://schemas.openxmlformats.org/drawingml/2006/compatibility" xmlns:p14="http://schemas.microsoft.com/office/powerpoint/2010/main" xmlns:p15="http://schemas.microsoft.com/office/powerpoint/2012/main">
-  <p:cSld>
-    <p:spTree>
-      <p:nvGrpSpPr>
-        <p:cNvPr id="373" name="Shape 373"/>
-        <p:cNvGrpSpPr/>
-        <p:nvPr/>
-      </p:nvGrpSpPr>
-      <p:grpSpPr>
-        <a:xfrm>
-          <a:off x="0" y="0"/>
-          <a:ext cx="0" cy="0"/>
-          <a:chOff x="0" y="0"/>
-          <a:chExt cx="0" cy="0"/>
-        </a:xfrm>
-      </p:grpSpPr>
-      <p:sp>
-        <p:nvSpPr>
-          <p:cNvPr id="374" name="Google Shape;374;p37"/>
-          <p:cNvSpPr txBox="1"/>
-          <p:nvPr>
-            <p:ph type="title"/>
-          </p:nvPr>
-        </p:nvSpPr>
-        <p:spPr>
-          <a:xfrm>
-            <a:off x="1380950" y="530000"/>
-            <a:ext cx="8686800" cy="967500"/>
-          </a:xfrm>
-          <a:prstGeom prst="rect">
-            <a:avLst/>
-          </a:prstGeom>
-        </p:spPr>
-        <p:txBody>
-          <a:bodyPr anchorCtr="0" anchor="t" bIns="0" lIns="0" spcFirstLastPara="1" rIns="0" wrap="square" tIns="0">
-            <a:noAutofit/>
-          </a:bodyPr>
-          <a:lstStyle/>
-          <a:p>
-            <a:pPr indent="0" lvl="0" marL="0" rtl="0" algn="ctr">
-              <a:lnSpc>
-                <a:spcPct val="100000"/>
-              </a:lnSpc>
-              <a:spcBef>
-                <a:spcPts val="0"/>
-              </a:spcBef>
-              <a:spcAft>
-                <a:spcPts val="0"/>
-              </a:spcAft>
-              <a:buClr>
-                <a:schemeClr val="dk1"/>
-              </a:buClr>
-              <a:buSzPts val="1100"/>
-              <a:buFont typeface="Arial"/>
-              <a:buNone/>
-            </a:pPr>
-            <a:r>
-              <a:rPr b="1" lang="en" sz="2000">
-                <a:solidFill>
-                  <a:schemeClr val="dk1"/>
-                </a:solidFill>
-                <a:latin typeface="Overpass"/>
-                <a:ea typeface="Overpass"/>
-                <a:cs typeface="Overpass"/>
-                <a:sym typeface="Overpass"/>
-              </a:rPr>
-              <a:t>Components of Time Series </a:t>
-            </a:r>
-            <a:endParaRPr b="1" sz="2000">
-              <a:solidFill>
-                <a:schemeClr val="dk1"/>
-              </a:solidFill>
-              <a:latin typeface="Overpass"/>
-              <a:ea typeface="Overpass"/>
-              <a:cs typeface="Overpass"/>
-              <a:sym typeface="Overpass"/>
-            </a:endParaRPr>
-          </a:p>
-          <a:p>
-            <a:pPr indent="0" lvl="0" marL="0" rtl="0" algn="ctr">
-              <a:spcBef>
-                <a:spcPts val="0"/>
-              </a:spcBef>
-              <a:spcAft>
-                <a:spcPts val="0"/>
-              </a:spcAft>
-              <a:buNone/>
-            </a:pPr>
-            <a:r>
-              <a:t/>
-            </a:r>
-            <a:endParaRPr/>
-          </a:p>
-        </p:txBody>
-      </p:sp>
-      <p:sp>
-        <p:nvSpPr>
-          <p:cNvPr id="375" name="Google Shape;375;p37"/>
-          <p:cNvSpPr txBox="1"/>
-          <p:nvPr>
-            <p:ph idx="12" type="sldNum"/>
-          </p:nvPr>
-        </p:nvSpPr>
-        <p:spPr>
-          <a:xfrm>
-            <a:off x="81975" y="6169556"/>
-            <a:ext cx="731700" cy="143700"/>
-          </a:xfrm>
-          <a:prstGeom prst="rect">
-            <a:avLst/>
-          </a:prstGeom>
-        </p:spPr>
-        <p:txBody>
-          <a:bodyPr anchorCtr="0" anchor="b" bIns="0" lIns="0" spcFirstLastPara="1" rIns="0" wrap="square" tIns="0">
-            <a:noAutofit/>
-          </a:bodyPr>
-          <a:lstStyle/>
-          <a:p>
-            <a:pPr indent="0" lvl="0" marL="0" rtl="0" algn="ctr">
-              <a:spcBef>
-                <a:spcPts val="0"/>
-              </a:spcBef>
-              <a:spcAft>
-                <a:spcPts val="0"/>
-              </a:spcAft>
-              <a:buNone/>
-            </a:pPr>
-            <a:fld id="{00000000-1234-1234-1234-123412341234}" type="slidenum">
-              <a:rPr lang="en"/>
-              <a:t>‹#›</a:t>
-            </a:fld>
-            <a:endParaRPr/>
-          </a:p>
-        </p:txBody>
-      </p:sp>
-      <p:sp>
-        <p:nvSpPr>
-          <p:cNvPr id="376" name="Google Shape;376;p37"/>
-          <p:cNvSpPr txBox="1"/>
-          <p:nvPr>
-            <p:ph idx="2" type="subTitle"/>
-          </p:nvPr>
-        </p:nvSpPr>
-        <p:spPr>
-          <a:xfrm>
-            <a:off x="885050" y="6169550"/>
-            <a:ext cx="9182700" cy="559500"/>
-          </a:xfrm>
-          <a:prstGeom prst="rect">
-            <a:avLst/>
-          </a:prstGeom>
-        </p:spPr>
-        <p:txBody>
-          <a:bodyPr anchorCtr="0" anchor="b" bIns="0" lIns="0" spcFirstLastPara="1" rIns="0" wrap="square" tIns="0">
-            <a:noAutofit/>
-          </a:bodyPr>
-          <a:lstStyle/>
-          <a:p>
-            <a:pPr indent="0" lvl="0" marL="0" rtl="0" algn="l">
-              <a:spcBef>
-                <a:spcPts val="0"/>
-              </a:spcBef>
-              <a:spcAft>
-                <a:spcPts val="0"/>
-              </a:spcAft>
-              <a:buNone/>
-            </a:pPr>
-            <a:r>
-              <a:t/>
-            </a:r>
-            <a:endParaRPr/>
-          </a:p>
-        </p:txBody>
-      </p:sp>
-      <p:sp>
-        <p:nvSpPr>
-          <p:cNvPr id="377" name="Google Shape;377;p37"/>
-          <p:cNvSpPr txBox="1"/>
-          <p:nvPr/>
-        </p:nvSpPr>
-        <p:spPr>
-          <a:xfrm>
-            <a:off x="885048" y="1497500"/>
-            <a:ext cx="2117100" cy="559500"/>
-          </a:xfrm>
-          <a:prstGeom prst="rect">
-            <a:avLst/>
-          </a:prstGeom>
-          <a:noFill/>
-          <a:ln cap="flat" cmpd="sng" w="9525">
-            <a:solidFill>
-              <a:srgbClr val="999999"/>
-            </a:solidFill>
-            <a:prstDash val="solid"/>
-            <a:round/>
-            <a:headEnd len="sm" w="sm" type="none"/>
-            <a:tailEnd len="sm" w="sm" type="none"/>
-          </a:ln>
-        </p:spPr>
-        <p:txBody>
-          <a:bodyPr anchorCtr="0" anchor="ctr" bIns="91425" lIns="91425" spcFirstLastPara="1" rIns="91425" wrap="square" tIns="91425">
-            <a:noAutofit/>
-          </a:bodyPr>
-          <a:lstStyle/>
-          <a:p>
-            <a:pPr indent="0" lvl="0" marL="0" rtl="0" algn="ctr">
-              <a:spcBef>
-                <a:spcPts val="0"/>
-              </a:spcBef>
-              <a:spcAft>
-                <a:spcPts val="0"/>
-              </a:spcAft>
-              <a:buNone/>
-            </a:pPr>
-            <a:r>
-              <a:rPr b="1" lang="en" sz="1800">
-                <a:solidFill>
-                  <a:srgbClr val="000000"/>
-                </a:solidFill>
-                <a:latin typeface="Overpass"/>
-                <a:ea typeface="Overpass"/>
-                <a:cs typeface="Overpass"/>
-                <a:sym typeface="Overpass"/>
-              </a:rPr>
-              <a:t>Trend </a:t>
-            </a:r>
-            <a:endParaRPr b="1" sz="1800">
-              <a:solidFill>
-                <a:srgbClr val="000000"/>
-              </a:solidFill>
-              <a:latin typeface="Overpass"/>
-              <a:ea typeface="Overpass"/>
-              <a:cs typeface="Overpass"/>
-              <a:sym typeface="Overpass"/>
-            </a:endParaRPr>
-          </a:p>
-        </p:txBody>
-      </p:sp>
-      <p:sp>
-        <p:nvSpPr>
-          <p:cNvPr id="378" name="Google Shape;378;p37"/>
-          <p:cNvSpPr txBox="1"/>
-          <p:nvPr/>
-        </p:nvSpPr>
-        <p:spPr>
-          <a:xfrm>
-            <a:off x="885051" y="3717662"/>
-            <a:ext cx="2117100" cy="559500"/>
-          </a:xfrm>
-          <a:prstGeom prst="rect">
-            <a:avLst/>
-          </a:prstGeom>
-          <a:noFill/>
-          <a:ln cap="flat" cmpd="sng" w="9525">
-            <a:solidFill>
-              <a:srgbClr val="999999"/>
-            </a:solidFill>
-            <a:prstDash val="solid"/>
-            <a:round/>
-            <a:headEnd len="sm" w="sm" type="none"/>
-            <a:tailEnd len="sm" w="sm" type="none"/>
-          </a:ln>
-        </p:spPr>
-        <p:txBody>
-          <a:bodyPr anchorCtr="0" anchor="ctr" bIns="91425" lIns="91425" spcFirstLastPara="1" rIns="91425" wrap="square" tIns="91425">
-            <a:noAutofit/>
-          </a:bodyPr>
-          <a:lstStyle/>
-          <a:p>
-            <a:pPr indent="0" lvl="0" marL="0" rtl="0" algn="ctr">
-              <a:spcBef>
-                <a:spcPts val="0"/>
-              </a:spcBef>
-              <a:spcAft>
-                <a:spcPts val="0"/>
-              </a:spcAft>
-              <a:buNone/>
-            </a:pPr>
-            <a:r>
-              <a:rPr b="1" lang="en" sz="1800">
-                <a:solidFill>
-                  <a:srgbClr val="000000"/>
-                </a:solidFill>
-                <a:latin typeface="Overpass"/>
-                <a:ea typeface="Overpass"/>
-                <a:cs typeface="Overpass"/>
-                <a:sym typeface="Overpass"/>
-              </a:rPr>
-              <a:t>Seasonality</a:t>
-            </a:r>
-            <a:endParaRPr b="1" sz="1800">
-              <a:solidFill>
-                <a:srgbClr val="000000"/>
-              </a:solidFill>
-              <a:latin typeface="Overpass"/>
-              <a:ea typeface="Overpass"/>
-              <a:cs typeface="Overpass"/>
-              <a:sym typeface="Overpass"/>
-            </a:endParaRPr>
-          </a:p>
-        </p:txBody>
-      </p:sp>
-      <p:sp>
-        <p:nvSpPr>
-          <p:cNvPr id="379" name="Google Shape;379;p37"/>
-          <p:cNvSpPr txBox="1"/>
-          <p:nvPr/>
-        </p:nvSpPr>
-        <p:spPr>
-          <a:xfrm>
-            <a:off x="813675" y="2137319"/>
-            <a:ext cx="3000000" cy="1500000"/>
-          </a:xfrm>
-          <a:prstGeom prst="rect">
-            <a:avLst/>
-          </a:prstGeom>
-          <a:noFill/>
-          <a:ln>
-            <a:noFill/>
-          </a:ln>
-        </p:spPr>
-        <p:txBody>
-          <a:bodyPr anchorCtr="0" anchor="t" bIns="91425" lIns="91425" spcFirstLastPara="1" rIns="91425" wrap="square" tIns="91425">
-            <a:noAutofit/>
-          </a:bodyPr>
-          <a:lstStyle/>
-          <a:p>
-            <a:pPr indent="0" lvl="0" marL="0" rtl="0" algn="l">
-              <a:spcBef>
-                <a:spcPts val="0"/>
-              </a:spcBef>
-              <a:spcAft>
-                <a:spcPts val="0"/>
-              </a:spcAft>
-              <a:buNone/>
-            </a:pPr>
-            <a:r>
-              <a:rPr lang="en" sz="1800">
-                <a:solidFill>
-                  <a:schemeClr val="dk1"/>
-                </a:solidFill>
-                <a:latin typeface="Overpass"/>
-                <a:ea typeface="Overpass"/>
-                <a:cs typeface="Overpass"/>
-                <a:sym typeface="Overpass"/>
-              </a:rPr>
-              <a:t>Increase or decrease in the series over a period of time. </a:t>
-            </a:r>
-            <a:endParaRPr sz="1800">
-              <a:solidFill>
-                <a:schemeClr val="dk1"/>
-              </a:solidFill>
-              <a:latin typeface="Overpass"/>
-              <a:ea typeface="Overpass"/>
-              <a:cs typeface="Overpass"/>
-              <a:sym typeface="Overpass"/>
-            </a:endParaRPr>
-          </a:p>
-        </p:txBody>
-      </p:sp>
-      <p:sp>
-        <p:nvSpPr>
-          <p:cNvPr id="380" name="Google Shape;380;p37"/>
-          <p:cNvSpPr txBox="1"/>
-          <p:nvPr/>
-        </p:nvSpPr>
-        <p:spPr>
-          <a:xfrm>
-            <a:off x="813675" y="4376725"/>
-            <a:ext cx="3000000" cy="3000000"/>
-          </a:xfrm>
-          <a:prstGeom prst="rect">
-            <a:avLst/>
-          </a:prstGeom>
-          <a:noFill/>
-          <a:ln>
-            <a:noFill/>
-          </a:ln>
-        </p:spPr>
-        <p:txBody>
-          <a:bodyPr anchorCtr="0" anchor="t" bIns="91425" lIns="91425" spcFirstLastPara="1" rIns="91425" wrap="square" tIns="91425">
-            <a:noAutofit/>
-          </a:bodyPr>
-          <a:lstStyle/>
-          <a:p>
-            <a:pPr indent="0" lvl="0" marL="0" rtl="0" algn="l">
-              <a:spcBef>
-                <a:spcPts val="0"/>
-              </a:spcBef>
-              <a:spcAft>
-                <a:spcPts val="0"/>
-              </a:spcAft>
-              <a:buNone/>
-            </a:pPr>
-            <a:r>
-              <a:rPr lang="en" sz="1800">
-                <a:solidFill>
-                  <a:schemeClr val="dk1"/>
-                </a:solidFill>
-                <a:latin typeface="Overpass"/>
-                <a:ea typeface="Overpass"/>
-                <a:cs typeface="Overpass"/>
-                <a:sym typeface="Overpass"/>
-              </a:rPr>
-              <a:t>Regular pattern of up and down fluctuations. It is a short-term variation occurring due to seasonal factors.</a:t>
-            </a:r>
-            <a:endParaRPr sz="1800"/>
-          </a:p>
-        </p:txBody>
-      </p:sp>
-      <p:pic>
-        <p:nvPicPr>
-          <p:cNvPr id="381" name="Google Shape;381;p37"/>
-          <p:cNvPicPr preferRelativeResize="0"/>
-          <p:nvPr/>
-        </p:nvPicPr>
-        <p:blipFill>
-          <a:blip r:embed="rId3">
-            <a:alphaModFix/>
-          </a:blip>
-          <a:stretch>
-            <a:fillRect/>
-          </a:stretch>
-        </p:blipFill>
-        <p:spPr>
-          <a:xfrm>
-            <a:off x="4634951" y="1065313"/>
-            <a:ext cx="6761426" cy="4945375"/>
-          </a:xfrm>
-          <a:prstGeom prst="rect">
-            <a:avLst/>
-          </a:prstGeom>
-          <a:noFill/>
-          <a:ln>
-            <a:noFill/>
-          </a:ln>
-        </p:spPr>
-      </p:pic>
-    </p:spTree>
-  </p:cSld>
-  <p:clrMapOvr>
-    <a:masterClrMapping/>
-  </p:clrMapOvr>
-</p:sld>
-</file>
-
-<file path=ppt/slides/slide7.xml><?xml version="1.0" encoding="utf-8"?>
-<p:sld xmlns:a="http://schemas.openxmlformats.org/drawingml/2006/main" xmlns:r="http://schemas.openxmlformats.org/officeDocument/2006/relationships" xmlns:mc="http://schemas.openxmlformats.org/markup-compatibility/2006" xmlns:mv="urn:schemas-microsoft-com:mac:vml" xmlns:p="http://schemas.openxmlformats.org/presentationml/2006/main" xmlns:c="http://schemas.openxmlformats.org/drawingml/2006/chart" xmlns:dgm="http://schemas.openxmlformats.org/drawingml/2006/diagram" xmlns:o="urn:schemas-microsoft-com:office:office" xmlns:v="urn:schemas-microsoft-com:vml" xmlns:pvml="urn:schemas-microsoft-com:office:powerpoint" xmlns:com="http://schemas.openxmlformats.org/drawingml/2006/compatibility" xmlns:p14="http://schemas.microsoft.com/office/powerpoint/2010/main" xmlns:p15="http://schemas.microsoft.com/office/powerpoint/2012/main">
-  <p:cSld>
-    <p:spTree>
-      <p:nvGrpSpPr>
-        <p:cNvPr id="385" name="Shape 385"/>
-        <p:cNvGrpSpPr/>
-        <p:nvPr/>
-      </p:nvGrpSpPr>
-      <p:grpSpPr>
-        <a:xfrm>
-          <a:off x="0" y="0"/>
-          <a:ext cx="0" cy="0"/>
-          <a:chOff x="0" y="0"/>
-          <a:chExt cx="0" cy="0"/>
-        </a:xfrm>
-      </p:grpSpPr>
-      <p:sp>
-        <p:nvSpPr>
-          <p:cNvPr id="386" name="Google Shape;386;p38"/>
-          <p:cNvSpPr txBox="1"/>
-          <p:nvPr>
-            <p:ph type="title"/>
-          </p:nvPr>
-        </p:nvSpPr>
-        <p:spPr>
-          <a:xfrm>
-            <a:off x="722200" y="680400"/>
-            <a:ext cx="8686800" cy="967500"/>
-          </a:xfrm>
-          <a:prstGeom prst="rect">
-            <a:avLst/>
-          </a:prstGeom>
-        </p:spPr>
-        <p:txBody>
-          <a:bodyPr anchorCtr="0" anchor="t" bIns="0" lIns="0" spcFirstLastPara="1" rIns="0" wrap="square" tIns="0">
-            <a:noAutofit/>
-          </a:bodyPr>
-          <a:lstStyle/>
-          <a:p>
-            <a:pPr indent="0" lvl="0" marL="0" rtl="0" algn="l">
-              <a:spcBef>
-                <a:spcPts val="0"/>
-              </a:spcBef>
-              <a:spcAft>
-                <a:spcPts val="0"/>
-              </a:spcAft>
-              <a:buNone/>
-            </a:pPr>
-            <a:r>
-              <a:rPr lang="en">
-                <a:solidFill>
-                  <a:srgbClr val="980000"/>
-                </a:solidFill>
-              </a:rPr>
-              <a:t>Implementation</a:t>
-            </a:r>
-            <a:endParaRPr>
-              <a:solidFill>
-                <a:srgbClr val="980000"/>
-              </a:solidFill>
-            </a:endParaRPr>
-          </a:p>
-        </p:txBody>
-      </p:sp>
-      <p:sp>
-        <p:nvSpPr>
-          <p:cNvPr id="387" name="Google Shape;387;p38"/>
-          <p:cNvSpPr txBox="1"/>
-          <p:nvPr>
-            <p:ph idx="1" type="subTitle"/>
-          </p:nvPr>
-        </p:nvSpPr>
-        <p:spPr>
-          <a:xfrm>
-            <a:off x="439725" y="71516"/>
-            <a:ext cx="5148900" cy="816300"/>
-          </a:xfrm>
-          <a:prstGeom prst="rect">
-            <a:avLst/>
-          </a:prstGeom>
-        </p:spPr>
-        <p:txBody>
-          <a:bodyPr anchorCtr="0" anchor="ctr" bIns="91425" lIns="438900" spcFirstLastPara="1" rIns="91425" wrap="square" tIns="91425">
-            <a:noAutofit/>
-          </a:bodyPr>
-          <a:lstStyle/>
-          <a:p>
-            <a:pPr indent="0" lvl="0" marL="0" rtl="0" algn="l">
-              <a:spcBef>
-                <a:spcPts val="0"/>
-              </a:spcBef>
-              <a:spcAft>
-                <a:spcPts val="0"/>
-              </a:spcAft>
-              <a:buNone/>
-            </a:pPr>
-            <a:r>
-              <a:rPr lang="en"/>
-              <a:t>AI Ops</a:t>
-            </a:r>
-            <a:endParaRPr/>
-          </a:p>
-        </p:txBody>
-      </p:sp>
-      <p:sp>
-        <p:nvSpPr>
-          <p:cNvPr id="388" name="Google Shape;388;p38"/>
-          <p:cNvSpPr txBox="1"/>
-          <p:nvPr>
-            <p:ph idx="12" type="sldNum"/>
-          </p:nvPr>
-        </p:nvSpPr>
-        <p:spPr>
-          <a:xfrm>
-            <a:off x="81975" y="6169556"/>
-            <a:ext cx="731700" cy="143700"/>
-          </a:xfrm>
-          <a:prstGeom prst="rect">
-            <a:avLst/>
-          </a:prstGeom>
-        </p:spPr>
-        <p:txBody>
-          <a:bodyPr anchorCtr="0" anchor="b" bIns="0" lIns="0" spcFirstLastPara="1" rIns="0" wrap="square" tIns="0">
-            <a:noAutofit/>
-          </a:bodyPr>
-          <a:lstStyle/>
-          <a:p>
-            <a:pPr indent="0" lvl="0" marL="0" rtl="0" algn="ctr">
-              <a:spcBef>
-                <a:spcPts val="0"/>
-              </a:spcBef>
-              <a:spcAft>
-                <a:spcPts val="0"/>
-              </a:spcAft>
-              <a:buNone/>
-            </a:pPr>
-            <a:fld id="{00000000-1234-1234-1234-123412341234}" type="slidenum">
-              <a:rPr lang="en"/>
-              <a:t>‹#›</a:t>
-            </a:fld>
-            <a:endParaRPr/>
-          </a:p>
-        </p:txBody>
-      </p:sp>
-      <p:pic>
-        <p:nvPicPr>
-          <p:cNvPr id="389" name="Google Shape;389;p38"/>
-          <p:cNvPicPr preferRelativeResize="0"/>
-          <p:nvPr/>
-        </p:nvPicPr>
-        <p:blipFill>
-          <a:blip r:embed="rId3">
-            <a:alphaModFix/>
-          </a:blip>
-          <a:stretch>
-            <a:fillRect/>
-          </a:stretch>
-        </p:blipFill>
-        <p:spPr>
-          <a:xfrm>
-            <a:off x="2083050" y="1122275"/>
-            <a:ext cx="7677101" cy="5401099"/>
-          </a:xfrm>
-          <a:prstGeom prst="rect">
-            <a:avLst/>
-          </a:prstGeom>
-          <a:noFill/>
-          <a:ln>
-            <a:noFill/>
-          </a:ln>
-        </p:spPr>
-      </p:pic>
-    </p:spTree>
-  </p:cSld>
-  <p:clrMapOvr>
-    <a:masterClrMapping/>
-  </p:clrMapOvr>
-</p:sld>
-</file>
-
-<file path=ppt/slides/slide8.xml><?xml version="1.0" encoding="utf-8"?>
-<p:sld xmlns:a="http://schemas.openxmlformats.org/drawingml/2006/main" xmlns:r="http://schemas.openxmlformats.org/officeDocument/2006/relationships" xmlns:mc="http://schemas.openxmlformats.org/markup-compatibility/2006" xmlns:mv="urn:schemas-microsoft-com:mac:vml" xmlns:p="http://schemas.openxmlformats.org/presentationml/2006/main" xmlns:c="http://schemas.openxmlformats.org/drawingml/2006/chart" xmlns:dgm="http://schemas.openxmlformats.org/drawingml/2006/diagram" xmlns:o="urn:schemas-microsoft-com:office:office" xmlns:v="urn:schemas-microsoft-com:vml" xmlns:pvml="urn:schemas-microsoft-com:office:powerpoint" xmlns:com="http://schemas.openxmlformats.org/drawingml/2006/compatibility" xmlns:p14="http://schemas.microsoft.com/office/powerpoint/2010/main" xmlns:p15="http://schemas.microsoft.com/office/powerpoint/2012/main">
-  <p:cSld>
-    <p:spTree>
-      <p:nvGrpSpPr>
-        <p:cNvPr id="393" name="Shape 393"/>
-        <p:cNvGrpSpPr/>
-        <p:nvPr/>
-      </p:nvGrpSpPr>
-      <p:grpSpPr>
-        <a:xfrm>
-          <a:off x="0" y="0"/>
-          <a:ext cx="0" cy="0"/>
-          <a:chOff x="0" y="0"/>
-          <a:chExt cx="0" cy="0"/>
-        </a:xfrm>
-      </p:grpSpPr>
-      <p:sp>
-        <p:nvSpPr>
-          <p:cNvPr id="394" name="Google Shape;394;p39"/>
-          <p:cNvSpPr txBox="1"/>
-          <p:nvPr>
-            <p:ph idx="1" type="subTitle"/>
-          </p:nvPr>
-        </p:nvSpPr>
-        <p:spPr>
-          <a:xfrm>
-            <a:off x="407550" y="-9"/>
-            <a:ext cx="5148900" cy="816300"/>
-          </a:xfrm>
-          <a:prstGeom prst="rect">
-            <a:avLst/>
-          </a:prstGeom>
-        </p:spPr>
-        <p:txBody>
-          <a:bodyPr anchorCtr="0" anchor="ctr" bIns="91425" lIns="438900" spcFirstLastPara="1" rIns="91425" wrap="square" tIns="91425">
-            <a:noAutofit/>
-          </a:bodyPr>
-          <a:lstStyle/>
-          <a:p>
-            <a:pPr indent="0" lvl="0" marL="0" rtl="0" algn="l">
-              <a:spcBef>
-                <a:spcPts val="0"/>
-              </a:spcBef>
-              <a:spcAft>
-                <a:spcPts val="0"/>
-              </a:spcAft>
-              <a:buNone/>
-            </a:pPr>
-            <a:r>
-              <a:rPr lang="en"/>
-              <a:t>AI Ops</a:t>
-            </a:r>
-            <a:endParaRPr/>
-          </a:p>
-        </p:txBody>
-      </p:sp>
-      <p:sp>
-        <p:nvSpPr>
-          <p:cNvPr id="395" name="Google Shape;395;p39"/>
-          <p:cNvSpPr txBox="1"/>
-          <p:nvPr>
-            <p:ph idx="12" type="sldNum"/>
-          </p:nvPr>
-        </p:nvSpPr>
-        <p:spPr>
-          <a:xfrm>
-            <a:off x="81975" y="6169556"/>
-            <a:ext cx="731700" cy="143700"/>
-          </a:xfrm>
-          <a:prstGeom prst="rect">
-            <a:avLst/>
-          </a:prstGeom>
-        </p:spPr>
-        <p:txBody>
-          <a:bodyPr anchorCtr="0" anchor="b" bIns="0" lIns="0" spcFirstLastPara="1" rIns="0" wrap="square" tIns="0">
-            <a:noAutofit/>
-          </a:bodyPr>
-          <a:lstStyle/>
-          <a:p>
-            <a:pPr indent="0" lvl="0" marL="0" rtl="0" algn="ctr">
-              <a:spcBef>
-                <a:spcPts val="0"/>
-              </a:spcBef>
-              <a:spcAft>
-                <a:spcPts val="0"/>
-              </a:spcAft>
-              <a:buNone/>
-            </a:pPr>
-            <a:fld id="{00000000-1234-1234-1234-123412341234}" type="slidenum">
-              <a:rPr lang="en"/>
-              <a:t>‹#›</a:t>
-            </a:fld>
-            <a:endParaRPr/>
-          </a:p>
-        </p:txBody>
-      </p:sp>
-      <p:pic>
-        <p:nvPicPr>
-          <p:cNvPr id="396" name="Google Shape;396;p39"/>
-          <p:cNvPicPr preferRelativeResize="0"/>
-          <p:nvPr/>
-        </p:nvPicPr>
-        <p:blipFill>
-          <a:blip r:embed="rId3">
-            <a:alphaModFix/>
-          </a:blip>
-          <a:stretch>
-            <a:fillRect/>
-          </a:stretch>
-        </p:blipFill>
-        <p:spPr>
-          <a:xfrm>
-            <a:off x="1342525" y="1137175"/>
-            <a:ext cx="9117200" cy="4843324"/>
-          </a:xfrm>
-          <a:prstGeom prst="rect">
-            <a:avLst/>
-          </a:prstGeom>
-          <a:noFill/>
-          <a:ln>
-            <a:noFill/>
-          </a:ln>
-        </p:spPr>
-      </p:pic>
-      <p:cxnSp>
-        <p:nvCxnSpPr>
-          <p:cNvPr id="397" name="Google Shape;397;p39"/>
-          <p:cNvCxnSpPr/>
-          <p:nvPr/>
-        </p:nvCxnSpPr>
-        <p:spPr>
-          <a:xfrm>
-            <a:off x="4293425" y="1792900"/>
-            <a:ext cx="787800" cy="0"/>
-          </a:xfrm>
-          <a:prstGeom prst="straightConnector1">
-            <a:avLst/>
-          </a:prstGeom>
-          <a:noFill/>
-          <a:ln cap="flat" cmpd="sng" w="9525">
-            <a:solidFill>
-              <a:srgbClr val="FFFFFF"/>
-            </a:solidFill>
-            <a:prstDash val="solid"/>
-            <a:round/>
-            <a:headEnd len="med" w="med" type="none"/>
-            <a:tailEnd len="med" w="med" type="triangle"/>
-          </a:ln>
-        </p:spPr>
-      </p:cxnSp>
-      <p:sp>
-        <p:nvSpPr>
-          <p:cNvPr id="398" name="Google Shape;398;p39"/>
-          <p:cNvSpPr/>
-          <p:nvPr/>
-        </p:nvSpPr>
-        <p:spPr>
-          <a:xfrm>
-            <a:off x="5312525" y="2757675"/>
-            <a:ext cx="387738" cy="671342"/>
-          </a:xfrm>
-          <a:custGeom>
-            <a:rect b="b" l="l" r="r" t="t"/>
-            <a:pathLst>
-              <a:path extrusionOk="0" h="23798" w="15115">
-                <a:moveTo>
-                  <a:pt x="322" y="23798"/>
-                </a:moveTo>
-                <a:lnTo>
-                  <a:pt x="0" y="0"/>
-                </a:lnTo>
-                <a:lnTo>
-                  <a:pt x="15115" y="321"/>
-                </a:lnTo>
-              </a:path>
-            </a:pathLst>
-          </a:custGeom>
-          <a:noFill/>
-          <a:ln cap="flat" cmpd="sng" w="9525">
-            <a:solidFill>
-              <a:srgbClr val="FFFFFF"/>
-            </a:solidFill>
-            <a:prstDash val="solid"/>
-            <a:round/>
-            <a:headEnd len="med" w="med" type="none"/>
-            <a:tailEnd len="med" w="med" type="stealth"/>
-          </a:ln>
-        </p:spPr>
-      </p:sp>
-      <p:sp>
-        <p:nvSpPr>
-          <p:cNvPr id="399" name="Google Shape;399;p39"/>
-          <p:cNvSpPr/>
-          <p:nvPr/>
-        </p:nvSpPr>
-        <p:spPr>
-          <a:xfrm>
-            <a:off x="5443050" y="5125500"/>
-            <a:ext cx="450225" cy="450225"/>
-          </a:xfrm>
-          <a:custGeom>
-            <a:rect b="b" l="l" r="r" t="t"/>
-            <a:pathLst>
-              <a:path extrusionOk="0" h="18009" w="18009">
-                <a:moveTo>
-                  <a:pt x="321" y="0"/>
-                </a:moveTo>
-                <a:lnTo>
-                  <a:pt x="0" y="18009"/>
-                </a:lnTo>
-                <a:lnTo>
-                  <a:pt x="18009" y="18009"/>
-                </a:lnTo>
-              </a:path>
-            </a:pathLst>
-          </a:custGeom>
-          <a:noFill/>
-          <a:ln cap="flat" cmpd="sng" w="9525">
-            <a:solidFill>
-              <a:srgbClr val="FFFFFF"/>
-            </a:solidFill>
-            <a:prstDash val="solid"/>
-            <a:round/>
-            <a:headEnd len="med" w="med" type="none"/>
-            <a:tailEnd len="med" w="med" type="stealth"/>
-          </a:ln>
-        </p:spPr>
-      </p:sp>
-      <p:cxnSp>
-        <p:nvCxnSpPr>
-          <p:cNvPr id="400" name="Google Shape;400;p39"/>
-          <p:cNvCxnSpPr/>
-          <p:nvPr/>
-        </p:nvCxnSpPr>
-        <p:spPr>
-          <a:xfrm flipH="1">
-            <a:off x="3650025" y="3429000"/>
-            <a:ext cx="8100" cy="1370700"/>
-          </a:xfrm>
-          <a:prstGeom prst="straightConnector1">
-            <a:avLst/>
-          </a:prstGeom>
-          <a:noFill/>
-          <a:ln cap="flat" cmpd="sng" w="9525">
-            <a:solidFill>
-              <a:srgbClr val="FFFFFF"/>
-            </a:solidFill>
-            <a:prstDash val="solid"/>
-            <a:round/>
-            <a:headEnd len="med" w="med" type="none"/>
-            <a:tailEnd len="med" w="med" type="triangle"/>
-          </a:ln>
-        </p:spPr>
-      </p:cxnSp>
-      <p:cxnSp>
-        <p:nvCxnSpPr>
-          <p:cNvPr id="401" name="Google Shape;401;p39"/>
-          <p:cNvCxnSpPr/>
-          <p:nvPr/>
-        </p:nvCxnSpPr>
-        <p:spPr>
-          <a:xfrm flipH="1" rot="10800000">
-            <a:off x="4116400" y="2355675"/>
-            <a:ext cx="932700" cy="643200"/>
-          </a:xfrm>
-          <a:prstGeom prst="straightConnector1">
-            <a:avLst/>
-          </a:prstGeom>
-          <a:noFill/>
-          <a:ln cap="flat" cmpd="sng" w="9525">
-            <a:solidFill>
-              <a:srgbClr val="FFFFFF"/>
-            </a:solidFill>
-            <a:prstDash val="solid"/>
-            <a:round/>
-            <a:headEnd len="med" w="med" type="none"/>
-            <a:tailEnd len="med" w="med" type="triangle"/>
-          </a:ln>
-        </p:spPr>
-      </p:cxnSp>
-      <p:sp>
-        <p:nvSpPr>
-          <p:cNvPr id="402" name="Google Shape;402;p39"/>
-          <p:cNvSpPr txBox="1"/>
-          <p:nvPr/>
-        </p:nvSpPr>
-        <p:spPr>
-          <a:xfrm>
-            <a:off x="5081225" y="1591938"/>
-            <a:ext cx="1503300" cy="329700"/>
-          </a:xfrm>
-          <a:prstGeom prst="rect">
-            <a:avLst/>
-          </a:prstGeom>
-          <a:noFill/>
-          <a:ln>
-            <a:noFill/>
-          </a:ln>
-        </p:spPr>
-        <p:txBody>
-          <a:bodyPr anchorCtr="0" anchor="t" bIns="91425" lIns="91425" spcFirstLastPara="1" rIns="91425" wrap="square" tIns="91425">
-            <a:noAutofit/>
-          </a:bodyPr>
-          <a:lstStyle/>
-          <a:p>
-            <a:pPr indent="0" lvl="0" marL="0" rtl="0" algn="l">
-              <a:spcBef>
-                <a:spcPts val="0"/>
-              </a:spcBef>
-              <a:spcAft>
-                <a:spcPts val="0"/>
-              </a:spcAft>
-              <a:buNone/>
-            </a:pPr>
-            <a:r>
-              <a:rPr lang="en">
-                <a:solidFill>
-                  <a:srgbClr val="FFFFFF"/>
-                </a:solidFill>
-                <a:latin typeface="Overpass Light"/>
-                <a:ea typeface="Overpass Light"/>
-                <a:cs typeface="Overpass Light"/>
-                <a:sym typeface="Overpass Light"/>
-              </a:rPr>
-              <a:t>Anomaly</a:t>
-            </a:r>
-            <a:endParaRPr>
-              <a:solidFill>
-                <a:srgbClr val="FFFFFF"/>
-              </a:solidFill>
-              <a:latin typeface="Overpass Light"/>
-              <a:ea typeface="Overpass Light"/>
-              <a:cs typeface="Overpass Light"/>
-              <a:sym typeface="Overpass Light"/>
-            </a:endParaRPr>
-          </a:p>
-        </p:txBody>
-      </p:sp>
-      <p:sp>
-        <p:nvSpPr>
-          <p:cNvPr id="403" name="Google Shape;403;p39"/>
-          <p:cNvSpPr txBox="1"/>
-          <p:nvPr/>
-        </p:nvSpPr>
-        <p:spPr>
-          <a:xfrm>
-            <a:off x="5081225" y="2086275"/>
-            <a:ext cx="1833000" cy="378000"/>
-          </a:xfrm>
-          <a:prstGeom prst="rect">
-            <a:avLst/>
-          </a:prstGeom>
-          <a:noFill/>
-          <a:ln>
-            <a:noFill/>
-          </a:ln>
-        </p:spPr>
-        <p:txBody>
-          <a:bodyPr anchorCtr="0" anchor="t" bIns="91425" lIns="91425" spcFirstLastPara="1" rIns="91425" wrap="square" tIns="91425">
-            <a:noAutofit/>
-          </a:bodyPr>
-          <a:lstStyle/>
-          <a:p>
-            <a:pPr indent="0" lvl="0" marL="0" rtl="0" algn="l">
-              <a:spcBef>
-                <a:spcPts val="0"/>
-              </a:spcBef>
-              <a:spcAft>
-                <a:spcPts val="0"/>
-              </a:spcAft>
-              <a:buNone/>
-            </a:pPr>
-            <a:r>
-              <a:rPr lang="en">
-                <a:solidFill>
-                  <a:srgbClr val="FFFFFF"/>
-                </a:solidFill>
-                <a:latin typeface="Overpass Light"/>
-                <a:ea typeface="Overpass Light"/>
-                <a:cs typeface="Overpass Light"/>
-                <a:sym typeface="Overpass Light"/>
-              </a:rPr>
-              <a:t>Predicted value</a:t>
-            </a:r>
-            <a:endParaRPr>
-              <a:solidFill>
-                <a:srgbClr val="FFFFFF"/>
-              </a:solidFill>
-              <a:latin typeface="Overpass Light"/>
-              <a:ea typeface="Overpass Light"/>
-              <a:cs typeface="Overpass Light"/>
-              <a:sym typeface="Overpass Light"/>
-            </a:endParaRPr>
-          </a:p>
-        </p:txBody>
-      </p:sp>
-      <p:sp>
-        <p:nvSpPr>
-          <p:cNvPr id="404" name="Google Shape;404;p39"/>
-          <p:cNvSpPr txBox="1"/>
-          <p:nvPr/>
-        </p:nvSpPr>
-        <p:spPr>
-          <a:xfrm>
-            <a:off x="5700250" y="2548575"/>
-            <a:ext cx="1262400" cy="257400"/>
-          </a:xfrm>
-          <a:prstGeom prst="rect">
-            <a:avLst/>
-          </a:prstGeom>
-          <a:noFill/>
-          <a:ln>
-            <a:noFill/>
-          </a:ln>
-        </p:spPr>
-        <p:txBody>
-          <a:bodyPr anchorCtr="0" anchor="t" bIns="91425" lIns="91425" spcFirstLastPara="1" rIns="91425" wrap="square" tIns="91425">
-            <a:noAutofit/>
-          </a:bodyPr>
-          <a:lstStyle/>
-          <a:p>
-            <a:pPr indent="0" lvl="0" marL="0" rtl="0" algn="l">
-              <a:spcBef>
-                <a:spcPts val="0"/>
-              </a:spcBef>
-              <a:spcAft>
-                <a:spcPts val="0"/>
-              </a:spcAft>
-              <a:buNone/>
-            </a:pPr>
-            <a:r>
-              <a:rPr lang="en">
-                <a:solidFill>
-                  <a:srgbClr val="FFFFFF"/>
-                </a:solidFill>
-                <a:latin typeface="Overpass Light"/>
-                <a:ea typeface="Overpass Light"/>
-                <a:cs typeface="Overpass Light"/>
-                <a:sym typeface="Overpass Light"/>
-              </a:rPr>
-              <a:t>yhat_upper</a:t>
-            </a:r>
-            <a:endParaRPr>
-              <a:solidFill>
-                <a:srgbClr val="FFFFFF"/>
-              </a:solidFill>
-              <a:latin typeface="Overpass Light"/>
-              <a:ea typeface="Overpass Light"/>
-              <a:cs typeface="Overpass Light"/>
-              <a:sym typeface="Overpass Light"/>
-            </a:endParaRPr>
-          </a:p>
-        </p:txBody>
-      </p:sp>
-      <p:sp>
-        <p:nvSpPr>
-          <p:cNvPr id="405" name="Google Shape;405;p39"/>
-          <p:cNvSpPr txBox="1"/>
-          <p:nvPr/>
-        </p:nvSpPr>
-        <p:spPr>
-          <a:xfrm>
-            <a:off x="5893275" y="5362775"/>
-            <a:ext cx="1221900" cy="329700"/>
-          </a:xfrm>
-          <a:prstGeom prst="rect">
-            <a:avLst/>
-          </a:prstGeom>
-          <a:noFill/>
-          <a:ln>
-            <a:noFill/>
-          </a:ln>
-        </p:spPr>
-        <p:txBody>
-          <a:bodyPr anchorCtr="0" anchor="t" bIns="91425" lIns="91425" spcFirstLastPara="1" rIns="91425" wrap="square" tIns="91425">
-            <a:noAutofit/>
-          </a:bodyPr>
-          <a:lstStyle/>
-          <a:p>
-            <a:pPr indent="0" lvl="0" marL="0" rtl="0" algn="l">
-              <a:spcBef>
-                <a:spcPts val="0"/>
-              </a:spcBef>
-              <a:spcAft>
-                <a:spcPts val="0"/>
-              </a:spcAft>
-              <a:buNone/>
-            </a:pPr>
-            <a:r>
-              <a:rPr lang="en">
-                <a:solidFill>
-                  <a:srgbClr val="FFFFFF"/>
-                </a:solidFill>
-                <a:latin typeface="Overpass Light"/>
-                <a:ea typeface="Overpass Light"/>
-                <a:cs typeface="Overpass Light"/>
-                <a:sym typeface="Overpass Light"/>
-              </a:rPr>
-              <a:t>yhat_lower</a:t>
-            </a:r>
-            <a:endParaRPr>
-              <a:solidFill>
-                <a:srgbClr val="FFFFFF"/>
-              </a:solidFill>
-              <a:latin typeface="Overpass Light"/>
-              <a:ea typeface="Overpass Light"/>
-              <a:cs typeface="Overpass Light"/>
-              <a:sym typeface="Overpass Light"/>
-            </a:endParaRPr>
-          </a:p>
-        </p:txBody>
-      </p:sp>
-      <p:sp>
-        <p:nvSpPr>
-          <p:cNvPr id="406" name="Google Shape;406;p39"/>
-          <p:cNvSpPr txBox="1"/>
-          <p:nvPr/>
-        </p:nvSpPr>
-        <p:spPr>
-          <a:xfrm>
-            <a:off x="2870225" y="4831925"/>
-            <a:ext cx="1889400" cy="329700"/>
-          </a:xfrm>
-          <a:prstGeom prst="rect">
-            <a:avLst/>
-          </a:prstGeom>
-          <a:noFill/>
-          <a:ln>
-            <a:noFill/>
-          </a:ln>
-        </p:spPr>
-        <p:txBody>
-          <a:bodyPr anchorCtr="0" anchor="t" bIns="91425" lIns="91425" spcFirstLastPara="1" rIns="91425" wrap="square" tIns="91425">
-            <a:noAutofit/>
-          </a:bodyPr>
-          <a:lstStyle/>
-          <a:p>
-            <a:pPr indent="0" lvl="0" marL="0" rtl="0" algn="l">
-              <a:spcBef>
-                <a:spcPts val="0"/>
-              </a:spcBef>
-              <a:spcAft>
-                <a:spcPts val="0"/>
-              </a:spcAft>
-              <a:buNone/>
-            </a:pPr>
-            <a:r>
-              <a:rPr lang="en">
-                <a:solidFill>
-                  <a:srgbClr val="FFFFFF"/>
-                </a:solidFill>
-                <a:latin typeface="Overpass Light"/>
-                <a:ea typeface="Overpass Light"/>
-                <a:cs typeface="Overpass Light"/>
-                <a:sym typeface="Overpass Light"/>
-              </a:rPr>
-              <a:t>Actual metric value</a:t>
-            </a:r>
-            <a:endParaRPr>
-              <a:solidFill>
-                <a:srgbClr val="FFFFFF"/>
-              </a:solidFill>
-              <a:latin typeface="Overpass Light"/>
-              <a:ea typeface="Overpass Light"/>
-              <a:cs typeface="Overpass Light"/>
-              <a:sym typeface="Overpass Light"/>
-            </a:endParaRPr>
-          </a:p>
-        </p:txBody>
-      </p:sp>
-      <p:sp>
-        <p:nvSpPr>
-          <p:cNvPr id="407" name="Google Shape;407;p39"/>
-          <p:cNvSpPr txBox="1"/>
-          <p:nvPr/>
-        </p:nvSpPr>
-        <p:spPr>
-          <a:xfrm>
-            <a:off x="667200" y="466300"/>
-            <a:ext cx="5364300" cy="594900"/>
-          </a:xfrm>
-          <a:prstGeom prst="rect">
-            <a:avLst/>
-          </a:prstGeom>
-          <a:noFill/>
-          <a:ln>
-            <a:noFill/>
-          </a:ln>
-        </p:spPr>
-        <p:txBody>
-          <a:bodyPr anchorCtr="0" anchor="t" bIns="91425" lIns="91425" spcFirstLastPara="1" rIns="91425" wrap="square" tIns="91425">
-            <a:noAutofit/>
-          </a:bodyPr>
-          <a:lstStyle/>
-          <a:p>
-            <a:pPr indent="0" lvl="0" marL="0" rtl="0" algn="l">
-              <a:spcBef>
-                <a:spcPts val="0"/>
-              </a:spcBef>
-              <a:spcAft>
-                <a:spcPts val="0"/>
-              </a:spcAft>
-              <a:buNone/>
-            </a:pPr>
-            <a:r>
-              <a:rPr lang="en" sz="2700">
-                <a:solidFill>
-                  <a:srgbClr val="980000"/>
-                </a:solidFill>
-                <a:latin typeface="Overpass Light"/>
-                <a:ea typeface="Overpass Light"/>
-                <a:cs typeface="Overpass Light"/>
-                <a:sym typeface="Overpass Light"/>
-              </a:rPr>
-              <a:t>Grafana Dashboard Visualization</a:t>
-            </a:r>
-            <a:endParaRPr sz="2700">
-              <a:solidFill>
-                <a:srgbClr val="980000"/>
-              </a:solidFill>
-              <a:latin typeface="Overpass Light"/>
-              <a:ea typeface="Overpass Light"/>
-              <a:cs typeface="Overpass Light"/>
-              <a:sym typeface="Overpass Light"/>
-            </a:endParaRPr>
-          </a:p>
-        </p:txBody>
-      </p:sp>
-    </p:spTree>
-  </p:cSld>
-  <p:clrMapOvr>
-    <a:masterClrMapping/>
-  </p:clrMapOvr>
-</p:sld>
-</file>
-
-<file path=ppt/slides/slide9.xml><?xml version="1.0" encoding="utf-8"?>
-<p:sld xmlns:a="http://schemas.openxmlformats.org/drawingml/2006/main" xmlns:r="http://schemas.openxmlformats.org/officeDocument/2006/relationships" xmlns:mc="http://schemas.openxmlformats.org/markup-compatibility/2006" xmlns:mv="urn:schemas-microsoft-com:mac:vml" xmlns:p="http://schemas.openxmlformats.org/presentationml/2006/main" xmlns:c="http://schemas.openxmlformats.org/drawingml/2006/chart" xmlns:dgm="http://schemas.openxmlformats.org/drawingml/2006/diagram" xmlns:o="urn:schemas-microsoft-com:office:office" xmlns:v="urn:schemas-microsoft-com:vml" xmlns:pvml="urn:schemas-microsoft-com:office:powerpoint" xmlns:com="http://schemas.openxmlformats.org/drawingml/2006/compatibility" xmlns:p14="http://schemas.microsoft.com/office/powerpoint/2010/main" xmlns:p15="http://schemas.microsoft.com/office/powerpoint/2012/main">
-  <p:cSld>
-    <p:spTree>
-      <p:nvGrpSpPr>
-        <p:cNvPr id="411" name="Shape 411"/>
-        <p:cNvGrpSpPr/>
-        <p:nvPr/>
-      </p:nvGrpSpPr>
-      <p:grpSpPr>
-        <a:xfrm>
-          <a:off x="0" y="0"/>
-          <a:ext cx="0" cy="0"/>
-          <a:chOff x="0" y="0"/>
-          <a:chExt cx="0" cy="0"/>
-        </a:xfrm>
-      </p:grpSpPr>
-      <p:sp>
-        <p:nvSpPr>
-          <p:cNvPr id="412" name="Google Shape;412;p40"/>
-          <p:cNvSpPr txBox="1"/>
-          <p:nvPr>
-            <p:ph idx="1" type="subTitle"/>
-          </p:nvPr>
-        </p:nvSpPr>
-        <p:spPr>
-          <a:xfrm>
-            <a:off x="528200" y="-49159"/>
-            <a:ext cx="5148900" cy="816300"/>
-          </a:xfrm>
-          <a:prstGeom prst="rect">
-            <a:avLst/>
-          </a:prstGeom>
-        </p:spPr>
-        <p:txBody>
-          <a:bodyPr anchorCtr="0" anchor="ctr" bIns="91425" lIns="438900" spcFirstLastPara="1" rIns="91425" wrap="square" tIns="91425">
-            <a:noAutofit/>
-          </a:bodyPr>
-          <a:lstStyle/>
-          <a:p>
-            <a:pPr indent="0" lvl="0" marL="0" rtl="0" algn="l">
-              <a:spcBef>
-                <a:spcPts val="0"/>
-              </a:spcBef>
-              <a:spcAft>
-                <a:spcPts val="0"/>
-              </a:spcAft>
-              <a:buNone/>
-            </a:pPr>
-            <a:r>
-              <a:rPr lang="en"/>
-              <a:t>AI Ops</a:t>
-            </a:r>
-            <a:endParaRPr/>
-          </a:p>
-        </p:txBody>
-      </p:sp>
-      <p:sp>
-        <p:nvSpPr>
-          <p:cNvPr id="413" name="Google Shape;413;p40"/>
-          <p:cNvSpPr txBox="1"/>
-          <p:nvPr>
-            <p:ph idx="12" type="sldNum"/>
-          </p:nvPr>
-        </p:nvSpPr>
-        <p:spPr>
-          <a:xfrm>
-            <a:off x="81975" y="6169556"/>
-            <a:ext cx="731700" cy="143700"/>
-          </a:xfrm>
-          <a:prstGeom prst="rect">
-            <a:avLst/>
-          </a:prstGeom>
-        </p:spPr>
-        <p:txBody>
-          <a:bodyPr anchorCtr="0" anchor="b" bIns="0" lIns="0" spcFirstLastPara="1" rIns="0" wrap="square" tIns="0">
-            <a:noAutofit/>
-          </a:bodyPr>
-          <a:lstStyle/>
-          <a:p>
-            <a:pPr indent="0" lvl="0" marL="0" rtl="0" algn="ctr">
-              <a:spcBef>
-                <a:spcPts val="0"/>
-              </a:spcBef>
-              <a:spcAft>
-                <a:spcPts val="0"/>
-              </a:spcAft>
-              <a:buNone/>
-            </a:pPr>
-            <a:fld id="{00000000-1234-1234-1234-123412341234}" type="slidenum">
-              <a:rPr lang="en"/>
-              <a:t>‹#›</a:t>
-            </a:fld>
-            <a:endParaRPr/>
-          </a:p>
-        </p:txBody>
-      </p:sp>
-      <p:pic>
-        <p:nvPicPr>
-          <p:cNvPr id="414" name="Google Shape;414;p40"/>
-          <p:cNvPicPr preferRelativeResize="0"/>
-          <p:nvPr/>
-        </p:nvPicPr>
-        <p:blipFill>
-          <a:blip r:embed="rId3">
-            <a:alphaModFix/>
-          </a:blip>
-          <a:stretch>
-            <a:fillRect/>
-          </a:stretch>
-        </p:blipFill>
-        <p:spPr>
-          <a:xfrm>
-            <a:off x="2742550" y="1146413"/>
-            <a:ext cx="4010100" cy="2564394"/>
-          </a:xfrm>
-          <a:prstGeom prst="rect">
-            <a:avLst/>
-          </a:prstGeom>
-          <a:noFill/>
-          <a:ln>
-            <a:noFill/>
-          </a:ln>
-        </p:spPr>
-      </p:pic>
-      <p:pic>
-        <p:nvPicPr>
-          <p:cNvPr id="415" name="Google Shape;415;p40"/>
-          <p:cNvPicPr preferRelativeResize="0"/>
-          <p:nvPr/>
-        </p:nvPicPr>
-        <p:blipFill>
-          <a:blip r:embed="rId4">
-            <a:alphaModFix/>
-          </a:blip>
-          <a:stretch>
-            <a:fillRect/>
-          </a:stretch>
-        </p:blipFill>
-        <p:spPr>
-          <a:xfrm>
-            <a:off x="7149300" y="1433500"/>
-            <a:ext cx="4010100" cy="3990976"/>
-          </a:xfrm>
-          <a:prstGeom prst="rect">
-            <a:avLst/>
-          </a:prstGeom>
-          <a:noFill/>
-          <a:ln>
-            <a:noFill/>
-          </a:ln>
-        </p:spPr>
-      </p:pic>
-      <p:pic>
-        <p:nvPicPr>
-          <p:cNvPr id="416" name="Google Shape;416;p40"/>
-          <p:cNvPicPr preferRelativeResize="0"/>
-          <p:nvPr/>
-        </p:nvPicPr>
-        <p:blipFill>
-          <a:blip r:embed="rId5">
-            <a:alphaModFix/>
-          </a:blip>
-          <a:stretch>
-            <a:fillRect/>
-          </a:stretch>
-        </p:blipFill>
-        <p:spPr>
-          <a:xfrm>
-            <a:off x="1030300" y="3558575"/>
-            <a:ext cx="5996725" cy="2610976"/>
-          </a:xfrm>
-          <a:prstGeom prst="rect">
-            <a:avLst/>
-          </a:prstGeom>
-          <a:noFill/>
-          <a:ln>
-            <a:noFill/>
-          </a:ln>
-        </p:spPr>
-      </p:pic>
-      <p:sp>
-        <p:nvSpPr>
-          <p:cNvPr id="417" name="Google Shape;417;p40"/>
-          <p:cNvSpPr txBox="1"/>
-          <p:nvPr/>
-        </p:nvSpPr>
-        <p:spPr>
-          <a:xfrm>
-            <a:off x="713275" y="448800"/>
-            <a:ext cx="4209900" cy="559500"/>
-          </a:xfrm>
-          <a:prstGeom prst="rect">
-            <a:avLst/>
-          </a:prstGeom>
-          <a:noFill/>
-          <a:ln>
-            <a:noFill/>
-          </a:ln>
-        </p:spPr>
-        <p:txBody>
-          <a:bodyPr anchorCtr="0" anchor="t" bIns="91425" lIns="91425" spcFirstLastPara="1" rIns="91425" wrap="square" tIns="91425">
-            <a:noAutofit/>
-          </a:bodyPr>
-          <a:lstStyle/>
-          <a:p>
-            <a:pPr indent="0" lvl="0" marL="0" rtl="0" algn="l">
-              <a:spcBef>
-                <a:spcPts val="0"/>
-              </a:spcBef>
-              <a:spcAft>
-                <a:spcPts val="0"/>
-              </a:spcAft>
-              <a:buNone/>
-            </a:pPr>
-            <a:r>
-              <a:rPr lang="en" sz="2700">
-                <a:solidFill>
-                  <a:srgbClr val="980000"/>
-                </a:solidFill>
-                <a:latin typeface="Overpass Light"/>
-                <a:ea typeface="Overpass Light"/>
-                <a:cs typeface="Overpass Light"/>
-                <a:sym typeface="Overpass Light"/>
-              </a:rPr>
-              <a:t>Alerting on Anomalies</a:t>
-            </a:r>
-            <a:endParaRPr/>
-          </a:p>
-        </p:txBody>
-      </p:sp>
-    </p:spTree>
-  </p:cSld>
-  <p:clrMapOvr>
-    <a:masterClrMapping/>
-  </p:clrMapOvr>
+  <mc:AlternateContent>
+    <mc:Choice Requires="p14">
+      <p:transition spd="slow" p14:dur="1000">
+        <p14:flip dir="l"/>
+      </p:transition>
+    </mc:Choice>
+    <mc:Fallback>
+      <p:transition spd="slow">
+        <p:fade/>
+      </p:transition>
+    </mc:Fallback>
+  </mc:AlternateContent>
 </p:sld>
 </file>
 
@@ -40816,6 +42230,285 @@
 </file>
 
 <file path=ppt/theme/theme2.xml><?xml version="1.0" encoding="utf-8"?>
+<a:theme xmlns:a="http://schemas.openxmlformats.org/drawingml/2006/main" xmlns:r="http://schemas.openxmlformats.org/officeDocument/2006/relationships" name="Red Hat widescreen template">
+  <a:themeElements>
+    <a:clrScheme name="Simple Light">
+      <a:dk1>
+        <a:srgbClr val="000000"/>
+      </a:dk1>
+      <a:lt1>
+        <a:srgbClr val="FFFFFF"/>
+      </a:lt1>
+      <a:dk2>
+        <a:srgbClr val="595959"/>
+      </a:dk2>
+      <a:lt2>
+        <a:srgbClr val="EEEEEE"/>
+      </a:lt2>
+      <a:accent1>
+        <a:srgbClr val="FFAB40"/>
+      </a:accent1>
+      <a:accent2>
+        <a:srgbClr val="212121"/>
+      </a:accent2>
+      <a:accent3>
+        <a:srgbClr val="78909C"/>
+      </a:accent3>
+      <a:accent4>
+        <a:srgbClr val="FFAB40"/>
+      </a:accent4>
+      <a:accent5>
+        <a:srgbClr val="0097A7"/>
+      </a:accent5>
+      <a:accent6>
+        <a:srgbClr val="EEFF41"/>
+      </a:accent6>
+      <a:hlink>
+        <a:srgbClr val="0097A7"/>
+      </a:hlink>
+      <a:folHlink>
+        <a:srgbClr val="0097A7"/>
+      </a:folHlink>
+    </a:clrScheme>
+    <a:fontScheme name="Office">
+      <a:majorFont>
+        <a:latin typeface="Arial"/>
+        <a:ea typeface=""/>
+        <a:cs typeface=""/>
+        <a:font script="Jpan" typeface="ＭＳ Ｐゴシック"/>
+        <a:font script="Hang" typeface="맑은 고딕"/>
+        <a:font script="Hans" typeface="宋体"/>
+        <a:font script="Hant" typeface="新細明體"/>
+        <a:font script="Arab" typeface="Times New Roman"/>
+        <a:font script="Hebr" typeface="Times New Roman"/>
+        <a:font script="Thai" typeface="Angsana New"/>
+        <a:font script="Ethi" typeface="Nyala"/>
+        <a:font script="Beng" typeface="Vrinda"/>
+        <a:font script="Gujr" typeface="Shruti"/>
+        <a:font script="Khmr" typeface="MoolBoran"/>
+        <a:font script="Knda" typeface="Tunga"/>
+        <a:font script="Guru" typeface="Raavi"/>
+        <a:font script="Cans" typeface="Euphemia"/>
+        <a:font script="Cher" typeface="Plantagenet Cherokee"/>
+        <a:font script="Yiii" typeface="Microsoft Yi Baiti"/>
+        <a:font script="Tibt" typeface="Microsoft Himalaya"/>
+        <a:font script="Thaa" typeface="MV Boli"/>
+        <a:font script="Deva" typeface="Mangal"/>
+        <a:font script="Telu" typeface="Gautami"/>
+        <a:font script="Taml" typeface="Latha"/>
+        <a:font script="Syrc" typeface="Estrangelo Edessa"/>
+        <a:font script="Orya" typeface="Kalinga"/>
+        <a:font script="Mlym" typeface="Kartika"/>
+        <a:font script="Laoo" typeface="DokChampa"/>
+        <a:font script="Sinh" typeface="Iskoola Pota"/>
+        <a:font script="Mong" typeface="Mongolian Baiti"/>
+        <a:font script="Viet" typeface="Times New Roman"/>
+        <a:font script="Uigh" typeface="Microsoft Uighur"/>
+        <a:font script="Geor" typeface="Sylfaen"/>
+      </a:majorFont>
+      <a:minorFont>
+        <a:latin typeface="Arial"/>
+        <a:ea typeface=""/>
+        <a:cs typeface=""/>
+        <a:font script="Jpan" typeface="ＭＳ Ｐゴシック"/>
+        <a:font script="Hang" typeface="맑은 고딕"/>
+        <a:font script="Hans" typeface="宋体"/>
+        <a:font script="Hant" typeface="新細明體"/>
+        <a:font script="Arab" typeface="Arial"/>
+        <a:font script="Hebr" typeface="Arial"/>
+        <a:font script="Thai" typeface="Cordia New"/>
+        <a:font script="Ethi" typeface="Nyala"/>
+        <a:font script="Beng" typeface="Vrinda"/>
+        <a:font script="Gujr" typeface="Shruti"/>
+        <a:font script="Khmr" typeface="DaunPenh"/>
+        <a:font script="Knda" typeface="Tunga"/>
+        <a:font script="Guru" typeface="Raavi"/>
+        <a:font script="Cans" typeface="Euphemia"/>
+        <a:font script="Cher" typeface="Plantagenet Cherokee"/>
+        <a:font script="Yiii" typeface="Microsoft Yi Baiti"/>
+        <a:font script="Tibt" typeface="Microsoft Himalaya"/>
+        <a:font script="Thaa" typeface="MV Boli"/>
+        <a:font script="Deva" typeface="Mangal"/>
+        <a:font script="Telu" typeface="Gautami"/>
+        <a:font script="Taml" typeface="Latha"/>
+        <a:font script="Syrc" typeface="Estrangelo Edessa"/>
+        <a:font script="Orya" typeface="Kalinga"/>
+        <a:font script="Mlym" typeface="Kartika"/>
+        <a:font script="Laoo" typeface="DokChampa"/>
+        <a:font script="Sinh" typeface="Iskoola Pota"/>
+        <a:font script="Mong" typeface="Mongolian Baiti"/>
+        <a:font script="Viet" typeface="Arial"/>
+        <a:font script="Uigh" typeface="Microsoft Uighur"/>
+        <a:font script="Geor" typeface="Sylfaen"/>
+      </a:minorFont>
+    </a:fontScheme>
+    <a:fmtScheme name="Office">
+      <a:fillStyleLst>
+        <a:solidFill>
+          <a:schemeClr val="phClr"/>
+        </a:solidFill>
+        <a:gradFill rotWithShape="1">
+          <a:gsLst>
+            <a:gs pos="0">
+              <a:schemeClr val="phClr">
+                <a:tint val="50000"/>
+                <a:satMod val="300000"/>
+              </a:schemeClr>
+            </a:gs>
+            <a:gs pos="35000">
+              <a:schemeClr val="phClr">
+                <a:tint val="37000"/>
+                <a:satMod val="300000"/>
+              </a:schemeClr>
+            </a:gs>
+            <a:gs pos="100000">
+              <a:schemeClr val="phClr">
+                <a:tint val="15000"/>
+                <a:satMod val="350000"/>
+              </a:schemeClr>
+            </a:gs>
+          </a:gsLst>
+          <a:lin ang="16200000" scaled="1"/>
+        </a:gradFill>
+        <a:gradFill rotWithShape="1">
+          <a:gsLst>
+            <a:gs pos="0">
+              <a:schemeClr val="phClr">
+                <a:tint val="100000"/>
+                <a:shade val="100000"/>
+                <a:satMod val="130000"/>
+              </a:schemeClr>
+            </a:gs>
+            <a:gs pos="100000">
+              <a:schemeClr val="phClr">
+                <a:tint val="50000"/>
+                <a:shade val="100000"/>
+                <a:satMod val="350000"/>
+              </a:schemeClr>
+            </a:gs>
+          </a:gsLst>
+          <a:lin ang="16200000" scaled="0"/>
+        </a:gradFill>
+      </a:fillStyleLst>
+      <a:lnStyleLst>
+        <a:ln w="9525" cap="flat" cmpd="sng" algn="ctr">
+          <a:solidFill>
+            <a:schemeClr val="phClr">
+              <a:shade val="95000"/>
+              <a:satMod val="105000"/>
+            </a:schemeClr>
+          </a:solidFill>
+          <a:prstDash val="solid"/>
+        </a:ln>
+        <a:ln w="25400" cap="flat" cmpd="sng" algn="ctr">
+          <a:solidFill>
+            <a:schemeClr val="phClr"/>
+          </a:solidFill>
+          <a:prstDash val="solid"/>
+        </a:ln>
+        <a:ln w="38100" cap="flat" cmpd="sng" algn="ctr">
+          <a:solidFill>
+            <a:schemeClr val="phClr"/>
+          </a:solidFill>
+          <a:prstDash val="solid"/>
+        </a:ln>
+      </a:lnStyleLst>
+      <a:effectStyleLst>
+        <a:effectStyle>
+          <a:effectLst>
+            <a:outerShdw blurRad="40000" dist="20000" dir="5400000" rotWithShape="0">
+              <a:srgbClr val="000000">
+                <a:alpha val="38000"/>
+              </a:srgbClr>
+            </a:outerShdw>
+          </a:effectLst>
+        </a:effectStyle>
+        <a:effectStyle>
+          <a:effectLst>
+            <a:outerShdw blurRad="40000" dist="23000" dir="5400000" rotWithShape="0">
+              <a:srgbClr val="000000">
+                <a:alpha val="35000"/>
+              </a:srgbClr>
+            </a:outerShdw>
+          </a:effectLst>
+        </a:effectStyle>
+        <a:effectStyle>
+          <a:effectLst>
+            <a:outerShdw blurRad="40000" dist="23000" dir="5400000" rotWithShape="0">
+              <a:srgbClr val="000000">
+                <a:alpha val="35000"/>
+              </a:srgbClr>
+            </a:outerShdw>
+          </a:effectLst>
+          <a:scene3d>
+            <a:camera prst="orthographicFront">
+              <a:rot lat="0" lon="0" rev="0"/>
+            </a:camera>
+            <a:lightRig rig="threePt" dir="t">
+              <a:rot lat="0" lon="0" rev="1200000"/>
+            </a:lightRig>
+          </a:scene3d>
+          <a:sp3d>
+            <a:bevelT w="63500" h="25400"/>
+          </a:sp3d>
+        </a:effectStyle>
+      </a:effectStyleLst>
+      <a:bgFillStyleLst>
+        <a:solidFill>
+          <a:schemeClr val="phClr"/>
+        </a:solidFill>
+        <a:gradFill rotWithShape="1">
+          <a:gsLst>
+            <a:gs pos="0">
+              <a:schemeClr val="phClr">
+                <a:tint val="40000"/>
+                <a:satMod val="350000"/>
+              </a:schemeClr>
+            </a:gs>
+            <a:gs pos="40000">
+              <a:schemeClr val="phClr">
+                <a:tint val="45000"/>
+                <a:shade val="99000"/>
+                <a:satMod val="350000"/>
+              </a:schemeClr>
+            </a:gs>
+            <a:gs pos="100000">
+              <a:schemeClr val="phClr">
+                <a:shade val="20000"/>
+                <a:satMod val="255000"/>
+              </a:schemeClr>
+            </a:gs>
+          </a:gsLst>
+          <a:path path="circle">
+            <a:fillToRect l="50000" t="-80000" r="50000" b="180000"/>
+          </a:path>
+        </a:gradFill>
+        <a:gradFill rotWithShape="1">
+          <a:gsLst>
+            <a:gs pos="0">
+              <a:schemeClr val="phClr">
+                <a:tint val="80000"/>
+                <a:satMod val="300000"/>
+              </a:schemeClr>
+            </a:gs>
+            <a:gs pos="100000">
+              <a:schemeClr val="phClr">
+                <a:shade val="30000"/>
+                <a:satMod val="200000"/>
+              </a:schemeClr>
+            </a:gs>
+          </a:gsLst>
+          <a:path path="circle">
+            <a:fillToRect l="50000" t="50000" r="50000" b="50000"/>
+          </a:path>
+        </a:gradFill>
+      </a:bgFillStyleLst>
+    </a:fmtScheme>
+  </a:themeElements>
+</a:theme>
+</file>
+
+<file path=ppt/theme/theme3.xml><?xml version="1.0" encoding="utf-8"?>
 <a:theme xmlns:a="http://schemas.openxmlformats.org/drawingml/2006/main" xmlns:r="http://schemas.openxmlformats.org/officeDocument/2006/relationships">
   <a:themeElements>
     <a:clrScheme name="Default">
@@ -41092,283 +42785,4 @@
     </a:fmtScheme>
   </a:themeElements>
 </a:theme>
-</file>
-
-<file path=ppt/theme/theme3.xml><?xml version="1.0" encoding="utf-8"?>
-<a:theme xmlns:a="http://schemas.openxmlformats.org/drawingml/2006/main" xmlns:r="http://schemas.openxmlformats.org/officeDocument/2006/relationships" name="Red Hat widescreen template">
-  <a:themeElements>
-    <a:clrScheme name="Simple Light">
-      <a:dk1>
-        <a:srgbClr val="000000"/>
-      </a:dk1>
-      <a:lt1>
-        <a:srgbClr val="FFFFFF"/>
-      </a:lt1>
-      <a:dk2>
-        <a:srgbClr val="595959"/>
-      </a:dk2>
-      <a:lt2>
-        <a:srgbClr val="EEEEEE"/>
-      </a:lt2>
-      <a:accent1>
-        <a:srgbClr val="FFAB40"/>
-      </a:accent1>
-      <a:accent2>
-        <a:srgbClr val="212121"/>
-      </a:accent2>
-      <a:accent3>
-        <a:srgbClr val="78909C"/>
-      </a:accent3>
-      <a:accent4>
-        <a:srgbClr val="FFAB40"/>
-      </a:accent4>
-      <a:accent5>
-        <a:srgbClr val="0097A7"/>
-      </a:accent5>
-      <a:accent6>
-        <a:srgbClr val="EEFF41"/>
-      </a:accent6>
-      <a:hlink>
-        <a:srgbClr val="0097A7"/>
-      </a:hlink>
-      <a:folHlink>
-        <a:srgbClr val="0097A7"/>
-      </a:folHlink>
-    </a:clrScheme>
-    <a:fontScheme name="Office">
-      <a:majorFont>
-        <a:latin typeface="Arial"/>
-        <a:ea typeface=""/>
-        <a:cs typeface=""/>
-        <a:font script="Jpan" typeface="ＭＳ Ｐゴシック"/>
-        <a:font script="Hang" typeface="맑은 고딕"/>
-        <a:font script="Hans" typeface="宋体"/>
-        <a:font script="Hant" typeface="新細明體"/>
-        <a:font script="Arab" typeface="Times New Roman"/>
-        <a:font script="Hebr" typeface="Times New Roman"/>
-        <a:font script="Thai" typeface="Angsana New"/>
-        <a:font script="Ethi" typeface="Nyala"/>
-        <a:font script="Beng" typeface="Vrinda"/>
-        <a:font script="Gujr" typeface="Shruti"/>
-        <a:font script="Khmr" typeface="MoolBoran"/>
-        <a:font script="Knda" typeface="Tunga"/>
-        <a:font script="Guru" typeface="Raavi"/>
-        <a:font script="Cans" typeface="Euphemia"/>
-        <a:font script="Cher" typeface="Plantagenet Cherokee"/>
-        <a:font script="Yiii" typeface="Microsoft Yi Baiti"/>
-        <a:font script="Tibt" typeface="Microsoft Himalaya"/>
-        <a:font script="Thaa" typeface="MV Boli"/>
-        <a:font script="Deva" typeface="Mangal"/>
-        <a:font script="Telu" typeface="Gautami"/>
-        <a:font script="Taml" typeface="Latha"/>
-        <a:font script="Syrc" typeface="Estrangelo Edessa"/>
-        <a:font script="Orya" typeface="Kalinga"/>
-        <a:font script="Mlym" typeface="Kartika"/>
-        <a:font script="Laoo" typeface="DokChampa"/>
-        <a:font script="Sinh" typeface="Iskoola Pota"/>
-        <a:font script="Mong" typeface="Mongolian Baiti"/>
-        <a:font script="Viet" typeface="Times New Roman"/>
-        <a:font script="Uigh" typeface="Microsoft Uighur"/>
-        <a:font script="Geor" typeface="Sylfaen"/>
-      </a:majorFont>
-      <a:minorFont>
-        <a:latin typeface="Arial"/>
-        <a:ea typeface=""/>
-        <a:cs typeface=""/>
-        <a:font script="Jpan" typeface="ＭＳ Ｐゴシック"/>
-        <a:font script="Hang" typeface="맑은 고딕"/>
-        <a:font script="Hans" typeface="宋体"/>
-        <a:font script="Hant" typeface="新細明體"/>
-        <a:font script="Arab" typeface="Arial"/>
-        <a:font script="Hebr" typeface="Arial"/>
-        <a:font script="Thai" typeface="Cordia New"/>
-        <a:font script="Ethi" typeface="Nyala"/>
-        <a:font script="Beng" typeface="Vrinda"/>
-        <a:font script="Gujr" typeface="Shruti"/>
-        <a:font script="Khmr" typeface="DaunPenh"/>
-        <a:font script="Knda" typeface="Tunga"/>
-        <a:font script="Guru" typeface="Raavi"/>
-        <a:font script="Cans" typeface="Euphemia"/>
-        <a:font script="Cher" typeface="Plantagenet Cherokee"/>
-        <a:font script="Yiii" typeface="Microsoft Yi Baiti"/>
-        <a:font script="Tibt" typeface="Microsoft Himalaya"/>
-        <a:font script="Thaa" typeface="MV Boli"/>
-        <a:font script="Deva" typeface="Mangal"/>
-        <a:font script="Telu" typeface="Gautami"/>
-        <a:font script="Taml" typeface="Latha"/>
-        <a:font script="Syrc" typeface="Estrangelo Edessa"/>
-        <a:font script="Orya" typeface="Kalinga"/>
-        <a:font script="Mlym" typeface="Kartika"/>
-        <a:font script="Laoo" typeface="DokChampa"/>
-        <a:font script="Sinh" typeface="Iskoola Pota"/>
-        <a:font script="Mong" typeface="Mongolian Baiti"/>
-        <a:font script="Viet" typeface="Arial"/>
-        <a:font script="Uigh" typeface="Microsoft Uighur"/>
-        <a:font script="Geor" typeface="Sylfaen"/>
-      </a:minorFont>
-    </a:fontScheme>
-    <a:fmtScheme name="Office">
-      <a:fillStyleLst>
-        <a:solidFill>
-          <a:schemeClr val="phClr"/>
-        </a:solidFill>
-        <a:gradFill rotWithShape="1">
-          <a:gsLst>
-            <a:gs pos="0">
-              <a:schemeClr val="phClr">
-                <a:tint val="50000"/>
-                <a:satMod val="300000"/>
-              </a:schemeClr>
-            </a:gs>
-            <a:gs pos="35000">
-              <a:schemeClr val="phClr">
-                <a:tint val="37000"/>
-                <a:satMod val="300000"/>
-              </a:schemeClr>
-            </a:gs>
-            <a:gs pos="100000">
-              <a:schemeClr val="phClr">
-                <a:tint val="15000"/>
-                <a:satMod val="350000"/>
-              </a:schemeClr>
-            </a:gs>
-          </a:gsLst>
-          <a:lin ang="16200000" scaled="1"/>
-        </a:gradFill>
-        <a:gradFill rotWithShape="1">
-          <a:gsLst>
-            <a:gs pos="0">
-              <a:schemeClr val="phClr">
-                <a:tint val="100000"/>
-                <a:shade val="100000"/>
-                <a:satMod val="130000"/>
-              </a:schemeClr>
-            </a:gs>
-            <a:gs pos="100000">
-              <a:schemeClr val="phClr">
-                <a:tint val="50000"/>
-                <a:shade val="100000"/>
-                <a:satMod val="350000"/>
-              </a:schemeClr>
-            </a:gs>
-          </a:gsLst>
-          <a:lin ang="16200000" scaled="0"/>
-        </a:gradFill>
-      </a:fillStyleLst>
-      <a:lnStyleLst>
-        <a:ln w="9525" cap="flat" cmpd="sng" algn="ctr">
-          <a:solidFill>
-            <a:schemeClr val="phClr">
-              <a:shade val="95000"/>
-              <a:satMod val="105000"/>
-            </a:schemeClr>
-          </a:solidFill>
-          <a:prstDash val="solid"/>
-        </a:ln>
-        <a:ln w="25400" cap="flat" cmpd="sng" algn="ctr">
-          <a:solidFill>
-            <a:schemeClr val="phClr"/>
-          </a:solidFill>
-          <a:prstDash val="solid"/>
-        </a:ln>
-        <a:ln w="38100" cap="flat" cmpd="sng" algn="ctr">
-          <a:solidFill>
-            <a:schemeClr val="phClr"/>
-          </a:solidFill>
-          <a:prstDash val="solid"/>
-        </a:ln>
-      </a:lnStyleLst>
-      <a:effectStyleLst>
-        <a:effectStyle>
-          <a:effectLst>
-            <a:outerShdw blurRad="40000" dist="20000" dir="5400000" rotWithShape="0">
-              <a:srgbClr val="000000">
-                <a:alpha val="38000"/>
-              </a:srgbClr>
-            </a:outerShdw>
-          </a:effectLst>
-        </a:effectStyle>
-        <a:effectStyle>
-          <a:effectLst>
-            <a:outerShdw blurRad="40000" dist="23000" dir="5400000" rotWithShape="0">
-              <a:srgbClr val="000000">
-                <a:alpha val="35000"/>
-              </a:srgbClr>
-            </a:outerShdw>
-          </a:effectLst>
-        </a:effectStyle>
-        <a:effectStyle>
-          <a:effectLst>
-            <a:outerShdw blurRad="40000" dist="23000" dir="5400000" rotWithShape="0">
-              <a:srgbClr val="000000">
-                <a:alpha val="35000"/>
-              </a:srgbClr>
-            </a:outerShdw>
-          </a:effectLst>
-          <a:scene3d>
-            <a:camera prst="orthographicFront">
-              <a:rot lat="0" lon="0" rev="0"/>
-            </a:camera>
-            <a:lightRig rig="threePt" dir="t">
-              <a:rot lat="0" lon="0" rev="1200000"/>
-            </a:lightRig>
-          </a:scene3d>
-          <a:sp3d>
-            <a:bevelT w="63500" h="25400"/>
-          </a:sp3d>
-        </a:effectStyle>
-      </a:effectStyleLst>
-      <a:bgFillStyleLst>
-        <a:solidFill>
-          <a:schemeClr val="phClr"/>
-        </a:solidFill>
-        <a:gradFill rotWithShape="1">
-          <a:gsLst>
-            <a:gs pos="0">
-              <a:schemeClr val="phClr">
-                <a:tint val="40000"/>
-                <a:satMod val="350000"/>
-              </a:schemeClr>
-            </a:gs>
-            <a:gs pos="40000">
-              <a:schemeClr val="phClr">
-                <a:tint val="45000"/>
-                <a:shade val="99000"/>
-                <a:satMod val="350000"/>
-              </a:schemeClr>
-            </a:gs>
-            <a:gs pos="100000">
-              <a:schemeClr val="phClr">
-                <a:shade val="20000"/>
-                <a:satMod val="255000"/>
-              </a:schemeClr>
-            </a:gs>
-          </a:gsLst>
-          <a:path path="circle">
-            <a:fillToRect l="50000" t="-80000" r="50000" b="180000"/>
-          </a:path>
-        </a:gradFill>
-        <a:gradFill rotWithShape="1">
-          <a:gsLst>
-            <a:gs pos="0">
-              <a:schemeClr val="phClr">
-                <a:tint val="80000"/>
-                <a:satMod val="300000"/>
-              </a:schemeClr>
-            </a:gs>
-            <a:gs pos="100000">
-              <a:schemeClr val="phClr">
-                <a:shade val="30000"/>
-                <a:satMod val="200000"/>
-              </a:schemeClr>
-            </a:gs>
-          </a:gsLst>
-          <a:path path="circle">
-            <a:fillToRect l="50000" t="50000" r="50000" b="50000"/>
-          </a:path>
-        </a:gradFill>
-      </a:bgFillStyleLst>
-    </a:fmtScheme>
-  </a:themeElements>
-</a:theme>
 </file>
--- a/slides/source/I See Metrics_ Anomaly Detection on OpenShift.pptx
+++ b/slides/source/I See Metrics_ Anomaly Detection on OpenShift.pptx
@@ -38013,7 +38013,7 @@
   <mc:AlternateContent>
     <mc:Choice Requires="p14">
       <p:transition spd="slow" p14:dur="1000">
-        <p:push/>
+        <p:push dir="r"/>
       </p:transition>
     </mc:Choice>
     <mc:Fallback>
@@ -38214,7 +38214,7 @@
   <mc:AlternateContent>
     <mc:Choice Requires="p14">
       <p:transition spd="slow" p14:dur="1000">
-        <p:fade/>
+        <p:push dir="r"/>
       </p:transition>
     </mc:Choice>
     <mc:Fallback>
@@ -39426,7 +39426,7 @@
                 <a:cs typeface="Overpass"/>
                 <a:sym typeface="Overpass"/>
               </a:rPr>
-              <a:t>Prometheus API Client: </a:t>
+              <a:t>Workshop Repository: </a:t>
             </a:r>
             <a:r>
               <a:rPr lang="en" sz="1800" u="sng">
@@ -39439,7 +39439,7 @@
                 <a:sym typeface="Overpass"/>
                 <a:hlinkClick r:id="rId4"/>
               </a:rPr>
-              <a:t>https://github.com/AICoE/prometheus-api-client-python</a:t>
+              <a:t>https://github.com/hemajv/prometheus-anomaly-detection-workshop</a:t>
             </a:r>
             <a:endParaRPr sz="1800">
               <a:latin typeface="Overpass"/>
@@ -39482,17 +39482,20 @@
             </a:pPr>
             <a:r>
               <a:rPr lang="en" sz="1800">
+                <a:solidFill>
+                  <a:schemeClr val="dk1"/>
+                </a:solidFill>
                 <a:latin typeface="Overpass"/>
                 <a:ea typeface="Overpass"/>
                 <a:cs typeface="Overpass"/>
                 <a:sym typeface="Overpass"/>
               </a:rPr>
-              <a:t>Mojo blog post: </a:t>
+              <a:t>Prometheus API Client: </a:t>
             </a:r>
             <a:r>
               <a:rPr lang="en" sz="1800" u="sng">
                 <a:solidFill>
-                  <a:schemeClr val="hlink"/>
+                  <a:schemeClr val="accent5"/>
                 </a:solidFill>
                 <a:latin typeface="Overpass"/>
                 <a:ea typeface="Overpass"/>
@@ -39500,7 +39503,7 @@
                 <a:sym typeface="Overpass"/>
                 <a:hlinkClick r:id="rId5"/>
               </a:rPr>
-              <a:t>https://mojo.redhat.com/groups/red-hat-artificial-intelligence-center-of-excellence-ai-coe/blog/2019/09/10/prometheus-anomaly-detection-for-thoth-dgraph-metrics</a:t>
+              <a:t>https://github.com/AICoE/prometheus-api-client-python</a:t>
             </a:r>
             <a:endParaRPr sz="1800">
               <a:latin typeface="Overpass"/>
@@ -40703,7 +40706,7 @@
   <mc:AlternateContent>
     <mc:Choice Requires="p14">
       <p:transition spd="slow" p14:dur="1000">
-        <p:push/>
+        <p:push dir="r"/>
       </p:transition>
     </mc:Choice>
     <mc:Fallback>
@@ -41938,7 +41941,7 @@
   <mc:AlternateContent>
     <mc:Choice Requires="p14">
       <p:transition spd="slow" p14:dur="1000">
-        <p14:flip dir="l"/>
+        <p:push dir="r"/>
       </p:transition>
     </mc:Choice>
     <mc:Fallback>
